--- a/bozza_flussi_di_cassa.pptx
+++ b/bozza_flussi_di_cassa.pptx
@@ -6,6 +6,7 @@
   </p:sldMasterIdLst>
   <p:sldIdLst>
     <p:sldId id="256" r:id="rId3"/>
+    <p:sldId id="257" r:id="rId4"/>
   </p:sldIdLst>
   <p:sldSz cx="10080625" cy="5670550"/>
   <p:notesSz cx="7772400" cy="10058400"/>
@@ -53,7 +54,7 @@
       </p:grpSpPr>
       <p:sp>
         <p:nvSpPr>
-          <p:cNvPr id="26" name="PlaceHolder 1"/>
+          <p:cNvPr id="23" name="PlaceHolder 1"/>
           <p:cNvSpPr>
             <a:spLocks noGrp="1"/>
           </p:cNvSpPr>
@@ -64,7 +65,7 @@
         <p:spPr>
           <a:xfrm>
             <a:off x="504000" y="226080"/>
-            <a:ext cx="9071640" cy="946440"/>
+            <a:ext cx="9071280" cy="946080"/>
           </a:xfrm>
           <a:prstGeom prst="rect">
             <a:avLst/>
@@ -88,7 +89,7 @@
       </p:sp>
       <p:sp>
         <p:nvSpPr>
-          <p:cNvPr id="27" name="PlaceHolder 2"/>
+          <p:cNvPr id="24" name="PlaceHolder 2"/>
           <p:cNvSpPr>
             <a:spLocks noGrp="1"/>
           </p:cNvSpPr>
@@ -99,7 +100,7 @@
         <p:spPr>
           <a:xfrm>
             <a:off x="504000" y="1326600"/>
-            <a:ext cx="9071640" cy="1568160"/>
+            <a:ext cx="9072000" cy="1568520"/>
           </a:xfrm>
           <a:prstGeom prst="rect">
             <a:avLst/>
@@ -122,7 +123,7 @@
       </p:sp>
       <p:sp>
         <p:nvSpPr>
-          <p:cNvPr id="28" name="PlaceHolder 3"/>
+          <p:cNvPr id="25" name="PlaceHolder 3"/>
           <p:cNvSpPr>
             <a:spLocks noGrp="1"/>
           </p:cNvSpPr>
@@ -132,8 +133,8 @@
         </p:nvSpPr>
         <p:spPr>
           <a:xfrm>
-            <a:off x="504000" y="3044160"/>
-            <a:ext cx="9071640" cy="1568160"/>
+            <a:off x="504000" y="3044520"/>
+            <a:ext cx="9072000" cy="1568520"/>
           </a:xfrm>
           <a:prstGeom prst="rect">
             <a:avLst/>
@@ -178,7 +179,7 @@
       </p:grpSpPr>
       <p:sp>
         <p:nvSpPr>
-          <p:cNvPr id="29" name="PlaceHolder 1"/>
+          <p:cNvPr id="26" name="PlaceHolder 1"/>
           <p:cNvSpPr>
             <a:spLocks noGrp="1"/>
           </p:cNvSpPr>
@@ -189,7 +190,7 @@
         <p:spPr>
           <a:xfrm>
             <a:off x="504000" y="226080"/>
-            <a:ext cx="9071640" cy="946440"/>
+            <a:ext cx="9071280" cy="946080"/>
           </a:xfrm>
           <a:prstGeom prst="rect">
             <a:avLst/>
@@ -213,7 +214,7 @@
       </p:sp>
       <p:sp>
         <p:nvSpPr>
-          <p:cNvPr id="30" name="PlaceHolder 2"/>
+          <p:cNvPr id="27" name="PlaceHolder 2"/>
           <p:cNvSpPr>
             <a:spLocks noGrp="1"/>
           </p:cNvSpPr>
@@ -224,7 +225,7 @@
         <p:spPr>
           <a:xfrm>
             <a:off x="504000" y="1326600"/>
-            <a:ext cx="4426920" cy="1568160"/>
+            <a:ext cx="4426920" cy="1568520"/>
           </a:xfrm>
           <a:prstGeom prst="rect">
             <a:avLst/>
@@ -247,7 +248,7 @@
       </p:sp>
       <p:sp>
         <p:nvSpPr>
-          <p:cNvPr id="31" name="PlaceHolder 3"/>
+          <p:cNvPr id="28" name="PlaceHolder 3"/>
           <p:cNvSpPr>
             <a:spLocks noGrp="1"/>
           </p:cNvSpPr>
@@ -258,7 +259,7 @@
         <p:spPr>
           <a:xfrm>
             <a:off x="5152680" y="1326600"/>
-            <a:ext cx="4426920" cy="1568160"/>
+            <a:ext cx="4426920" cy="1568520"/>
           </a:xfrm>
           <a:prstGeom prst="rect">
             <a:avLst/>
@@ -281,7 +282,7 @@
       </p:sp>
       <p:sp>
         <p:nvSpPr>
-          <p:cNvPr id="32" name="PlaceHolder 4"/>
+          <p:cNvPr id="29" name="PlaceHolder 4"/>
           <p:cNvSpPr>
             <a:spLocks noGrp="1"/>
           </p:cNvSpPr>
@@ -291,8 +292,8 @@
         </p:nvSpPr>
         <p:spPr>
           <a:xfrm>
-            <a:off x="504000" y="3044160"/>
-            <a:ext cx="4426920" cy="1568160"/>
+            <a:off x="504000" y="3044520"/>
+            <a:ext cx="4426920" cy="1568520"/>
           </a:xfrm>
           <a:prstGeom prst="rect">
             <a:avLst/>
@@ -315,7 +316,7 @@
       </p:sp>
       <p:sp>
         <p:nvSpPr>
-          <p:cNvPr id="33" name="PlaceHolder 5"/>
+          <p:cNvPr id="30" name="PlaceHolder 5"/>
           <p:cNvSpPr>
             <a:spLocks noGrp="1"/>
           </p:cNvSpPr>
@@ -325,8 +326,8 @@
         </p:nvSpPr>
         <p:spPr>
           <a:xfrm>
-            <a:off x="5152680" y="3044160"/>
-            <a:ext cx="4426920" cy="1568160"/>
+            <a:off x="5152680" y="3044520"/>
+            <a:ext cx="4426920" cy="1568520"/>
           </a:xfrm>
           <a:prstGeom prst="rect">
             <a:avLst/>
@@ -371,7 +372,7 @@
       </p:grpSpPr>
       <p:sp>
         <p:nvSpPr>
-          <p:cNvPr id="34" name="PlaceHolder 1"/>
+          <p:cNvPr id="31" name="PlaceHolder 1"/>
           <p:cNvSpPr>
             <a:spLocks noGrp="1"/>
           </p:cNvSpPr>
@@ -382,7 +383,7 @@
         <p:spPr>
           <a:xfrm>
             <a:off x="504000" y="226080"/>
-            <a:ext cx="9071640" cy="946440"/>
+            <a:ext cx="9071280" cy="946080"/>
           </a:xfrm>
           <a:prstGeom prst="rect">
             <a:avLst/>
@@ -406,7 +407,7 @@
       </p:sp>
       <p:sp>
         <p:nvSpPr>
-          <p:cNvPr id="35" name="PlaceHolder 2"/>
+          <p:cNvPr id="32" name="PlaceHolder 2"/>
           <p:cNvSpPr>
             <a:spLocks noGrp="1"/>
           </p:cNvSpPr>
@@ -417,7 +418,7 @@
         <p:spPr>
           <a:xfrm>
             <a:off x="504000" y="1326600"/>
-            <a:ext cx="2920680" cy="1568160"/>
+            <a:ext cx="2921040" cy="1568520"/>
           </a:xfrm>
           <a:prstGeom prst="rect">
             <a:avLst/>
@@ -440,7 +441,7 @@
       </p:sp>
       <p:sp>
         <p:nvSpPr>
-          <p:cNvPr id="36" name="PlaceHolder 3"/>
+          <p:cNvPr id="33" name="PlaceHolder 3"/>
           <p:cNvSpPr>
             <a:spLocks noGrp="1"/>
           </p:cNvSpPr>
@@ -450,8 +451,8 @@
         </p:nvSpPr>
         <p:spPr>
           <a:xfrm>
-            <a:off x="3571200" y="1326600"/>
-            <a:ext cx="2920680" cy="1568160"/>
+            <a:off x="3571560" y="1326600"/>
+            <a:ext cx="2921040" cy="1568520"/>
           </a:xfrm>
           <a:prstGeom prst="rect">
             <a:avLst/>
@@ -474,7 +475,7 @@
       </p:sp>
       <p:sp>
         <p:nvSpPr>
-          <p:cNvPr id="37" name="PlaceHolder 4"/>
+          <p:cNvPr id="34" name="PlaceHolder 4"/>
           <p:cNvSpPr>
             <a:spLocks noGrp="1"/>
           </p:cNvSpPr>
@@ -484,8 +485,8 @@
         </p:nvSpPr>
         <p:spPr>
           <a:xfrm>
-            <a:off x="6638040" y="1326600"/>
-            <a:ext cx="2920680" cy="1568160"/>
+            <a:off x="6639120" y="1326600"/>
+            <a:ext cx="2921040" cy="1568520"/>
           </a:xfrm>
           <a:prstGeom prst="rect">
             <a:avLst/>
@@ -508,7 +509,7 @@
       </p:sp>
       <p:sp>
         <p:nvSpPr>
-          <p:cNvPr id="38" name="PlaceHolder 5"/>
+          <p:cNvPr id="35" name="PlaceHolder 5"/>
           <p:cNvSpPr>
             <a:spLocks noGrp="1"/>
           </p:cNvSpPr>
@@ -518,8 +519,8 @@
         </p:nvSpPr>
         <p:spPr>
           <a:xfrm>
-            <a:off x="504000" y="3044160"/>
-            <a:ext cx="2920680" cy="1568160"/>
+            <a:off x="504000" y="3044520"/>
+            <a:ext cx="2921040" cy="1568520"/>
           </a:xfrm>
           <a:prstGeom prst="rect">
             <a:avLst/>
@@ -542,7 +543,7 @@
       </p:sp>
       <p:sp>
         <p:nvSpPr>
-          <p:cNvPr id="39" name="PlaceHolder 6"/>
+          <p:cNvPr id="36" name="PlaceHolder 6"/>
           <p:cNvSpPr>
             <a:spLocks noGrp="1"/>
           </p:cNvSpPr>
@@ -552,8 +553,8 @@
         </p:nvSpPr>
         <p:spPr>
           <a:xfrm>
-            <a:off x="3571200" y="3044160"/>
-            <a:ext cx="2920680" cy="1568160"/>
+            <a:off x="3571560" y="3044520"/>
+            <a:ext cx="2921040" cy="1568520"/>
           </a:xfrm>
           <a:prstGeom prst="rect">
             <a:avLst/>
@@ -576,7 +577,7 @@
       </p:sp>
       <p:sp>
         <p:nvSpPr>
-          <p:cNvPr id="40" name="PlaceHolder 7"/>
+          <p:cNvPr id="37" name="PlaceHolder 7"/>
           <p:cNvSpPr>
             <a:spLocks noGrp="1"/>
           </p:cNvSpPr>
@@ -586,8 +587,8 @@
         </p:nvSpPr>
         <p:spPr>
           <a:xfrm>
-            <a:off x="6638040" y="3044160"/>
-            <a:ext cx="2920680" cy="1568160"/>
+            <a:off x="6639120" y="3044520"/>
+            <a:ext cx="2921040" cy="1568520"/>
           </a:xfrm>
           <a:prstGeom prst="rect">
             <a:avLst/>
@@ -632,7 +633,7 @@
       </p:grpSpPr>
       <p:sp>
         <p:nvSpPr>
-          <p:cNvPr id="5" name="PlaceHolder 1"/>
+          <p:cNvPr id="2" name="PlaceHolder 1"/>
           <p:cNvSpPr>
             <a:spLocks noGrp="1"/>
           </p:cNvSpPr>
@@ -643,7 +644,7 @@
         <p:spPr>
           <a:xfrm>
             <a:off x="504000" y="226080"/>
-            <a:ext cx="9071640" cy="946440"/>
+            <a:ext cx="9071280" cy="946080"/>
           </a:xfrm>
           <a:prstGeom prst="rect">
             <a:avLst/>
@@ -667,7 +668,7 @@
       </p:sp>
       <p:sp>
         <p:nvSpPr>
-          <p:cNvPr id="6" name="PlaceHolder 2"/>
+          <p:cNvPr id="3" name="PlaceHolder 2"/>
           <p:cNvSpPr>
             <a:spLocks noGrp="1"/>
           </p:cNvSpPr>
@@ -678,7 +679,7 @@
         <p:spPr>
           <a:xfrm>
             <a:off x="504000" y="1326600"/>
-            <a:ext cx="9071640" cy="3288240"/>
+            <a:ext cx="9072000" cy="3288600"/>
           </a:xfrm>
           <a:prstGeom prst="rect">
             <a:avLst/>
@@ -724,7 +725,7 @@
       </p:grpSpPr>
       <p:sp>
         <p:nvSpPr>
-          <p:cNvPr id="7" name="PlaceHolder 1"/>
+          <p:cNvPr id="4" name="PlaceHolder 1"/>
           <p:cNvSpPr>
             <a:spLocks noGrp="1"/>
           </p:cNvSpPr>
@@ -735,7 +736,7 @@
         <p:spPr>
           <a:xfrm>
             <a:off x="504000" y="226080"/>
-            <a:ext cx="9071640" cy="946440"/>
+            <a:ext cx="9071280" cy="946080"/>
           </a:xfrm>
           <a:prstGeom prst="rect">
             <a:avLst/>
@@ -759,7 +760,7 @@
       </p:sp>
       <p:sp>
         <p:nvSpPr>
-          <p:cNvPr id="8" name="PlaceHolder 2"/>
+          <p:cNvPr id="5" name="PlaceHolder 2"/>
           <p:cNvSpPr>
             <a:spLocks noGrp="1"/>
           </p:cNvSpPr>
@@ -770,7 +771,7 @@
         <p:spPr>
           <a:xfrm>
             <a:off x="504000" y="1326600"/>
-            <a:ext cx="9071640" cy="3288240"/>
+            <a:ext cx="9072000" cy="3288600"/>
           </a:xfrm>
           <a:prstGeom prst="rect">
             <a:avLst/>
@@ -815,7 +816,7 @@
       </p:grpSpPr>
       <p:sp>
         <p:nvSpPr>
-          <p:cNvPr id="9" name="PlaceHolder 1"/>
+          <p:cNvPr id="6" name="PlaceHolder 1"/>
           <p:cNvSpPr>
             <a:spLocks noGrp="1"/>
           </p:cNvSpPr>
@@ -826,7 +827,7 @@
         <p:spPr>
           <a:xfrm>
             <a:off x="504000" y="226080"/>
-            <a:ext cx="9071640" cy="946440"/>
+            <a:ext cx="9071280" cy="946080"/>
           </a:xfrm>
           <a:prstGeom prst="rect">
             <a:avLst/>
@@ -850,7 +851,7 @@
       </p:sp>
       <p:sp>
         <p:nvSpPr>
-          <p:cNvPr id="10" name="PlaceHolder 2"/>
+          <p:cNvPr id="7" name="PlaceHolder 2"/>
           <p:cNvSpPr>
             <a:spLocks noGrp="1"/>
           </p:cNvSpPr>
@@ -861,7 +862,7 @@
         <p:spPr>
           <a:xfrm>
             <a:off x="504000" y="1326600"/>
-            <a:ext cx="4426920" cy="3288240"/>
+            <a:ext cx="4426920" cy="3288600"/>
           </a:xfrm>
           <a:prstGeom prst="rect">
             <a:avLst/>
@@ -884,7 +885,7 @@
       </p:sp>
       <p:sp>
         <p:nvSpPr>
-          <p:cNvPr id="11" name="PlaceHolder 3"/>
+          <p:cNvPr id="8" name="PlaceHolder 3"/>
           <p:cNvSpPr>
             <a:spLocks noGrp="1"/>
           </p:cNvSpPr>
@@ -895,7 +896,7 @@
         <p:spPr>
           <a:xfrm>
             <a:off x="5152680" y="1326600"/>
-            <a:ext cx="4426920" cy="3288240"/>
+            <a:ext cx="4426920" cy="3288600"/>
           </a:xfrm>
           <a:prstGeom prst="rect">
             <a:avLst/>
@@ -940,7 +941,7 @@
       </p:grpSpPr>
       <p:sp>
         <p:nvSpPr>
-          <p:cNvPr id="12" name="PlaceHolder 1"/>
+          <p:cNvPr id="9" name="PlaceHolder 1"/>
           <p:cNvSpPr>
             <a:spLocks noGrp="1"/>
           </p:cNvSpPr>
@@ -951,7 +952,7 @@
         <p:spPr>
           <a:xfrm>
             <a:off x="504000" y="226080"/>
-            <a:ext cx="9071640" cy="946440"/>
+            <a:ext cx="9071280" cy="946080"/>
           </a:xfrm>
           <a:prstGeom prst="rect">
             <a:avLst/>
@@ -997,7 +998,7 @@
       </p:grpSpPr>
       <p:sp>
         <p:nvSpPr>
-          <p:cNvPr id="13" name="PlaceHolder 1"/>
+          <p:cNvPr id="10" name="PlaceHolder 1"/>
           <p:cNvSpPr>
             <a:spLocks noGrp="1"/>
           </p:cNvSpPr>
@@ -1008,7 +1009,7 @@
         <p:spPr>
           <a:xfrm>
             <a:off x="504000" y="226080"/>
-            <a:ext cx="9071640" cy="4388400"/>
+            <a:ext cx="9071280" cy="4386600"/>
           </a:xfrm>
           <a:prstGeom prst="rect">
             <a:avLst/>
@@ -1054,7 +1055,7 @@
       </p:grpSpPr>
       <p:sp>
         <p:nvSpPr>
-          <p:cNvPr id="14" name="PlaceHolder 1"/>
+          <p:cNvPr id="11" name="PlaceHolder 1"/>
           <p:cNvSpPr>
             <a:spLocks noGrp="1"/>
           </p:cNvSpPr>
@@ -1065,7 +1066,7 @@
         <p:spPr>
           <a:xfrm>
             <a:off x="504000" y="226080"/>
-            <a:ext cx="9071640" cy="946440"/>
+            <a:ext cx="9071280" cy="946080"/>
           </a:xfrm>
           <a:prstGeom prst="rect">
             <a:avLst/>
@@ -1089,7 +1090,7 @@
       </p:sp>
       <p:sp>
         <p:nvSpPr>
-          <p:cNvPr id="15" name="PlaceHolder 2"/>
+          <p:cNvPr id="12" name="PlaceHolder 2"/>
           <p:cNvSpPr>
             <a:spLocks noGrp="1"/>
           </p:cNvSpPr>
@@ -1100,7 +1101,7 @@
         <p:spPr>
           <a:xfrm>
             <a:off x="504000" y="1326600"/>
-            <a:ext cx="4426920" cy="1568160"/>
+            <a:ext cx="4426920" cy="1568520"/>
           </a:xfrm>
           <a:prstGeom prst="rect">
             <a:avLst/>
@@ -1123,7 +1124,7 @@
       </p:sp>
       <p:sp>
         <p:nvSpPr>
-          <p:cNvPr id="16" name="PlaceHolder 3"/>
+          <p:cNvPr id="13" name="PlaceHolder 3"/>
           <p:cNvSpPr>
             <a:spLocks noGrp="1"/>
           </p:cNvSpPr>
@@ -1134,7 +1135,7 @@
         <p:spPr>
           <a:xfrm>
             <a:off x="5152680" y="1326600"/>
-            <a:ext cx="4426920" cy="3288240"/>
+            <a:ext cx="4426920" cy="3288600"/>
           </a:xfrm>
           <a:prstGeom prst="rect">
             <a:avLst/>
@@ -1157,7 +1158,7 @@
       </p:sp>
       <p:sp>
         <p:nvSpPr>
-          <p:cNvPr id="17" name="PlaceHolder 4"/>
+          <p:cNvPr id="14" name="PlaceHolder 4"/>
           <p:cNvSpPr>
             <a:spLocks noGrp="1"/>
           </p:cNvSpPr>
@@ -1167,8 +1168,8 @@
         </p:nvSpPr>
         <p:spPr>
           <a:xfrm>
-            <a:off x="504000" y="3044160"/>
-            <a:ext cx="4426920" cy="1568160"/>
+            <a:off x="504000" y="3044520"/>
+            <a:ext cx="4426920" cy="1568520"/>
           </a:xfrm>
           <a:prstGeom prst="rect">
             <a:avLst/>
@@ -1213,7 +1214,7 @@
       </p:grpSpPr>
       <p:sp>
         <p:nvSpPr>
-          <p:cNvPr id="18" name="PlaceHolder 1"/>
+          <p:cNvPr id="15" name="PlaceHolder 1"/>
           <p:cNvSpPr>
             <a:spLocks noGrp="1"/>
           </p:cNvSpPr>
@@ -1224,7 +1225,7 @@
         <p:spPr>
           <a:xfrm>
             <a:off x="504000" y="226080"/>
-            <a:ext cx="9071640" cy="946440"/>
+            <a:ext cx="9071280" cy="946080"/>
           </a:xfrm>
           <a:prstGeom prst="rect">
             <a:avLst/>
@@ -1248,7 +1249,7 @@
       </p:sp>
       <p:sp>
         <p:nvSpPr>
-          <p:cNvPr id="19" name="PlaceHolder 2"/>
+          <p:cNvPr id="16" name="PlaceHolder 2"/>
           <p:cNvSpPr>
             <a:spLocks noGrp="1"/>
           </p:cNvSpPr>
@@ -1259,7 +1260,7 @@
         <p:spPr>
           <a:xfrm>
             <a:off x="504000" y="1326600"/>
-            <a:ext cx="4426920" cy="3288240"/>
+            <a:ext cx="4426920" cy="3288600"/>
           </a:xfrm>
           <a:prstGeom prst="rect">
             <a:avLst/>
@@ -1282,7 +1283,7 @@
       </p:sp>
       <p:sp>
         <p:nvSpPr>
-          <p:cNvPr id="20" name="PlaceHolder 3"/>
+          <p:cNvPr id="17" name="PlaceHolder 3"/>
           <p:cNvSpPr>
             <a:spLocks noGrp="1"/>
           </p:cNvSpPr>
@@ -1293,7 +1294,7 @@
         <p:spPr>
           <a:xfrm>
             <a:off x="5152680" y="1326600"/>
-            <a:ext cx="4426920" cy="1568160"/>
+            <a:ext cx="4426920" cy="1568520"/>
           </a:xfrm>
           <a:prstGeom prst="rect">
             <a:avLst/>
@@ -1316,7 +1317,7 @@
       </p:sp>
       <p:sp>
         <p:nvSpPr>
-          <p:cNvPr id="21" name="PlaceHolder 4"/>
+          <p:cNvPr id="18" name="PlaceHolder 4"/>
           <p:cNvSpPr>
             <a:spLocks noGrp="1"/>
           </p:cNvSpPr>
@@ -1326,8 +1327,8 @@
         </p:nvSpPr>
         <p:spPr>
           <a:xfrm>
-            <a:off x="5152680" y="3044160"/>
-            <a:ext cx="4426920" cy="1568160"/>
+            <a:off x="5152680" y="3044520"/>
+            <a:ext cx="4426920" cy="1568520"/>
           </a:xfrm>
           <a:prstGeom prst="rect">
             <a:avLst/>
@@ -1372,7 +1373,7 @@
       </p:grpSpPr>
       <p:sp>
         <p:nvSpPr>
-          <p:cNvPr id="22" name="PlaceHolder 1"/>
+          <p:cNvPr id="19" name="PlaceHolder 1"/>
           <p:cNvSpPr>
             <a:spLocks noGrp="1"/>
           </p:cNvSpPr>
@@ -1383,7 +1384,7 @@
         <p:spPr>
           <a:xfrm>
             <a:off x="504000" y="226080"/>
-            <a:ext cx="9071640" cy="946440"/>
+            <a:ext cx="9071280" cy="946080"/>
           </a:xfrm>
           <a:prstGeom prst="rect">
             <a:avLst/>
@@ -1407,7 +1408,7 @@
       </p:sp>
       <p:sp>
         <p:nvSpPr>
-          <p:cNvPr id="23" name="PlaceHolder 2"/>
+          <p:cNvPr id="20" name="PlaceHolder 2"/>
           <p:cNvSpPr>
             <a:spLocks noGrp="1"/>
           </p:cNvSpPr>
@@ -1418,7 +1419,7 @@
         <p:spPr>
           <a:xfrm>
             <a:off x="504000" y="1326600"/>
-            <a:ext cx="4426920" cy="1568160"/>
+            <a:ext cx="4426920" cy="1568520"/>
           </a:xfrm>
           <a:prstGeom prst="rect">
             <a:avLst/>
@@ -1441,7 +1442,7 @@
       </p:sp>
       <p:sp>
         <p:nvSpPr>
-          <p:cNvPr id="24" name="PlaceHolder 3"/>
+          <p:cNvPr id="21" name="PlaceHolder 3"/>
           <p:cNvSpPr>
             <a:spLocks noGrp="1"/>
           </p:cNvSpPr>
@@ -1452,7 +1453,7 @@
         <p:spPr>
           <a:xfrm>
             <a:off x="5152680" y="1326600"/>
-            <a:ext cx="4426920" cy="1568160"/>
+            <a:ext cx="4426920" cy="1568520"/>
           </a:xfrm>
           <a:prstGeom prst="rect">
             <a:avLst/>
@@ -1475,7 +1476,7 @@
       </p:sp>
       <p:sp>
         <p:nvSpPr>
-          <p:cNvPr id="25" name="PlaceHolder 4"/>
+          <p:cNvPr id="22" name="PlaceHolder 4"/>
           <p:cNvSpPr>
             <a:spLocks noGrp="1"/>
           </p:cNvSpPr>
@@ -1485,8 +1486,8 @@
         </p:nvSpPr>
         <p:spPr>
           <a:xfrm>
-            <a:off x="504000" y="3044160"/>
-            <a:ext cx="9071640" cy="1568160"/>
+            <a:off x="504000" y="3044520"/>
+            <a:ext cx="9072000" cy="1568520"/>
           </a:xfrm>
           <a:prstGeom prst="rect">
             <a:avLst/>
@@ -1542,7 +1543,7 @@
         <p:spPr>
           <a:xfrm>
             <a:off x="504000" y="226080"/>
-            <a:ext cx="9071640" cy="946440"/>
+            <a:ext cx="9071280" cy="946080"/>
           </a:xfrm>
           <a:prstGeom prst="rect">
             <a:avLst/>
@@ -1557,14 +1558,13 @@
             <a:noAutofit/>
           </a:bodyPr>
           <a:p>
-            <a:pPr algn="ctr"/>
             <a:r>
-              <a:rPr b="0" lang="en-US" sz="4400" spc="-1" strike="noStrike">
+              <a:rPr b="0" lang="en-US" sz="1800" spc="-1" strike="noStrike">
                 <a:latin typeface="Arial"/>
               </a:rPr>
               <a:t>Click to edit the title text format</a:t>
             </a:r>
-            <a:endParaRPr b="0" lang="en-US" sz="4400" spc="-1" strike="noStrike">
+            <a:endParaRPr b="0" lang="en-US" sz="1800" spc="-1" strike="noStrike">
               <a:latin typeface="Arial"/>
             </a:endParaRPr>
           </a:p>
@@ -1583,7 +1583,7 @@
         <p:spPr>
           <a:xfrm>
             <a:off x="504000" y="1326600"/>
-            <a:ext cx="9071640" cy="3288240"/>
+            <a:ext cx="9072000" cy="3288600"/>
           </a:xfrm>
           <a:prstGeom prst="rect">
             <a:avLst/>
@@ -1753,128 +1753,6 @@
           </a:p>
         </p:txBody>
       </p:sp>
-      <p:sp>
-        <p:nvSpPr>
-          <p:cNvPr id="2" name="PlaceHolder 3"/>
-          <p:cNvSpPr>
-            <a:spLocks noGrp="1"/>
-          </p:cNvSpPr>
-          <p:nvPr>
-            <p:ph type="dt"/>
-          </p:nvPr>
-        </p:nvSpPr>
-        <p:spPr>
-          <a:xfrm>
-            <a:off x="504000" y="5165280"/>
-            <a:ext cx="2348280" cy="390600"/>
-          </a:xfrm>
-          <a:prstGeom prst="rect">
-            <a:avLst/>
-          </a:prstGeom>
-          <a:noFill/>
-          <a:ln w="0">
-            <a:noFill/>
-          </a:ln>
-        </p:spPr>
-        <p:txBody>
-          <a:bodyPr lIns="0" rIns="0" tIns="0" bIns="0" anchor="t">
-            <a:noAutofit/>
-          </a:bodyPr>
-          <a:p>
-            <a:r>
-              <a:rPr b="0" lang="en-US" sz="1400" spc="-1" strike="noStrike">
-                <a:latin typeface="Times New Roman"/>
-              </a:rPr>
-              <a:t>&lt;date/time&gt;</a:t>
-            </a:r>
-            <a:endParaRPr b="0" lang="en-US" sz="1400" spc="-1" strike="noStrike">
-              <a:latin typeface="Times New Roman"/>
-            </a:endParaRPr>
-          </a:p>
-        </p:txBody>
-      </p:sp>
-      <p:sp>
-        <p:nvSpPr>
-          <p:cNvPr id="3" name="PlaceHolder 4"/>
-          <p:cNvSpPr>
-            <a:spLocks noGrp="1"/>
-          </p:cNvSpPr>
-          <p:nvPr>
-            <p:ph type="ftr"/>
-          </p:nvPr>
-        </p:nvSpPr>
-        <p:spPr>
-          <a:xfrm>
-            <a:off x="3447360" y="5165280"/>
-            <a:ext cx="3195000" cy="390600"/>
-          </a:xfrm>
-          <a:prstGeom prst="rect">
-            <a:avLst/>
-          </a:prstGeom>
-          <a:noFill/>
-          <a:ln w="0">
-            <a:noFill/>
-          </a:ln>
-        </p:spPr>
-        <p:txBody>
-          <a:bodyPr lIns="0" rIns="0" tIns="0" bIns="0" anchor="t">
-            <a:noAutofit/>
-          </a:bodyPr>
-          <a:p>
-            <a:pPr algn="ctr"/>
-            <a:r>
-              <a:rPr b="0" lang="en-US" sz="1400" spc="-1" strike="noStrike">
-                <a:latin typeface="Times New Roman"/>
-              </a:rPr>
-              <a:t>&lt;footer&gt;</a:t>
-            </a:r>
-            <a:endParaRPr b="0" lang="en-US" sz="1400" spc="-1" strike="noStrike">
-              <a:latin typeface="Times New Roman"/>
-            </a:endParaRPr>
-          </a:p>
-        </p:txBody>
-      </p:sp>
-      <p:sp>
-        <p:nvSpPr>
-          <p:cNvPr id="4" name="PlaceHolder 5"/>
-          <p:cNvSpPr>
-            <a:spLocks noGrp="1"/>
-          </p:cNvSpPr>
-          <p:nvPr>
-            <p:ph type="sldNum"/>
-          </p:nvPr>
-        </p:nvSpPr>
-        <p:spPr>
-          <a:xfrm>
-            <a:off x="7227360" y="5165280"/>
-            <a:ext cx="2348280" cy="390600"/>
-          </a:xfrm>
-          <a:prstGeom prst="rect">
-            <a:avLst/>
-          </a:prstGeom>
-          <a:noFill/>
-          <a:ln w="0">
-            <a:noFill/>
-          </a:ln>
-        </p:spPr>
-        <p:txBody>
-          <a:bodyPr lIns="0" rIns="0" tIns="0" bIns="0" anchor="t">
-            <a:noAutofit/>
-          </a:bodyPr>
-          <a:p>
-            <a:pPr algn="r"/>
-            <a:fld id="{23156EA5-A34F-428C-90BC-E80152A4D163}" type="slidenum">
-              <a:rPr b="0" lang="en-US" sz="1400" spc="-1" strike="noStrike">
-                <a:latin typeface="Times New Roman"/>
-              </a:rPr>
-              <a:t>&lt;number&gt;</a:t>
-            </a:fld>
-            <a:endParaRPr b="0" lang="en-US" sz="1400" spc="-1" strike="noStrike">
-              <a:latin typeface="Times New Roman"/>
-            </a:endParaRPr>
-          </a:p>
-        </p:txBody>
-      </p:sp>
     </p:spTree>
   </p:cSld>
   <p:clrMap bg1="lt1" bg2="lt2" tx1="dk1" tx2="dk2" accent1="accent1" accent2="accent2" accent3="accent3" accent4="accent4" accent5="accent5" accent6="accent6" hlink="hlink" folHlink="folHlink"/>
@@ -1914,7 +1792,7 @@
       </p:grpSpPr>
       <p:sp>
         <p:nvSpPr>
-          <p:cNvPr id="41" name="PlaceHolder 1"/>
+          <p:cNvPr id="38" name="PlaceHolder 1"/>
           <p:cNvSpPr>
             <a:spLocks noGrp="1"/>
           </p:cNvSpPr>
@@ -1925,7 +1803,7 @@
         <p:spPr>
           <a:xfrm>
             <a:off x="529560" y="0"/>
-            <a:ext cx="9071640" cy="946440"/>
+            <a:ext cx="9071280" cy="946080"/>
           </a:xfrm>
           <a:prstGeom prst="rect">
             <a:avLst/>
@@ -1940,12 +1818,16 @@
             <a:noAutofit/>
           </a:bodyPr>
           <a:p>
-            <a:pPr algn="ctr"/>
+            <a:pPr algn="ctr">
+              <a:lnSpc>
+                <a:spcPct val="100000"/>
+              </a:lnSpc>
+            </a:pPr>
             <a:r>
               <a:rPr b="0" lang="en-US" sz="4400" spc="-1" strike="noStrike">
                 <a:latin typeface="Arial"/>
               </a:rPr>
-              <a:t>Principali flussi di cassa</a:t>
+              <a:t>Principali flussi di cassa in entrata</a:t>
             </a:r>
             <a:endParaRPr b="0" lang="en-US" sz="4400" spc="-1" strike="noStrike">
               <a:latin typeface="Arial"/>
@@ -1955,38 +1837,39 @@
       </p:sp>
       <p:graphicFrame>
         <p:nvGraphicFramePr>
-          <p:cNvPr id="42" name=""/>
+          <p:cNvPr id="39" name=""/>
           <p:cNvGraphicFramePr/>
           <p:nvPr/>
         </p:nvGraphicFramePr>
         <p:xfrm>
-          <a:off x="319320" y="966960"/>
-          <a:ext cx="7082640" cy="4381920"/>
+          <a:off x="683640" y="1243080"/>
+          <a:ext cx="8084160" cy="1693080"/>
         </p:xfrm>
         <a:graphic>
           <a:graphicData uri="http://schemas.openxmlformats.org/drawingml/2006/table">
             <a:tbl>
               <a:tblPr/>
               <a:tblGrid>
-                <a:gridCol w="1676880"/>
-                <a:gridCol w="3776400"/>
-                <a:gridCol w="814320"/>
-                <a:gridCol w="815040"/>
+                <a:gridCol w="1656720"/>
+                <a:gridCol w="3056040"/>
+                <a:gridCol w="753840"/>
+                <a:gridCol w="687960"/>
+                <a:gridCol w="1098000"/>
               </a:tblGrid>
-              <a:tr h="365040">
-                <a:tc>
-                  <a:txBody>
-                    <a:bodyPr lIns="90000" rIns="90000" tIns="46800" bIns="46800" anchor="t">
-                      <a:noAutofit/>
-                    </a:bodyPr>
-                    <a:p>
-                      <a:r>
-                        <a:rPr b="0" lang="en-US" sz="1800" spc="-1" strike="noStrike">
-                          <a:latin typeface="Arial"/>
-                        </a:rPr>
-                        <a:t>Flussi di cassa</a:t>
-                      </a:r>
-                      <a:endParaRPr b="0" lang="en-US" sz="1800" spc="-1" strike="noStrike">
+              <a:tr h="293760">
+                <a:tc>
+                  <a:txBody>
+                    <a:bodyPr lIns="90000" rIns="90000" tIns="46800" bIns="46800" anchor="t">
+                      <a:noAutofit/>
+                    </a:bodyPr>
+                    <a:p>
+                      <a:r>
+                        <a:rPr b="0" lang="en-US" sz="1200" spc="-1" strike="noStrike">
+                          <a:latin typeface="Arial"/>
+                        </a:rPr>
+                        <a:t>Flussi in entrata</a:t>
+                      </a:r>
+                      <a:endParaRPr b="0" lang="en-US" sz="1200" spc="-1" strike="noStrike">
                         <a:latin typeface="Arial"/>
                       </a:endParaRPr>
                     </a:p>
@@ -2051,12 +1934,55 @@
                     </a:bodyPr>
                     <a:p>
                       <a:r>
-                        <a:rPr b="0" lang="en-US" sz="1800" spc="-1" strike="noStrike">
+                        <a:rPr b="0" lang="en-US" sz="1200" spc="-1" strike="noStrike">
+                          <a:latin typeface="Arial"/>
+                        </a:rPr>
+                        <a:t>2019</a:t>
+                      </a:r>
+                      <a:endParaRPr b="0" lang="en-US" sz="1200" spc="-1" strike="noStrike">
+                        <a:latin typeface="Arial"/>
+                      </a:endParaRPr>
+                    </a:p>
+                  </a:txBody>
+                  <a:tcPr anchor="t" marL="90000" marR="90000">
+                    <a:lnL w="720">
+                      <a:solidFill>
+                        <a:srgbClr val="ffffff"/>
+                      </a:solidFill>
+                    </a:lnL>
+                    <a:lnR w="720">
+                      <a:solidFill>
+                        <a:srgbClr val="ffffff"/>
+                      </a:solidFill>
+                    </a:lnR>
+                    <a:lnT w="720">
+                      <a:solidFill>
+                        <a:srgbClr val="ffffff"/>
+                      </a:solidFill>
+                    </a:lnT>
+                    <a:lnB w="720">
+                      <a:solidFill>
+                        <a:srgbClr val="ffffff"/>
+                      </a:solidFill>
+                    </a:lnB>
+                    <a:solidFill>
+                      <a:srgbClr val="b3b3b3"/>
+                    </a:solidFill>
+                  </a:tcPr>
+                </a:tc>
+                <a:tc>
+                  <a:txBody>
+                    <a:bodyPr lIns="90000" rIns="90000" tIns="46800" bIns="46800" anchor="t">
+                      <a:noAutofit/>
+                    </a:bodyPr>
+                    <a:p>
+                      <a:r>
+                        <a:rPr b="0" lang="en-US" sz="1200" spc="-1" strike="noStrike">
                           <a:latin typeface="Arial"/>
                         </a:rPr>
                         <a:t>2020</a:t>
                       </a:r>
-                      <a:endParaRPr b="0" lang="en-US" sz="1800" spc="-1" strike="noStrike">
+                      <a:endParaRPr b="0" lang="en-US" sz="1200" spc="-1" strike="noStrike">
                         <a:latin typeface="Arial"/>
                       </a:endParaRPr>
                     </a:p>
@@ -2094,12 +2020,1888 @@
                     </a:bodyPr>
                     <a:p>
                       <a:r>
-                        <a:rPr b="0" lang="en-US" sz="1800" spc="-1" strike="noStrike">
+                        <a:rPr b="0" lang="en-US" sz="1200" spc="-1" strike="noStrike">
+                          <a:latin typeface="Arial"/>
+                        </a:rPr>
+                        <a:t>Variazione %</a:t>
+                      </a:r>
+                      <a:endParaRPr b="0" lang="en-US" sz="1200" spc="-1" strike="noStrike">
+                        <a:latin typeface="Arial"/>
+                      </a:endParaRPr>
+                    </a:p>
+                  </a:txBody>
+                  <a:tcPr anchor="t" marL="90000" marR="90000">
+                    <a:lnL w="720">
+                      <a:solidFill>
+                        <a:srgbClr val="ffffff"/>
+                      </a:solidFill>
+                    </a:lnL>
+                    <a:lnR w="720">
+                      <a:solidFill>
+                        <a:srgbClr val="ffffff"/>
+                      </a:solidFill>
+                    </a:lnR>
+                    <a:lnT w="720">
+                      <a:solidFill>
+                        <a:srgbClr val="ffffff"/>
+                      </a:solidFill>
+                    </a:lnT>
+                    <a:lnB w="720">
+                      <a:solidFill>
+                        <a:srgbClr val="ffffff"/>
+                      </a:solidFill>
+                    </a:lnB>
+                    <a:solidFill>
+                      <a:srgbClr val="b3b3b3"/>
+                    </a:solidFill>
+                  </a:tcPr>
+                </a:tc>
+              </a:tr>
+              <a:tr h="349920">
+                <a:tc rowSpan="4">
+                  <a:txBody>
+                    <a:bodyPr lIns="90000" rIns="90000" tIns="46800" bIns="46800" anchor="t">
+                      <a:noAutofit/>
+                    </a:bodyPr>
+                    <a:p>
+                      <a:r>
+                        <a:rPr b="0" lang="en-US" sz="1200" spc="-1" strike="noStrike">
+                          <a:latin typeface="Arial"/>
+                        </a:rPr>
+                        <a:t>Ricavi delle vendite e delle prestazioni</a:t>
+                      </a:r>
+                      <a:endParaRPr b="0" lang="en-US" sz="1200" spc="-1" strike="noStrike">
+                        <a:latin typeface="Arial"/>
+                      </a:endParaRPr>
+                    </a:p>
+                    <a:p>
+                      <a:endParaRPr b="0" lang="en-US" sz="1200" spc="-1" strike="noStrike">
+                        <a:latin typeface="Arial"/>
+                      </a:endParaRPr>
+                    </a:p>
+                    <a:p>
+                      <a:r>
+                        <a:rPr b="0" lang="en-US" sz="1200" spc="-1" strike="noStrike">
+                          <a:latin typeface="Arial"/>
+                        </a:rPr>
+                        <a:t>(core business)</a:t>
+                      </a:r>
+                      <a:endParaRPr b="0" lang="en-US" sz="1200" spc="-1" strike="noStrike">
+                        <a:latin typeface="Arial"/>
+                      </a:endParaRPr>
+                    </a:p>
+                  </a:txBody>
+                  <a:tcPr anchor="t" marL="90000" marR="90000">
+                    <a:lnL w="720">
+                      <a:solidFill>
+                        <a:srgbClr val="ffffff"/>
+                      </a:solidFill>
+                    </a:lnL>
+                    <a:lnR w="720">
+                      <a:solidFill>
+                        <a:srgbClr val="ffffff"/>
+                      </a:solidFill>
+                    </a:lnR>
+                    <a:lnT w="720">
+                      <a:solidFill>
+                        <a:srgbClr val="ffffff"/>
+                      </a:solidFill>
+                    </a:lnT>
+                    <a:lnB w="720">
+                      <a:solidFill>
+                        <a:srgbClr val="ffffff"/>
+                      </a:solidFill>
+                    </a:lnB>
+                    <a:solidFill>
+                      <a:srgbClr val="cccccc"/>
+                    </a:solidFill>
+                  </a:tcPr>
+                </a:tc>
+                <a:tc>
+                  <a:txBody>
+                    <a:bodyPr lIns="90000" rIns="90000" tIns="46800" bIns="46800" anchor="t">
+                      <a:noAutofit/>
+                    </a:bodyPr>
+                    <a:p>
+                      <a:r>
+                        <a:rPr b="0" lang="en-US" sz="1200" spc="-1" strike="noStrike">
+                          <a:latin typeface="Arial"/>
+                        </a:rPr>
+                        <a:t>Vendite merci e prodotti (ingrosso)</a:t>
+                      </a:r>
+                      <a:endParaRPr b="0" lang="en-US" sz="1200" spc="-1" strike="noStrike">
+                        <a:latin typeface="Arial"/>
+                      </a:endParaRPr>
+                    </a:p>
+                  </a:txBody>
+                  <a:tcPr anchor="t" marL="90000" marR="90000">
+                    <a:lnL w="720">
+                      <a:solidFill>
+                        <a:srgbClr val="ffffff"/>
+                      </a:solidFill>
+                    </a:lnL>
+                    <a:lnR w="720">
+                      <a:solidFill>
+                        <a:srgbClr val="ffffff"/>
+                      </a:solidFill>
+                    </a:lnR>
+                    <a:lnT w="720">
+                      <a:solidFill>
+                        <a:srgbClr val="ffffff"/>
+                      </a:solidFill>
+                    </a:lnT>
+                    <a:lnB w="720">
+                      <a:solidFill>
+                        <a:srgbClr val="ffffff"/>
+                      </a:solidFill>
+                    </a:lnB>
+                    <a:solidFill>
+                      <a:srgbClr val="cccccc"/>
+                    </a:solidFill>
+                  </a:tcPr>
+                </a:tc>
+                <a:tc>
+                  <a:txBody>
+                    <a:bodyPr lIns="90000" rIns="90000" tIns="46800" bIns="46800" anchor="t">
+                      <a:noAutofit/>
+                    </a:bodyPr>
+                    <a:p>
+                      <a:r>
+                        <a:rPr b="0" lang="en-US" sz="1200" spc="-1" strike="noStrike">
+                          <a:latin typeface="Arial"/>
+                        </a:rPr>
+                        <a:t>295 M</a:t>
+                      </a:r>
+                      <a:endParaRPr b="0" lang="en-US" sz="1200" spc="-1" strike="noStrike">
+                        <a:latin typeface="Arial"/>
+                      </a:endParaRPr>
+                    </a:p>
+                  </a:txBody>
+                  <a:tcPr anchor="t" marL="90000" marR="90000">
+                    <a:lnL w="720">
+                      <a:solidFill>
+                        <a:srgbClr val="ffffff"/>
+                      </a:solidFill>
+                    </a:lnL>
+                    <a:lnR w="720">
+                      <a:solidFill>
+                        <a:srgbClr val="ffffff"/>
+                      </a:solidFill>
+                    </a:lnR>
+                    <a:lnT w="720">
+                      <a:solidFill>
+                        <a:srgbClr val="ffffff"/>
+                      </a:solidFill>
+                    </a:lnT>
+                    <a:lnB w="720">
+                      <a:solidFill>
+                        <a:srgbClr val="ffffff"/>
+                      </a:solidFill>
+                    </a:lnB>
+                    <a:solidFill>
+                      <a:srgbClr val="cccccc"/>
+                    </a:solidFill>
+                  </a:tcPr>
+                </a:tc>
+                <a:tc>
+                  <a:txBody>
+                    <a:bodyPr lIns="90000" rIns="90000" tIns="46800" bIns="46800" anchor="t">
+                      <a:noAutofit/>
+                    </a:bodyPr>
+                    <a:p>
+                      <a:r>
+                        <a:rPr b="0" lang="en-US" sz="1200" spc="-1" strike="noStrike">
+                          <a:latin typeface="Arial"/>
+                        </a:rPr>
+                        <a:t>331 M</a:t>
+                      </a:r>
+                      <a:endParaRPr b="0" lang="en-US" sz="1200" spc="-1" strike="noStrike">
+                        <a:latin typeface="Arial"/>
+                      </a:endParaRPr>
+                    </a:p>
+                  </a:txBody>
+                  <a:tcPr anchor="t" marL="90000" marR="90000">
+                    <a:lnL w="720">
+                      <a:solidFill>
+                        <a:srgbClr val="ffffff"/>
+                      </a:solidFill>
+                    </a:lnL>
+                    <a:lnR w="720">
+                      <a:solidFill>
+                        <a:srgbClr val="ffffff"/>
+                      </a:solidFill>
+                    </a:lnR>
+                    <a:lnT w="720">
+                      <a:solidFill>
+                        <a:srgbClr val="ffffff"/>
+                      </a:solidFill>
+                    </a:lnT>
+                    <a:lnB w="720">
+                      <a:solidFill>
+                        <a:srgbClr val="ffffff"/>
+                      </a:solidFill>
+                    </a:lnB>
+                    <a:solidFill>
+                      <a:srgbClr val="cccccc"/>
+                    </a:solidFill>
+                  </a:tcPr>
+                </a:tc>
+                <a:tc>
+                  <a:txBody>
+                    <a:bodyPr lIns="90000" rIns="90000" tIns="46800" bIns="46800" anchor="t">
+                      <a:noAutofit/>
+                    </a:bodyPr>
+                    <a:p>
+                      <a:r>
+                        <a:rPr b="0" lang="en-US" sz="1200" spc="-1" strike="noStrike">
+                          <a:latin typeface="Arial"/>
+                        </a:rPr>
+                        <a:t>+12%</a:t>
+                      </a:r>
+                      <a:endParaRPr b="0" lang="en-US" sz="1200" spc="-1" strike="noStrike">
+                        <a:latin typeface="Arial"/>
+                      </a:endParaRPr>
+                    </a:p>
+                  </a:txBody>
+                  <a:tcPr anchor="t" marL="90000" marR="90000">
+                    <a:lnL w="720">
+                      <a:solidFill>
+                        <a:srgbClr val="ffffff"/>
+                      </a:solidFill>
+                    </a:lnL>
+                    <a:lnR w="720">
+                      <a:solidFill>
+                        <a:srgbClr val="ffffff"/>
+                      </a:solidFill>
+                    </a:lnR>
+                    <a:lnT w="720">
+                      <a:solidFill>
+                        <a:srgbClr val="ffffff"/>
+                      </a:solidFill>
+                    </a:lnT>
+                    <a:lnB w="720">
+                      <a:solidFill>
+                        <a:srgbClr val="ffffff"/>
+                      </a:solidFill>
+                    </a:lnB>
+                    <a:solidFill>
+                      <a:srgbClr val="cccccc"/>
+                    </a:solidFill>
+                  </a:tcPr>
+                </a:tc>
+              </a:tr>
+              <a:tr h="349920">
+                <a:tc vMerge="1">
+                  <a:tcPr anchor="t" marL="90000" marR="90000">
+                    <a:lnL w="720">
+                      <a:solidFill>
+                        <a:srgbClr val="ffffff"/>
+                      </a:solidFill>
+                    </a:lnL>
+                    <a:lnR w="720">
+                      <a:solidFill>
+                        <a:srgbClr val="ffffff"/>
+                      </a:solidFill>
+                    </a:lnR>
+                    <a:lnT w="720">
+                      <a:solidFill>
+                        <a:srgbClr val="ffffff"/>
+                      </a:solidFill>
+                    </a:lnT>
+                    <a:lnB w="720">
+                      <a:solidFill>
+                        <a:srgbClr val="ffffff"/>
+                      </a:solidFill>
+                    </a:lnB>
+                    <a:solidFill>
+                      <a:srgbClr val="e6e6e6"/>
+                    </a:solidFill>
+                  </a:tcPr>
+                </a:tc>
+                <a:tc>
+                  <a:txBody>
+                    <a:bodyPr lIns="90000" rIns="90000" tIns="46800" bIns="46800" anchor="t">
+                      <a:noAutofit/>
+                    </a:bodyPr>
+                    <a:p>
+                      <a:r>
+                        <a:rPr b="0" lang="en-US" sz="1200" spc="-1" strike="noStrike">
+                          <a:latin typeface="Arial"/>
+                        </a:rPr>
+                        <a:t>Prestazioni di servizi (NaturaSi, CuoreBio)</a:t>
+                      </a:r>
+                      <a:endParaRPr b="0" lang="en-US" sz="1200" spc="-1" strike="noStrike">
+                        <a:latin typeface="Arial"/>
+                      </a:endParaRPr>
+                    </a:p>
+                  </a:txBody>
+                  <a:tcPr anchor="t" marL="90000" marR="90000">
+                    <a:lnL w="720">
+                      <a:solidFill>
+                        <a:srgbClr val="ffffff"/>
+                      </a:solidFill>
+                    </a:lnL>
+                    <a:lnR w="720">
+                      <a:solidFill>
+                        <a:srgbClr val="ffffff"/>
+                      </a:solidFill>
+                    </a:lnR>
+                    <a:lnT w="720">
+                      <a:solidFill>
+                        <a:srgbClr val="ffffff"/>
+                      </a:solidFill>
+                    </a:lnT>
+                    <a:lnB w="720">
+                      <a:solidFill>
+                        <a:srgbClr val="ffffff"/>
+                      </a:solidFill>
+                    </a:lnB>
+                    <a:solidFill>
+                      <a:srgbClr val="e6e6e6"/>
+                    </a:solidFill>
+                  </a:tcPr>
+                </a:tc>
+                <a:tc>
+                  <a:txBody>
+                    <a:bodyPr lIns="90000" rIns="90000" tIns="46800" bIns="46800" anchor="t">
+                      <a:noAutofit/>
+                    </a:bodyPr>
+                    <a:p>
+                      <a:r>
+                        <a:rPr b="0" lang="en-US" sz="1200" spc="-1" strike="noStrike">
+                          <a:latin typeface="Arial"/>
+                        </a:rPr>
+                        <a:t>7.9 M </a:t>
+                      </a:r>
+                      <a:endParaRPr b="0" lang="en-US" sz="1200" spc="-1" strike="noStrike">
+                        <a:latin typeface="Arial"/>
+                      </a:endParaRPr>
+                    </a:p>
+                  </a:txBody>
+                  <a:tcPr anchor="t" marL="90000" marR="90000">
+                    <a:lnL w="720">
+                      <a:solidFill>
+                        <a:srgbClr val="ffffff"/>
+                      </a:solidFill>
+                    </a:lnL>
+                    <a:lnR w="720">
+                      <a:solidFill>
+                        <a:srgbClr val="ffffff"/>
+                      </a:solidFill>
+                    </a:lnR>
+                    <a:lnT w="720">
+                      <a:solidFill>
+                        <a:srgbClr val="ffffff"/>
+                      </a:solidFill>
+                    </a:lnT>
+                    <a:lnB w="720">
+                      <a:solidFill>
+                        <a:srgbClr val="ffffff"/>
+                      </a:solidFill>
+                    </a:lnB>
+                    <a:solidFill>
+                      <a:srgbClr val="e6e6e6"/>
+                    </a:solidFill>
+                  </a:tcPr>
+                </a:tc>
+                <a:tc>
+                  <a:txBody>
+                    <a:bodyPr lIns="90000" rIns="90000" tIns="46800" bIns="46800" anchor="t">
+                      <a:noAutofit/>
+                    </a:bodyPr>
+                    <a:p>
+                      <a:r>
+                        <a:rPr b="0" lang="en-US" sz="1200" spc="-1" strike="noStrike">
+                          <a:latin typeface="Arial"/>
+                        </a:rPr>
+                        <a:t>7.6 M</a:t>
+                      </a:r>
+                      <a:endParaRPr b="0" lang="en-US" sz="1200" spc="-1" strike="noStrike">
+                        <a:latin typeface="Arial"/>
+                      </a:endParaRPr>
+                    </a:p>
+                  </a:txBody>
+                  <a:tcPr anchor="t" marL="90000" marR="90000">
+                    <a:lnL w="720">
+                      <a:solidFill>
+                        <a:srgbClr val="ffffff"/>
+                      </a:solidFill>
+                    </a:lnL>
+                    <a:lnR w="720">
+                      <a:solidFill>
+                        <a:srgbClr val="ffffff"/>
+                      </a:solidFill>
+                    </a:lnR>
+                    <a:lnT w="720">
+                      <a:solidFill>
+                        <a:srgbClr val="ffffff"/>
+                      </a:solidFill>
+                    </a:lnT>
+                    <a:lnB w="720">
+                      <a:solidFill>
+                        <a:srgbClr val="ffffff"/>
+                      </a:solidFill>
+                    </a:lnB>
+                    <a:solidFill>
+                      <a:srgbClr val="e6e6e6"/>
+                    </a:solidFill>
+                  </a:tcPr>
+                </a:tc>
+                <a:tc>
+                  <a:txBody>
+                    <a:bodyPr lIns="90000" rIns="90000" tIns="46800" bIns="46800" anchor="t">
+                      <a:noAutofit/>
+                    </a:bodyPr>
+                    <a:p>
+                      <a:r>
+                        <a:rPr b="0" lang="en-US" sz="1200" spc="-1" strike="noStrike">
+                          <a:latin typeface="Arial"/>
+                        </a:rPr>
+                        <a:t>-4%</a:t>
+                      </a:r>
+                      <a:endParaRPr b="0" lang="en-US" sz="1200" spc="-1" strike="noStrike">
+                        <a:latin typeface="Arial"/>
+                      </a:endParaRPr>
+                    </a:p>
+                  </a:txBody>
+                  <a:tcPr anchor="t" marL="90000" marR="90000">
+                    <a:lnL w="720">
+                      <a:solidFill>
+                        <a:srgbClr val="ffffff"/>
+                      </a:solidFill>
+                    </a:lnL>
+                    <a:lnR w="720">
+                      <a:solidFill>
+                        <a:srgbClr val="ffffff"/>
+                      </a:solidFill>
+                    </a:lnR>
+                    <a:lnT w="720">
+                      <a:solidFill>
+                        <a:srgbClr val="ffffff"/>
+                      </a:solidFill>
+                    </a:lnT>
+                    <a:lnB w="720">
+                      <a:solidFill>
+                        <a:srgbClr val="ffffff"/>
+                      </a:solidFill>
+                    </a:lnB>
+                    <a:solidFill>
+                      <a:srgbClr val="e6e6e6"/>
+                    </a:solidFill>
+                  </a:tcPr>
+                </a:tc>
+              </a:tr>
+              <a:tr h="349920">
+                <a:tc vMerge="1">
+                  <a:tcPr anchor="t" marL="90000" marR="90000">
+                    <a:lnL w="720">
+                      <a:solidFill>
+                        <a:srgbClr val="ffffff"/>
+                      </a:solidFill>
+                    </a:lnL>
+                    <a:lnR w="720">
+                      <a:solidFill>
+                        <a:srgbClr val="ffffff"/>
+                      </a:solidFill>
+                    </a:lnR>
+                    <a:lnT w="720">
+                      <a:solidFill>
+                        <a:srgbClr val="ffffff"/>
+                      </a:solidFill>
+                    </a:lnT>
+                    <a:lnB w="720">
+                      <a:solidFill>
+                        <a:srgbClr val="ffffff"/>
+                      </a:solidFill>
+                    </a:lnB>
+                    <a:solidFill>
+                      <a:srgbClr val="cccccc"/>
+                    </a:solidFill>
+                  </a:tcPr>
+                </a:tc>
+                <a:tc>
+                  <a:txBody>
+                    <a:bodyPr lIns="90000" rIns="90000" tIns="46800" bIns="46800" anchor="t">
+                      <a:noAutofit/>
+                    </a:bodyPr>
+                    <a:p>
+                      <a:r>
+                        <a:rPr b="0" lang="en-US" sz="1200" spc="-1" strike="noStrike">
+                          <a:latin typeface="Arial"/>
+                        </a:rPr>
+                        <a:t>Royalties attive (NaturaSi)</a:t>
+                      </a:r>
+                      <a:endParaRPr b="0" lang="en-US" sz="1200" spc="-1" strike="noStrike">
+                        <a:latin typeface="Arial"/>
+                      </a:endParaRPr>
+                    </a:p>
+                  </a:txBody>
+                  <a:tcPr anchor="t" marL="90000" marR="90000">
+                    <a:lnL w="720">
+                      <a:solidFill>
+                        <a:srgbClr val="ffffff"/>
+                      </a:solidFill>
+                    </a:lnL>
+                    <a:lnR w="720">
+                      <a:solidFill>
+                        <a:srgbClr val="ffffff"/>
+                      </a:solidFill>
+                    </a:lnR>
+                    <a:lnT w="720">
+                      <a:solidFill>
+                        <a:srgbClr val="ffffff"/>
+                      </a:solidFill>
+                    </a:lnT>
+                    <a:lnB w="720">
+                      <a:solidFill>
+                        <a:srgbClr val="ffffff"/>
+                      </a:solidFill>
+                    </a:lnB>
+                    <a:solidFill>
+                      <a:srgbClr val="cccccc"/>
+                    </a:solidFill>
+                  </a:tcPr>
+                </a:tc>
+                <a:tc>
+                  <a:txBody>
+                    <a:bodyPr lIns="90000" rIns="90000" tIns="46800" bIns="46800" anchor="t">
+                      <a:noAutofit/>
+                    </a:bodyPr>
+                    <a:p>
+                      <a:r>
+                        <a:rPr b="0" lang="en-US" sz="1200" spc="-1" strike="noStrike">
+                          <a:latin typeface="Arial"/>
+                        </a:rPr>
+                        <a:t>7.0 M</a:t>
+                      </a:r>
+                      <a:endParaRPr b="0" lang="en-US" sz="1200" spc="-1" strike="noStrike">
+                        <a:latin typeface="Arial"/>
+                      </a:endParaRPr>
+                    </a:p>
+                  </a:txBody>
+                  <a:tcPr anchor="t" marL="90000" marR="90000">
+                    <a:lnL w="720">
+                      <a:solidFill>
+                        <a:srgbClr val="ffffff"/>
+                      </a:solidFill>
+                    </a:lnL>
+                    <a:lnR w="720">
+                      <a:solidFill>
+                        <a:srgbClr val="ffffff"/>
+                      </a:solidFill>
+                    </a:lnR>
+                    <a:lnT w="720">
+                      <a:solidFill>
+                        <a:srgbClr val="ffffff"/>
+                      </a:solidFill>
+                    </a:lnT>
+                    <a:lnB w="720">
+                      <a:solidFill>
+                        <a:srgbClr val="ffffff"/>
+                      </a:solidFill>
+                    </a:lnB>
+                    <a:solidFill>
+                      <a:srgbClr val="cccccc"/>
+                    </a:solidFill>
+                  </a:tcPr>
+                </a:tc>
+                <a:tc>
+                  <a:txBody>
+                    <a:bodyPr lIns="90000" rIns="90000" tIns="46800" bIns="46800" anchor="t">
+                      <a:noAutofit/>
+                    </a:bodyPr>
+                    <a:p>
+                      <a:r>
+                        <a:rPr b="0" lang="en-US" sz="1200" spc="-1" strike="noStrike">
+                          <a:latin typeface="Arial"/>
+                        </a:rPr>
+                        <a:t>7.1 M</a:t>
+                      </a:r>
+                      <a:endParaRPr b="0" lang="en-US" sz="1200" spc="-1" strike="noStrike">
+                        <a:latin typeface="Arial"/>
+                      </a:endParaRPr>
+                    </a:p>
+                  </a:txBody>
+                  <a:tcPr anchor="t" marL="90000" marR="90000">
+                    <a:lnL w="720">
+                      <a:solidFill>
+                        <a:srgbClr val="ffffff"/>
+                      </a:solidFill>
+                    </a:lnL>
+                    <a:lnR w="720">
+                      <a:solidFill>
+                        <a:srgbClr val="ffffff"/>
+                      </a:solidFill>
+                    </a:lnR>
+                    <a:lnT w="720">
+                      <a:solidFill>
+                        <a:srgbClr val="ffffff"/>
+                      </a:solidFill>
+                    </a:lnT>
+                    <a:lnB w="720">
+                      <a:solidFill>
+                        <a:srgbClr val="ffffff"/>
+                      </a:solidFill>
+                    </a:lnB>
+                    <a:solidFill>
+                      <a:srgbClr val="cccccc"/>
+                    </a:solidFill>
+                  </a:tcPr>
+                </a:tc>
+                <a:tc>
+                  <a:txBody>
+                    <a:bodyPr lIns="90000" rIns="90000" tIns="46800" bIns="46800" anchor="t">
+                      <a:noAutofit/>
+                    </a:bodyPr>
+                    <a:p>
+                      <a:r>
+                        <a:rPr b="0" lang="en-US" sz="1200" spc="-1" strike="noStrike">
+                          <a:latin typeface="Arial"/>
+                        </a:rPr>
+                        <a:t>+2%</a:t>
+                      </a:r>
+                      <a:endParaRPr b="0" lang="en-US" sz="1200" spc="-1" strike="noStrike">
+                        <a:latin typeface="Arial"/>
+                      </a:endParaRPr>
+                    </a:p>
+                  </a:txBody>
+                  <a:tcPr anchor="t" marL="90000" marR="90000">
+                    <a:lnL w="720">
+                      <a:solidFill>
+                        <a:srgbClr val="ffffff"/>
+                      </a:solidFill>
+                    </a:lnL>
+                    <a:lnR w="720">
+                      <a:solidFill>
+                        <a:srgbClr val="ffffff"/>
+                      </a:solidFill>
+                    </a:lnR>
+                    <a:lnT w="720">
+                      <a:solidFill>
+                        <a:srgbClr val="ffffff"/>
+                      </a:solidFill>
+                    </a:lnT>
+                    <a:lnB w="720">
+                      <a:solidFill>
+                        <a:srgbClr val="ffffff"/>
+                      </a:solidFill>
+                    </a:lnB>
+                    <a:solidFill>
+                      <a:srgbClr val="cccccc"/>
+                    </a:solidFill>
+                  </a:tcPr>
+                </a:tc>
+              </a:tr>
+              <a:tr h="349920">
+                <a:tc vMerge="1">
+                  <a:tcPr anchor="t" marL="90000" marR="90000">
+                    <a:lnL w="720">
+                      <a:solidFill>
+                        <a:srgbClr val="ffffff"/>
+                      </a:solidFill>
+                    </a:lnL>
+                    <a:lnR w="720">
+                      <a:solidFill>
+                        <a:srgbClr val="ffffff"/>
+                      </a:solidFill>
+                    </a:lnR>
+                    <a:lnT w="720">
+                      <a:solidFill>
+                        <a:srgbClr val="ffffff"/>
+                      </a:solidFill>
+                    </a:lnT>
+                    <a:lnB w="720">
+                      <a:solidFill>
+                        <a:srgbClr val="ffffff"/>
+                      </a:solidFill>
+                    </a:lnB>
+                    <a:solidFill>
+                      <a:srgbClr val="e6e6e6"/>
+                    </a:solidFill>
+                  </a:tcPr>
+                </a:tc>
+                <a:tc>
+                  <a:txBody>
+                    <a:bodyPr lIns="90000" rIns="90000" tIns="46800" bIns="46800" anchor="t">
+                      <a:noAutofit/>
+                    </a:bodyPr>
+                    <a:p>
+                      <a:pPr algn="r"/>
+                      <a:r>
+                        <a:rPr b="0" lang="en-US" sz="1200" spc="-1" strike="noStrike">
+                          <a:latin typeface="Arial"/>
+                        </a:rPr>
+                        <a:t>TOTALE</a:t>
+                      </a:r>
+                      <a:endParaRPr b="0" lang="en-US" sz="1200" spc="-1" strike="noStrike">
+                        <a:latin typeface="Arial"/>
+                      </a:endParaRPr>
+                    </a:p>
+                  </a:txBody>
+                  <a:tcPr anchor="t" marL="90000" marR="90000">
+                    <a:lnL w="720">
+                      <a:solidFill>
+                        <a:srgbClr val="ffffff"/>
+                      </a:solidFill>
+                    </a:lnL>
+                    <a:lnR w="720">
+                      <a:solidFill>
+                        <a:srgbClr val="ffffff"/>
+                      </a:solidFill>
+                    </a:lnR>
+                    <a:lnT w="720">
+                      <a:solidFill>
+                        <a:srgbClr val="ffffff"/>
+                      </a:solidFill>
+                    </a:lnT>
+                    <a:lnB w="720">
+                      <a:solidFill>
+                        <a:srgbClr val="ffffff"/>
+                      </a:solidFill>
+                    </a:lnB>
+                    <a:solidFill>
+                      <a:srgbClr val="e6e6e6"/>
+                    </a:solidFill>
+                  </a:tcPr>
+                </a:tc>
+                <a:tc>
+                  <a:txBody>
+                    <a:bodyPr lIns="90000" rIns="90000" tIns="46800" bIns="46800" anchor="t">
+                      <a:noAutofit/>
+                    </a:bodyPr>
+                    <a:p>
+                      <a:r>
+                        <a:rPr b="0" lang="en-US" sz="1200" spc="-1" strike="noStrike">
+                          <a:latin typeface="Arial"/>
+                        </a:rPr>
+                        <a:t>309 M</a:t>
+                      </a:r>
+                      <a:endParaRPr b="0" lang="en-US" sz="1200" spc="-1" strike="noStrike">
+                        <a:latin typeface="Arial"/>
+                      </a:endParaRPr>
+                    </a:p>
+                  </a:txBody>
+                  <a:tcPr anchor="t" marL="90000" marR="90000">
+                    <a:lnL w="720">
+                      <a:solidFill>
+                        <a:srgbClr val="ffffff"/>
+                      </a:solidFill>
+                    </a:lnL>
+                    <a:lnR w="720">
+                      <a:solidFill>
+                        <a:srgbClr val="ffffff"/>
+                      </a:solidFill>
+                    </a:lnR>
+                    <a:lnT w="720">
+                      <a:solidFill>
+                        <a:srgbClr val="ffffff"/>
+                      </a:solidFill>
+                    </a:lnT>
+                    <a:lnB w="720">
+                      <a:solidFill>
+                        <a:srgbClr val="ffffff"/>
+                      </a:solidFill>
+                    </a:lnB>
+                    <a:solidFill>
+                      <a:srgbClr val="e6e6e6"/>
+                    </a:solidFill>
+                  </a:tcPr>
+                </a:tc>
+                <a:tc>
+                  <a:txBody>
+                    <a:bodyPr lIns="90000" rIns="90000" tIns="46800" bIns="46800" anchor="t">
+                      <a:noAutofit/>
+                    </a:bodyPr>
+                    <a:p>
+                      <a:r>
+                        <a:rPr b="0" lang="en-US" sz="1200" spc="-1" strike="noStrike">
+                          <a:latin typeface="Arial"/>
+                        </a:rPr>
+                        <a:t>346 M</a:t>
+                      </a:r>
+                      <a:endParaRPr b="0" lang="en-US" sz="1200" spc="-1" strike="noStrike">
+                        <a:latin typeface="Arial"/>
+                      </a:endParaRPr>
+                    </a:p>
+                  </a:txBody>
+                  <a:tcPr anchor="t" marL="90000" marR="90000">
+                    <a:lnL w="720">
+                      <a:solidFill>
+                        <a:srgbClr val="ffffff"/>
+                      </a:solidFill>
+                    </a:lnL>
+                    <a:lnR w="720">
+                      <a:solidFill>
+                        <a:srgbClr val="ffffff"/>
+                      </a:solidFill>
+                    </a:lnR>
+                    <a:lnT w="720">
+                      <a:solidFill>
+                        <a:srgbClr val="ffffff"/>
+                      </a:solidFill>
+                    </a:lnT>
+                    <a:lnB w="720">
+                      <a:solidFill>
+                        <a:srgbClr val="ffffff"/>
+                      </a:solidFill>
+                    </a:lnB>
+                    <a:solidFill>
+                      <a:srgbClr val="e6e6e6"/>
+                    </a:solidFill>
+                  </a:tcPr>
+                </a:tc>
+                <a:tc>
+                  <a:txBody>
+                    <a:bodyPr lIns="90000" rIns="90000" tIns="46800" bIns="46800" anchor="t">
+                      <a:noAutofit/>
+                    </a:bodyPr>
+                    <a:p>
+                      <a:r>
+                        <a:rPr b="0" lang="en-US" sz="1200" spc="-1" strike="noStrike">
+                          <a:latin typeface="Arial"/>
+                        </a:rPr>
+                        <a:t>+12%</a:t>
+                      </a:r>
+                      <a:endParaRPr b="0" lang="en-US" sz="1200" spc="-1" strike="noStrike">
+                        <a:latin typeface="Arial"/>
+                      </a:endParaRPr>
+                    </a:p>
+                  </a:txBody>
+                  <a:tcPr anchor="t" marL="90000" marR="90000">
+                    <a:lnL w="720">
+                      <a:solidFill>
+                        <a:srgbClr val="ffffff"/>
+                      </a:solidFill>
+                    </a:lnL>
+                    <a:lnR w="720">
+                      <a:solidFill>
+                        <a:srgbClr val="ffffff"/>
+                      </a:solidFill>
+                    </a:lnR>
+                    <a:lnT w="720">
+                      <a:solidFill>
+                        <a:srgbClr val="ffffff"/>
+                      </a:solidFill>
+                    </a:lnT>
+                    <a:lnB w="720">
+                      <a:solidFill>
+                        <a:srgbClr val="ffffff"/>
+                      </a:solidFill>
+                    </a:lnB>
+                    <a:solidFill>
+                      <a:srgbClr val="e6e6e6"/>
+                    </a:solidFill>
+                  </a:tcPr>
+                </a:tc>
+              </a:tr>
+              <a:tr h="349920">
+                <a:tc rowSpan="3">
+                  <a:txBody>
+                    <a:bodyPr lIns="90000" rIns="90000" tIns="46800" bIns="46800" anchor="t">
+                      <a:noAutofit/>
+                    </a:bodyPr>
+                    <a:p>
+                      <a:r>
+                        <a:rPr b="0" lang="en-US" sz="1200" spc="-1" strike="noStrike">
+                          <a:latin typeface="Arial"/>
+                        </a:rPr>
+                        <a:t>Altri ricavi e proventi</a:t>
+                      </a:r>
+                      <a:endParaRPr b="0" lang="en-US" sz="1200" spc="-1" strike="noStrike">
+                        <a:latin typeface="Arial"/>
+                      </a:endParaRPr>
+                    </a:p>
+                  </a:txBody>
+                  <a:tcPr anchor="t" marL="90000" marR="90000">
+                    <a:lnL w="720">
+                      <a:solidFill>
+                        <a:srgbClr val="ffffff"/>
+                      </a:solidFill>
+                    </a:lnL>
+                    <a:lnR w="720">
+                      <a:solidFill>
+                        <a:srgbClr val="ffffff"/>
+                      </a:solidFill>
+                    </a:lnR>
+                    <a:lnT w="720">
+                      <a:solidFill>
+                        <a:srgbClr val="ffffff"/>
+                      </a:solidFill>
+                    </a:lnT>
+                    <a:lnB w="720">
+                      <a:solidFill>
+                        <a:srgbClr val="ffffff"/>
+                      </a:solidFill>
+                    </a:lnB>
+                    <a:solidFill>
+                      <a:srgbClr val="cccccc"/>
+                    </a:solidFill>
+                  </a:tcPr>
+                </a:tc>
+                <a:tc>
+                  <a:txBody>
+                    <a:bodyPr lIns="90000" rIns="90000" tIns="46800" bIns="46800" anchor="t">
+                      <a:noAutofit/>
+                    </a:bodyPr>
+                    <a:p>
+                      <a:r>
+                        <a:rPr b="0" lang="en-US" sz="1200" spc="-1" strike="noStrike">
+                          <a:latin typeface="Arial"/>
+                        </a:rPr>
+                        <a:t>Fitti attivi</a:t>
+                      </a:r>
+                      <a:endParaRPr b="0" lang="en-US" sz="1200" spc="-1" strike="noStrike">
+                        <a:latin typeface="Arial"/>
+                      </a:endParaRPr>
+                    </a:p>
+                  </a:txBody>
+                  <a:tcPr anchor="t" marL="90000" marR="90000">
+                    <a:lnL w="720">
+                      <a:solidFill>
+                        <a:srgbClr val="ffffff"/>
+                      </a:solidFill>
+                    </a:lnL>
+                    <a:lnR w="720">
+                      <a:solidFill>
+                        <a:srgbClr val="ffffff"/>
+                      </a:solidFill>
+                    </a:lnR>
+                    <a:lnT w="720">
+                      <a:solidFill>
+                        <a:srgbClr val="ffffff"/>
+                      </a:solidFill>
+                    </a:lnT>
+                    <a:lnB w="720">
+                      <a:solidFill>
+                        <a:srgbClr val="ffffff"/>
+                      </a:solidFill>
+                    </a:lnB>
+                    <a:solidFill>
+                      <a:srgbClr val="cccccc"/>
+                    </a:solidFill>
+                  </a:tcPr>
+                </a:tc>
+                <a:tc>
+                  <a:txBody>
+                    <a:bodyPr lIns="90000" rIns="90000" tIns="46800" bIns="46800" anchor="t">
+                      <a:noAutofit/>
+                    </a:bodyPr>
+                    <a:p>
+                      <a:r>
+                        <a:rPr b="0" lang="en-US" sz="1200" spc="-1" strike="noStrike">
+                          <a:latin typeface="Arial"/>
+                        </a:rPr>
+                        <a:t>9.4 M</a:t>
+                      </a:r>
+                      <a:endParaRPr b="0" lang="en-US" sz="1200" spc="-1" strike="noStrike">
+                        <a:latin typeface="Arial"/>
+                      </a:endParaRPr>
+                    </a:p>
+                  </a:txBody>
+                  <a:tcPr anchor="t" marL="90000" marR="90000">
+                    <a:lnL w="720">
+                      <a:solidFill>
+                        <a:srgbClr val="ffffff"/>
+                      </a:solidFill>
+                    </a:lnL>
+                    <a:lnR w="720">
+                      <a:solidFill>
+                        <a:srgbClr val="ffffff"/>
+                      </a:solidFill>
+                    </a:lnR>
+                    <a:lnT w="720">
+                      <a:solidFill>
+                        <a:srgbClr val="ffffff"/>
+                      </a:solidFill>
+                    </a:lnT>
+                    <a:lnB w="720">
+                      <a:solidFill>
+                        <a:srgbClr val="ffffff"/>
+                      </a:solidFill>
+                    </a:lnB>
+                    <a:solidFill>
+                      <a:srgbClr val="cccccc"/>
+                    </a:solidFill>
+                  </a:tcPr>
+                </a:tc>
+                <a:tc>
+                  <a:txBody>
+                    <a:bodyPr lIns="90000" rIns="90000" tIns="46800" bIns="46800" anchor="t">
+                      <a:noAutofit/>
+                    </a:bodyPr>
+                    <a:p>
+                      <a:r>
+                        <a:rPr b="0" lang="en-US" sz="1200" spc="-1" strike="noStrike">
+                          <a:latin typeface="Arial"/>
+                        </a:rPr>
+                        <a:t>8.9 M</a:t>
+                      </a:r>
+                      <a:endParaRPr b="0" lang="en-US" sz="1200" spc="-1" strike="noStrike">
+                        <a:latin typeface="Arial"/>
+                      </a:endParaRPr>
+                    </a:p>
+                  </a:txBody>
+                  <a:tcPr anchor="t" marL="90000" marR="90000">
+                    <a:lnL w="720">
+                      <a:solidFill>
+                        <a:srgbClr val="ffffff"/>
+                      </a:solidFill>
+                    </a:lnL>
+                    <a:lnR w="720">
+                      <a:solidFill>
+                        <a:srgbClr val="ffffff"/>
+                      </a:solidFill>
+                    </a:lnR>
+                    <a:lnT w="720">
+                      <a:solidFill>
+                        <a:srgbClr val="ffffff"/>
+                      </a:solidFill>
+                    </a:lnT>
+                    <a:lnB w="720">
+                      <a:solidFill>
+                        <a:srgbClr val="ffffff"/>
+                      </a:solidFill>
+                    </a:lnB>
+                    <a:solidFill>
+                      <a:srgbClr val="cccccc"/>
+                    </a:solidFill>
+                  </a:tcPr>
+                </a:tc>
+                <a:tc>
+                  <a:txBody>
+                    <a:bodyPr lIns="90000" rIns="90000" tIns="46800" bIns="46800" anchor="t">
+                      <a:noAutofit/>
+                    </a:bodyPr>
+                    <a:p>
+                      <a:r>
+                        <a:rPr b="0" lang="en-US" sz="1200" spc="-1" strike="noStrike">
+                          <a:latin typeface="Arial"/>
+                        </a:rPr>
+                        <a:t>-5%</a:t>
+                      </a:r>
+                      <a:endParaRPr b="0" lang="en-US" sz="1200" spc="-1" strike="noStrike">
+                        <a:latin typeface="Arial"/>
+                      </a:endParaRPr>
+                    </a:p>
+                  </a:txBody>
+                  <a:tcPr anchor="t" marL="90000" marR="90000">
+                    <a:lnL w="720">
+                      <a:solidFill>
+                        <a:srgbClr val="ffffff"/>
+                      </a:solidFill>
+                    </a:lnL>
+                    <a:lnR w="720">
+                      <a:solidFill>
+                        <a:srgbClr val="ffffff"/>
+                      </a:solidFill>
+                    </a:lnR>
+                    <a:lnT w="720">
+                      <a:solidFill>
+                        <a:srgbClr val="ffffff"/>
+                      </a:solidFill>
+                    </a:lnT>
+                    <a:lnB w="720">
+                      <a:solidFill>
+                        <a:srgbClr val="ffffff"/>
+                      </a:solidFill>
+                    </a:lnB>
+                    <a:solidFill>
+                      <a:srgbClr val="cccccc"/>
+                    </a:solidFill>
+                  </a:tcPr>
+                </a:tc>
+              </a:tr>
+              <a:tr h="349920">
+                <a:tc vMerge="1">
+                  <a:tcPr anchor="t" marL="90000" marR="90000">
+                    <a:lnL w="720">
+                      <a:solidFill>
+                        <a:srgbClr val="ffffff"/>
+                      </a:solidFill>
+                    </a:lnL>
+                    <a:lnR w="720">
+                      <a:solidFill>
+                        <a:srgbClr val="ffffff"/>
+                      </a:solidFill>
+                    </a:lnR>
+                    <a:lnT w="720">
+                      <a:solidFill>
+                        <a:srgbClr val="ffffff"/>
+                      </a:solidFill>
+                    </a:lnT>
+                    <a:lnB w="720">
+                      <a:solidFill>
+                        <a:srgbClr val="ffffff"/>
+                      </a:solidFill>
+                    </a:lnB>
+                    <a:solidFill>
+                      <a:srgbClr val="e6e6e6"/>
+                    </a:solidFill>
+                  </a:tcPr>
+                </a:tc>
+                <a:tc>
+                  <a:txBody>
+                    <a:bodyPr lIns="90000" rIns="90000" tIns="46800" bIns="46800" anchor="t">
+                      <a:noAutofit/>
+                    </a:bodyPr>
+                    <a:p>
+                      <a:r>
+                        <a:rPr b="0" lang="en-US" sz="1200" spc="-1" strike="noStrike">
+                          <a:latin typeface="Arial"/>
+                        </a:rPr>
+                        <a:t>Altri</a:t>
+                      </a:r>
+                      <a:endParaRPr b="0" lang="en-US" sz="1200" spc="-1" strike="noStrike">
+                        <a:latin typeface="Arial"/>
+                      </a:endParaRPr>
+                    </a:p>
+                  </a:txBody>
+                  <a:tcPr anchor="t" marL="90000" marR="90000">
+                    <a:lnL w="720">
+                      <a:solidFill>
+                        <a:srgbClr val="ffffff"/>
+                      </a:solidFill>
+                    </a:lnL>
+                    <a:lnR w="720">
+                      <a:solidFill>
+                        <a:srgbClr val="ffffff"/>
+                      </a:solidFill>
+                    </a:lnR>
+                    <a:lnT w="720">
+                      <a:solidFill>
+                        <a:srgbClr val="ffffff"/>
+                      </a:solidFill>
+                    </a:lnT>
+                    <a:lnB w="720">
+                      <a:solidFill>
+                        <a:srgbClr val="ffffff"/>
+                      </a:solidFill>
+                    </a:lnB>
+                    <a:solidFill>
+                      <a:srgbClr val="e6e6e6"/>
+                    </a:solidFill>
+                  </a:tcPr>
+                </a:tc>
+                <a:tc>
+                  <a:txBody>
+                    <a:bodyPr lIns="90000" rIns="90000" tIns="46800" bIns="46800" anchor="t">
+                      <a:noAutofit/>
+                    </a:bodyPr>
+                    <a:p>
+                      <a:r>
+                        <a:rPr b="0" lang="en-US" sz="1200" spc="-1" strike="noStrike">
+                          <a:latin typeface="Arial"/>
+                        </a:rPr>
+                        <a:t>1.7 M</a:t>
+                      </a:r>
+                      <a:endParaRPr b="0" lang="en-US" sz="1200" spc="-1" strike="noStrike">
+                        <a:latin typeface="Arial"/>
+                      </a:endParaRPr>
+                    </a:p>
+                  </a:txBody>
+                  <a:tcPr anchor="t" marL="90000" marR="90000">
+                    <a:lnL w="720">
+                      <a:solidFill>
+                        <a:srgbClr val="ffffff"/>
+                      </a:solidFill>
+                    </a:lnL>
+                    <a:lnR w="720">
+                      <a:solidFill>
+                        <a:srgbClr val="ffffff"/>
+                      </a:solidFill>
+                    </a:lnR>
+                    <a:lnT w="720">
+                      <a:solidFill>
+                        <a:srgbClr val="ffffff"/>
+                      </a:solidFill>
+                    </a:lnT>
+                    <a:lnB w="720">
+                      <a:solidFill>
+                        <a:srgbClr val="ffffff"/>
+                      </a:solidFill>
+                    </a:lnB>
+                    <a:solidFill>
+                      <a:srgbClr val="e6e6e6"/>
+                    </a:solidFill>
+                  </a:tcPr>
+                </a:tc>
+                <a:tc>
+                  <a:txBody>
+                    <a:bodyPr lIns="90000" rIns="90000" tIns="46800" bIns="46800" anchor="t">
+                      <a:noAutofit/>
+                    </a:bodyPr>
+                    <a:p>
+                      <a:r>
+                        <a:rPr b="0" lang="en-US" sz="1200" spc="-1" strike="noStrike">
+                          <a:latin typeface="Arial"/>
+                        </a:rPr>
+                        <a:t>1.2 M</a:t>
+                      </a:r>
+                      <a:endParaRPr b="0" lang="en-US" sz="1200" spc="-1" strike="noStrike">
+                        <a:latin typeface="Arial"/>
+                      </a:endParaRPr>
+                    </a:p>
+                  </a:txBody>
+                  <a:tcPr anchor="t" marL="90000" marR="90000">
+                    <a:lnL w="720">
+                      <a:solidFill>
+                        <a:srgbClr val="ffffff"/>
+                      </a:solidFill>
+                    </a:lnL>
+                    <a:lnR w="720">
+                      <a:solidFill>
+                        <a:srgbClr val="ffffff"/>
+                      </a:solidFill>
+                    </a:lnR>
+                    <a:lnT w="720">
+                      <a:solidFill>
+                        <a:srgbClr val="ffffff"/>
+                      </a:solidFill>
+                    </a:lnT>
+                    <a:lnB w="720">
+                      <a:solidFill>
+                        <a:srgbClr val="ffffff"/>
+                      </a:solidFill>
+                    </a:lnB>
+                    <a:solidFill>
+                      <a:srgbClr val="e6e6e6"/>
+                    </a:solidFill>
+                  </a:tcPr>
+                </a:tc>
+                <a:tc>
+                  <a:txBody>
+                    <a:bodyPr lIns="90000" rIns="90000" tIns="46800" bIns="46800" anchor="t">
+                      <a:noAutofit/>
+                    </a:bodyPr>
+                    <a:p>
+                      <a:r>
+                        <a:rPr b="0" lang="en-US" sz="1200" spc="-1" strike="noStrike">
+                          <a:latin typeface="Arial"/>
+                        </a:rPr>
+                        <a:t>-30%</a:t>
+                      </a:r>
+                      <a:endParaRPr b="0" lang="en-US" sz="1200" spc="-1" strike="noStrike">
+                        <a:latin typeface="Arial"/>
+                      </a:endParaRPr>
+                    </a:p>
+                  </a:txBody>
+                  <a:tcPr anchor="t" marL="90000" marR="90000">
+                    <a:lnL w="720">
+                      <a:solidFill>
+                        <a:srgbClr val="ffffff"/>
+                      </a:solidFill>
+                    </a:lnL>
+                    <a:lnR w="720">
+                      <a:solidFill>
+                        <a:srgbClr val="ffffff"/>
+                      </a:solidFill>
+                    </a:lnR>
+                    <a:lnT w="720">
+                      <a:solidFill>
+                        <a:srgbClr val="ffffff"/>
+                      </a:solidFill>
+                    </a:lnT>
+                    <a:lnB w="720">
+                      <a:solidFill>
+                        <a:srgbClr val="ffffff"/>
+                      </a:solidFill>
+                    </a:lnB>
+                    <a:solidFill>
+                      <a:srgbClr val="e6e6e6"/>
+                    </a:solidFill>
+                  </a:tcPr>
+                </a:tc>
+              </a:tr>
+              <a:tr h="349920">
+                <a:tc vMerge="1">
+                  <a:tcPr anchor="t" marL="90000" marR="90000">
+                    <a:lnL w="720">
+                      <a:solidFill>
+                        <a:srgbClr val="ffffff"/>
+                      </a:solidFill>
+                    </a:lnL>
+                    <a:lnR w="720">
+                      <a:solidFill>
+                        <a:srgbClr val="ffffff"/>
+                      </a:solidFill>
+                    </a:lnR>
+                    <a:lnT w="720">
+                      <a:solidFill>
+                        <a:srgbClr val="ffffff"/>
+                      </a:solidFill>
+                    </a:lnT>
+                    <a:lnB w="720">
+                      <a:solidFill>
+                        <a:srgbClr val="ffffff"/>
+                      </a:solidFill>
+                    </a:lnB>
+                    <a:solidFill>
+                      <a:srgbClr val="cccccc"/>
+                    </a:solidFill>
+                  </a:tcPr>
+                </a:tc>
+                <a:tc>
+                  <a:txBody>
+                    <a:bodyPr lIns="90000" rIns="90000" tIns="46800" bIns="46800" anchor="t">
+                      <a:noAutofit/>
+                    </a:bodyPr>
+                    <a:p>
+                      <a:pPr algn="r"/>
+                      <a:r>
+                        <a:rPr b="0" lang="en-US" sz="1200" spc="-1" strike="noStrike">
+                          <a:latin typeface="Arial"/>
+                        </a:rPr>
+                        <a:t>TOTALE</a:t>
+                      </a:r>
+                      <a:endParaRPr b="0" lang="en-US" sz="1200" spc="-1" strike="noStrike">
+                        <a:latin typeface="Arial"/>
+                      </a:endParaRPr>
+                    </a:p>
+                  </a:txBody>
+                  <a:tcPr anchor="t" marL="90000" marR="90000">
+                    <a:lnL w="720">
+                      <a:solidFill>
+                        <a:srgbClr val="ffffff"/>
+                      </a:solidFill>
+                    </a:lnL>
+                    <a:lnR w="720">
+                      <a:solidFill>
+                        <a:srgbClr val="ffffff"/>
+                      </a:solidFill>
+                    </a:lnR>
+                    <a:lnT w="720">
+                      <a:solidFill>
+                        <a:srgbClr val="ffffff"/>
+                      </a:solidFill>
+                    </a:lnT>
+                    <a:lnB w="720">
+                      <a:solidFill>
+                        <a:srgbClr val="ffffff"/>
+                      </a:solidFill>
+                    </a:lnB>
+                    <a:solidFill>
+                      <a:srgbClr val="cccccc"/>
+                    </a:solidFill>
+                  </a:tcPr>
+                </a:tc>
+                <a:tc>
+                  <a:txBody>
+                    <a:bodyPr lIns="90000" rIns="90000" tIns="46800" bIns="46800" anchor="t">
+                      <a:noAutofit/>
+                    </a:bodyPr>
+                    <a:p>
+                      <a:r>
+                        <a:rPr b="0" lang="en-US" sz="1200" spc="-1" strike="noStrike">
+                          <a:latin typeface="Arial"/>
+                        </a:rPr>
+                        <a:t>11.1 M</a:t>
+                      </a:r>
+                      <a:endParaRPr b="0" lang="en-US" sz="1200" spc="-1" strike="noStrike">
+                        <a:latin typeface="Arial"/>
+                      </a:endParaRPr>
+                    </a:p>
+                  </a:txBody>
+                  <a:tcPr anchor="t" marL="90000" marR="90000">
+                    <a:lnL w="720">
+                      <a:solidFill>
+                        <a:srgbClr val="ffffff"/>
+                      </a:solidFill>
+                    </a:lnL>
+                    <a:lnR w="720">
+                      <a:solidFill>
+                        <a:srgbClr val="ffffff"/>
+                      </a:solidFill>
+                    </a:lnR>
+                    <a:lnT w="720">
+                      <a:solidFill>
+                        <a:srgbClr val="ffffff"/>
+                      </a:solidFill>
+                    </a:lnT>
+                    <a:lnB w="720">
+                      <a:solidFill>
+                        <a:srgbClr val="ffffff"/>
+                      </a:solidFill>
+                    </a:lnB>
+                    <a:solidFill>
+                      <a:srgbClr val="cccccc"/>
+                    </a:solidFill>
+                  </a:tcPr>
+                </a:tc>
+                <a:tc>
+                  <a:txBody>
+                    <a:bodyPr lIns="90000" rIns="90000" tIns="46800" bIns="46800" anchor="t">
+                      <a:noAutofit/>
+                    </a:bodyPr>
+                    <a:p>
+                      <a:r>
+                        <a:rPr b="0" lang="en-US" sz="1200" spc="-1" strike="noStrike">
+                          <a:latin typeface="Arial"/>
+                        </a:rPr>
+                        <a:t>10.1 M</a:t>
+                      </a:r>
+                      <a:endParaRPr b="0" lang="en-US" sz="1200" spc="-1" strike="noStrike">
+                        <a:latin typeface="Arial"/>
+                      </a:endParaRPr>
+                    </a:p>
+                  </a:txBody>
+                  <a:tcPr anchor="t" marL="90000" marR="90000">
+                    <a:lnL w="720">
+                      <a:solidFill>
+                        <a:srgbClr val="ffffff"/>
+                      </a:solidFill>
+                    </a:lnL>
+                    <a:lnR w="720">
+                      <a:solidFill>
+                        <a:srgbClr val="ffffff"/>
+                      </a:solidFill>
+                    </a:lnR>
+                    <a:lnT w="720">
+                      <a:solidFill>
+                        <a:srgbClr val="ffffff"/>
+                      </a:solidFill>
+                    </a:lnT>
+                    <a:lnB w="720">
+                      <a:solidFill>
+                        <a:srgbClr val="ffffff"/>
+                      </a:solidFill>
+                    </a:lnB>
+                    <a:solidFill>
+                      <a:srgbClr val="cccccc"/>
+                    </a:solidFill>
+                  </a:tcPr>
+                </a:tc>
+                <a:tc>
+                  <a:txBody>
+                    <a:bodyPr lIns="90000" rIns="90000" tIns="46800" bIns="46800" anchor="t">
+                      <a:noAutofit/>
+                    </a:bodyPr>
+                    <a:p>
+                      <a:r>
+                        <a:rPr b="0" lang="en-US" sz="1200" spc="-1" strike="noStrike">
+                          <a:latin typeface="Arial"/>
+                        </a:rPr>
+                        <a:t>-10%</a:t>
+                      </a:r>
+                      <a:endParaRPr b="0" lang="en-US" sz="1200" spc="-1" strike="noStrike">
+                        <a:latin typeface="Arial"/>
+                      </a:endParaRPr>
+                    </a:p>
+                  </a:txBody>
+                  <a:tcPr anchor="t" marL="90000" marR="90000">
+                    <a:lnL w="720">
+                      <a:solidFill>
+                        <a:srgbClr val="ffffff"/>
+                      </a:solidFill>
+                    </a:lnL>
+                    <a:lnR w="720">
+                      <a:solidFill>
+                        <a:srgbClr val="ffffff"/>
+                      </a:solidFill>
+                    </a:lnR>
+                    <a:lnT w="720">
+                      <a:solidFill>
+                        <a:srgbClr val="ffffff"/>
+                      </a:solidFill>
+                    </a:lnT>
+                    <a:lnB w="720">
+                      <a:solidFill>
+                        <a:srgbClr val="ffffff"/>
+                      </a:solidFill>
+                    </a:lnB>
+                    <a:solidFill>
+                      <a:srgbClr val="cccccc"/>
+                    </a:solidFill>
+                  </a:tcPr>
+                </a:tc>
+              </a:tr>
+              <a:tr h="349920">
+                <a:tc>
+                  <a:txBody>
+                    <a:bodyPr lIns="90000" rIns="90000" tIns="46800" bIns="46800" anchor="t">
+                      <a:noAutofit/>
+                    </a:bodyPr>
+                    <a:p>
+                      <a:pPr algn="r"/>
+                      <a:r>
+                        <a:rPr b="0" lang="en-US" sz="1200" spc="-1" strike="noStrike">
+                          <a:latin typeface="Arial"/>
+                        </a:rPr>
+                        <a:t>TOTALE</a:t>
+                      </a:r>
+                      <a:endParaRPr b="0" lang="en-US" sz="1200" spc="-1" strike="noStrike">
+                        <a:latin typeface="Arial"/>
+                      </a:endParaRPr>
+                    </a:p>
+                  </a:txBody>
+                  <a:tcPr anchor="t" marL="90000" marR="90000">
+                    <a:lnL w="720">
+                      <a:solidFill>
+                        <a:srgbClr val="ffffff"/>
+                      </a:solidFill>
+                    </a:lnL>
+                    <a:lnR w="720">
+                      <a:solidFill>
+                        <a:srgbClr val="ffffff"/>
+                      </a:solidFill>
+                    </a:lnR>
+                    <a:lnT w="720">
+                      <a:solidFill>
+                        <a:srgbClr val="ffffff"/>
+                      </a:solidFill>
+                    </a:lnT>
+                    <a:lnB w="720">
+                      <a:solidFill>
+                        <a:srgbClr val="ffffff"/>
+                      </a:solidFill>
+                    </a:lnB>
+                    <a:solidFill>
+                      <a:srgbClr val="e6e6e6"/>
+                    </a:solidFill>
+                  </a:tcPr>
+                </a:tc>
+                <a:tc>
+                  <a:tcPr anchor="t" marL="90000" marR="90000">
+                    <a:lnL w="720">
+                      <a:solidFill>
+                        <a:srgbClr val="ffffff"/>
+                      </a:solidFill>
+                    </a:lnL>
+                    <a:lnR w="720">
+                      <a:solidFill>
+                        <a:srgbClr val="ffffff"/>
+                      </a:solidFill>
+                    </a:lnR>
+                    <a:lnT w="720">
+                      <a:solidFill>
+                        <a:srgbClr val="ffffff"/>
+                      </a:solidFill>
+                    </a:lnT>
+                    <a:lnB w="720">
+                      <a:solidFill>
+                        <a:srgbClr val="ffffff"/>
+                      </a:solidFill>
+                    </a:lnB>
+                    <a:solidFill>
+                      <a:srgbClr val="e6e6e6"/>
+                    </a:solidFill>
+                  </a:tcPr>
+                </a:tc>
+                <a:tc>
+                  <a:txBody>
+                    <a:bodyPr lIns="90000" rIns="90000" tIns="46800" bIns="46800" anchor="t">
+                      <a:noAutofit/>
+                    </a:bodyPr>
+                    <a:p>
+                      <a:r>
+                        <a:rPr b="0" lang="en-US" sz="1200" spc="-1" strike="noStrike">
+                          <a:latin typeface="Arial"/>
+                        </a:rPr>
+                        <a:t>320 M</a:t>
+                      </a:r>
+                      <a:endParaRPr b="0" lang="en-US" sz="1200" spc="-1" strike="noStrike">
+                        <a:latin typeface="Arial"/>
+                      </a:endParaRPr>
+                    </a:p>
+                  </a:txBody>
+                  <a:tcPr anchor="t" marL="90000" marR="90000">
+                    <a:lnL w="720">
+                      <a:solidFill>
+                        <a:srgbClr val="ffffff"/>
+                      </a:solidFill>
+                    </a:lnL>
+                    <a:lnR w="720">
+                      <a:solidFill>
+                        <a:srgbClr val="ffffff"/>
+                      </a:solidFill>
+                    </a:lnR>
+                    <a:lnT w="720">
+                      <a:solidFill>
+                        <a:srgbClr val="ffffff"/>
+                      </a:solidFill>
+                    </a:lnT>
+                    <a:lnB w="720">
+                      <a:solidFill>
+                        <a:srgbClr val="ffffff"/>
+                      </a:solidFill>
+                    </a:lnB>
+                    <a:solidFill>
+                      <a:srgbClr val="e6e6e6"/>
+                    </a:solidFill>
+                  </a:tcPr>
+                </a:tc>
+                <a:tc>
+                  <a:txBody>
+                    <a:bodyPr lIns="90000" rIns="90000" tIns="46800" bIns="46800" anchor="t">
+                      <a:noAutofit/>
+                    </a:bodyPr>
+                    <a:p>
+                      <a:r>
+                        <a:rPr b="0" lang="en-US" sz="1200" spc="-1" strike="noStrike">
+                          <a:latin typeface="Arial"/>
+                        </a:rPr>
+                        <a:t>356 M</a:t>
+                      </a:r>
+                      <a:endParaRPr b="0" lang="en-US" sz="1200" spc="-1" strike="noStrike">
+                        <a:latin typeface="Arial"/>
+                      </a:endParaRPr>
+                    </a:p>
+                  </a:txBody>
+                  <a:tcPr anchor="t" marL="90000" marR="90000">
+                    <a:lnL w="720">
+                      <a:solidFill>
+                        <a:srgbClr val="ffffff"/>
+                      </a:solidFill>
+                    </a:lnL>
+                    <a:lnR w="720">
+                      <a:solidFill>
+                        <a:srgbClr val="ffffff"/>
+                      </a:solidFill>
+                    </a:lnR>
+                    <a:lnT w="720">
+                      <a:solidFill>
+                        <a:srgbClr val="ffffff"/>
+                      </a:solidFill>
+                    </a:lnT>
+                    <a:lnB w="720">
+                      <a:solidFill>
+                        <a:srgbClr val="ffffff"/>
+                      </a:solidFill>
+                    </a:lnB>
+                    <a:solidFill>
+                      <a:srgbClr val="e6e6e6"/>
+                    </a:solidFill>
+                  </a:tcPr>
+                </a:tc>
+                <a:tc>
+                  <a:txBody>
+                    <a:bodyPr lIns="90000" rIns="90000" tIns="46800" bIns="46800" anchor="t">
+                      <a:noAutofit/>
+                    </a:bodyPr>
+                    <a:p>
+                      <a:r>
+                        <a:rPr b="0" lang="en-US" sz="1200" spc="-1" strike="noStrike">
+                          <a:latin typeface="Arial"/>
+                        </a:rPr>
+                        <a:t>+11%</a:t>
+                      </a:r>
+                      <a:endParaRPr b="0" lang="en-US" sz="1200" spc="-1" strike="noStrike">
+                        <a:latin typeface="Arial"/>
+                      </a:endParaRPr>
+                    </a:p>
+                  </a:txBody>
+                  <a:tcPr anchor="t" marL="90000" marR="90000">
+                    <a:lnL w="720">
+                      <a:solidFill>
+                        <a:srgbClr val="ffffff"/>
+                      </a:solidFill>
+                    </a:lnL>
+                    <a:lnR w="720">
+                      <a:solidFill>
+                        <a:srgbClr val="ffffff"/>
+                      </a:solidFill>
+                    </a:lnR>
+                    <a:lnT w="720">
+                      <a:solidFill>
+                        <a:srgbClr val="ffffff"/>
+                      </a:solidFill>
+                    </a:lnT>
+                    <a:lnB w="720">
+                      <a:solidFill>
+                        <a:srgbClr val="ffffff"/>
+                      </a:solidFill>
+                    </a:lnB>
+                    <a:solidFill>
+                      <a:srgbClr val="e6e6e6"/>
+                    </a:solidFill>
+                  </a:tcPr>
+                </a:tc>
+              </a:tr>
+            </a:tbl>
+          </a:graphicData>
+        </a:graphic>
+      </p:graphicFrame>
+    </p:spTree>
+  </p:cSld>
+  <mc:AlternateContent>
+    <mc:Choice Requires="p14">
+      <p:transition spd="slow" p14:dur="2000"/>
+    </mc:Choice>
+    <mc:Fallback>
+      <p:transition spd="slow"/>
+    </mc:Fallback>
+  </mc:AlternateContent>
+</p:sld>
+</file>
+
+<file path=ppt/slides/slide2.xml><?xml version="1.0" encoding="utf-8"?>
+<p:sld xmlns:a="http://schemas.openxmlformats.org/drawingml/2006/main" xmlns:p="http://schemas.openxmlformats.org/presentationml/2006/main" xmlns:r="http://schemas.openxmlformats.org/officeDocument/2006/relationships" xmlns:p14="http://schemas.microsoft.com/office/powerpoint/2010/main" xmlns:p15="http://schemas.microsoft.com/office/powerpoint/2012/main" xmlns:mc="http://schemas.openxmlformats.org/markup-compatibility/2006">
+  <p:cSld>
+    <p:spTree>
+      <p:nvGrpSpPr>
+        <p:cNvPr id="1" name=""/>
+        <p:cNvGrpSpPr/>
+        <p:nvPr/>
+      </p:nvGrpSpPr>
+      <p:grpSpPr>
+        <a:xfrm>
+          <a:off x="0" y="0"/>
+          <a:ext cx="0" cy="0"/>
+          <a:chOff x="0" y="0"/>
+          <a:chExt cx="0" cy="0"/>
+        </a:xfrm>
+      </p:grpSpPr>
+      <p:sp>
+        <p:nvSpPr>
+          <p:cNvPr id="40" name="PlaceHolder 1"/>
+          <p:cNvSpPr>
+            <a:spLocks noGrp="1"/>
+          </p:cNvSpPr>
+          <p:nvPr>
+            <p:ph type="title"/>
+          </p:nvPr>
+        </p:nvSpPr>
+        <p:spPr>
+          <a:xfrm>
+            <a:off x="529560" y="0"/>
+            <a:ext cx="9071280" cy="946080"/>
+          </a:xfrm>
+          <a:prstGeom prst="rect">
+            <a:avLst/>
+          </a:prstGeom>
+          <a:noFill/>
+          <a:ln w="0">
+            <a:noFill/>
+          </a:ln>
+        </p:spPr>
+        <p:txBody>
+          <a:bodyPr lIns="0" rIns="0" tIns="0" bIns="0" anchor="ctr">
+            <a:noAutofit/>
+          </a:bodyPr>
+          <a:p>
+            <a:pPr algn="ctr">
+              <a:lnSpc>
+                <a:spcPct val="100000"/>
+              </a:lnSpc>
+            </a:pPr>
+            <a:r>
+              <a:rPr b="0" lang="en-US" sz="4400" spc="-1" strike="noStrike">
+                <a:latin typeface="Arial"/>
+              </a:rPr>
+              <a:t>Principali flussi in uscita e costi</a:t>
+            </a:r>
+            <a:endParaRPr b="0" lang="en-US" sz="4400" spc="-1" strike="noStrike">
+              <a:latin typeface="Arial"/>
+            </a:endParaRPr>
+          </a:p>
+        </p:txBody>
+      </p:sp>
+      <p:graphicFrame>
+        <p:nvGraphicFramePr>
+          <p:cNvPr id="41" name=""/>
+          <p:cNvGraphicFramePr/>
+          <p:nvPr/>
+        </p:nvGraphicFramePr>
+        <p:xfrm>
+          <a:off x="323280" y="1040760"/>
+          <a:ext cx="9492480" cy="4084920"/>
+        </p:xfrm>
+        <a:graphic>
+          <a:graphicData uri="http://schemas.openxmlformats.org/drawingml/2006/table">
+            <a:tbl>
+              <a:tblPr/>
+              <a:tblGrid>
+                <a:gridCol w="1726920"/>
+                <a:gridCol w="3076200"/>
+                <a:gridCol w="738360"/>
+                <a:gridCol w="813600"/>
+                <a:gridCol w="1228320"/>
+                <a:gridCol w="1033560"/>
+                <a:gridCol w="875880"/>
+              </a:tblGrid>
+              <a:tr h="605880">
+                <a:tc>
+                  <a:txBody>
+                    <a:bodyPr lIns="90000" rIns="90000" tIns="46800" bIns="46800" anchor="t">
+                      <a:noAutofit/>
+                    </a:bodyPr>
+                    <a:p>
+                      <a:r>
+                        <a:rPr b="0" lang="en-US" sz="1200" spc="-1" strike="noStrike">
+                          <a:latin typeface="Arial"/>
+                        </a:rPr>
+                        <a:t>Flussi in uscita / Costi</a:t>
+                      </a:r>
+                      <a:endParaRPr b="0" lang="en-US" sz="1200" spc="-1" strike="noStrike">
+                        <a:latin typeface="Arial"/>
+                      </a:endParaRPr>
+                    </a:p>
+                  </a:txBody>
+                  <a:tcPr anchor="t" marL="90000" marR="90000">
+                    <a:lnL w="720">
+                      <a:solidFill>
+                        <a:srgbClr val="ffffff"/>
+                      </a:solidFill>
+                    </a:lnL>
+                    <a:lnR w="720">
+                      <a:solidFill>
+                        <a:srgbClr val="ffffff"/>
+                      </a:solidFill>
+                    </a:lnR>
+                    <a:lnT w="720">
+                      <a:solidFill>
+                        <a:srgbClr val="ffffff"/>
+                      </a:solidFill>
+                    </a:lnT>
+                    <a:lnB w="720">
+                      <a:solidFill>
+                        <a:srgbClr val="ffffff"/>
+                      </a:solidFill>
+                    </a:lnB>
+                    <a:solidFill>
+                      <a:srgbClr val="b3b3b3"/>
+                    </a:solidFill>
+                  </a:tcPr>
+                </a:tc>
+                <a:tc>
+                  <a:tcPr anchor="t" marL="90000" marR="90000">
+                    <a:lnL w="720">
+                      <a:solidFill>
+                        <a:srgbClr val="ffffff"/>
+                      </a:solidFill>
+                    </a:lnL>
+                    <a:lnR w="720">
+                      <a:solidFill>
+                        <a:srgbClr val="ffffff"/>
+                      </a:solidFill>
+                    </a:lnR>
+                    <a:lnT w="720">
+                      <a:solidFill>
+                        <a:srgbClr val="ffffff"/>
+                      </a:solidFill>
+                    </a:lnT>
+                    <a:lnB w="720">
+                      <a:solidFill>
+                        <a:srgbClr val="ffffff"/>
+                      </a:solidFill>
+                    </a:lnB>
+                    <a:solidFill>
+                      <a:srgbClr val="b3b3b3"/>
+                    </a:solidFill>
+                  </a:tcPr>
+                </a:tc>
+                <a:tc>
+                  <a:txBody>
+                    <a:bodyPr lIns="90000" rIns="90000" tIns="46800" bIns="46800" anchor="t">
+                      <a:noAutofit/>
+                    </a:bodyPr>
+                    <a:p>
+                      <a:r>
+                        <a:rPr b="0" lang="en-US" sz="1200" spc="-1" strike="noStrike">
                           <a:latin typeface="Arial"/>
                         </a:rPr>
                         <a:t>2019</a:t>
                       </a:r>
-                      <a:endParaRPr b="0" lang="en-US" sz="1800" spc="-1" strike="noStrike">
+                      <a:endParaRPr b="0" lang="en-US" sz="1200" spc="-1" strike="noStrike">
                         <a:latin typeface="Arial"/>
                       </a:endParaRPr>
                     </a:p>
@@ -2130,898 +3932,197 @@
                     </a:solidFill>
                   </a:tcPr>
                 </a:tc>
-              </a:tr>
-              <a:tr h="387000">
-                <a:tc>
-                  <a:txBody>
-                    <a:bodyPr lIns="90000" rIns="90000" tIns="46800" bIns="46800" anchor="t">
-                      <a:noAutofit/>
-                    </a:bodyPr>
-                    <a:p>
-                      <a:r>
-                        <a:rPr b="0" lang="en-US" sz="1800" spc="-1" strike="noStrike">
-                          <a:latin typeface="Arial"/>
-                        </a:rPr>
-                        <a:t>Entrata</a:t>
-                      </a:r>
-                      <a:endParaRPr b="0" lang="en-US" sz="1800" spc="-1" strike="noStrike">
-                        <a:latin typeface="Arial"/>
-                      </a:endParaRPr>
-                    </a:p>
-                  </a:txBody>
-                  <a:tcPr anchor="t" marL="90000" marR="90000">
-                    <a:lnL w="720">
-                      <a:solidFill>
-                        <a:srgbClr val="ffffff"/>
-                      </a:solidFill>
-                    </a:lnL>
-                    <a:lnR w="720">
-                      <a:solidFill>
-                        <a:srgbClr val="ffffff"/>
-                      </a:solidFill>
-                    </a:lnR>
-                    <a:lnT w="720">
-                      <a:solidFill>
-                        <a:srgbClr val="ffffff"/>
-                      </a:solidFill>
-                    </a:lnT>
-                    <a:lnB w="720">
-                      <a:solidFill>
-                        <a:srgbClr val="ffffff"/>
-                      </a:solidFill>
-                    </a:lnB>
-                    <a:solidFill>
-                      <a:srgbClr val="cccccc"/>
-                    </a:solidFill>
-                  </a:tcPr>
-                </a:tc>
-                <a:tc>
-                  <a:tcPr anchor="t" marL="90000" marR="90000">
-                    <a:lnL w="720">
-                      <a:solidFill>
-                        <a:srgbClr val="ffffff"/>
-                      </a:solidFill>
-                    </a:lnL>
-                    <a:lnR w="720">
-                      <a:solidFill>
-                        <a:srgbClr val="ffffff"/>
-                      </a:solidFill>
-                    </a:lnR>
-                    <a:lnT w="720">
-                      <a:solidFill>
-                        <a:srgbClr val="ffffff"/>
-                      </a:solidFill>
-                    </a:lnT>
-                    <a:lnB w="720">
-                      <a:solidFill>
-                        <a:srgbClr val="ffffff"/>
-                      </a:solidFill>
-                    </a:lnB>
-                    <a:solidFill>
-                      <a:srgbClr val="cccccc"/>
-                    </a:solidFill>
-                  </a:tcPr>
-                </a:tc>
-                <a:tc>
-                  <a:tcPr anchor="t" marL="90000" marR="90000">
-                    <a:lnL w="720">
-                      <a:solidFill>
-                        <a:srgbClr val="ffffff"/>
-                      </a:solidFill>
-                    </a:lnL>
-                    <a:lnR w="720">
-                      <a:solidFill>
-                        <a:srgbClr val="ffffff"/>
-                      </a:solidFill>
-                    </a:lnR>
-                    <a:lnT w="720">
-                      <a:solidFill>
-                        <a:srgbClr val="ffffff"/>
-                      </a:solidFill>
-                    </a:lnT>
-                    <a:lnB w="720">
-                      <a:solidFill>
-                        <a:srgbClr val="ffffff"/>
-                      </a:solidFill>
-                    </a:lnB>
-                    <a:solidFill>
-                      <a:srgbClr val="cccccc"/>
-                    </a:solidFill>
-                  </a:tcPr>
-                </a:tc>
-                <a:tc>
-                  <a:tcPr anchor="t" marL="90000" marR="90000">
-                    <a:lnL w="720">
-                      <a:solidFill>
-                        <a:srgbClr val="ffffff"/>
-                      </a:solidFill>
-                    </a:lnL>
-                    <a:lnR w="720">
-                      <a:solidFill>
-                        <a:srgbClr val="ffffff"/>
-                      </a:solidFill>
-                    </a:lnR>
-                    <a:lnT w="720">
-                      <a:solidFill>
-                        <a:srgbClr val="ffffff"/>
-                      </a:solidFill>
-                    </a:lnT>
-                    <a:lnB w="720">
-                      <a:solidFill>
-                        <a:srgbClr val="ffffff"/>
-                      </a:solidFill>
-                    </a:lnB>
-                    <a:solidFill>
-                      <a:srgbClr val="cccccc"/>
-                    </a:solidFill>
-                  </a:tcPr>
-                </a:tc>
-              </a:tr>
-              <a:tr h="605880">
-                <a:tc>
-                  <a:tcPr anchor="t" marL="90000" marR="90000">
-                    <a:lnL w="720">
-                      <a:solidFill>
-                        <a:srgbClr val="ffffff"/>
-                      </a:solidFill>
-                    </a:lnL>
-                    <a:lnR w="720">
-                      <a:solidFill>
-                        <a:srgbClr val="ffffff"/>
-                      </a:solidFill>
-                    </a:lnR>
-                    <a:lnT w="720">
-                      <a:solidFill>
-                        <a:srgbClr val="ffffff"/>
-                      </a:solidFill>
-                    </a:lnT>
-                    <a:lnB w="720">
-                      <a:solidFill>
-                        <a:srgbClr val="ffffff"/>
-                      </a:solidFill>
-                    </a:lnB>
-                    <a:solidFill>
-                      <a:srgbClr val="e6e6e6"/>
-                    </a:solidFill>
-                  </a:tcPr>
-                </a:tc>
-                <a:tc>
-                  <a:txBody>
-                    <a:bodyPr lIns="90000" rIns="90000" tIns="46800" bIns="46800" anchor="t">
-                      <a:noAutofit/>
-                    </a:bodyPr>
-                    <a:p>
-                      <a:r>
-                        <a:rPr b="0" lang="en-US" sz="1800" spc="-1" strike="noStrike">
-                          <a:latin typeface="Arial"/>
-                        </a:rPr>
-                        <a:t>Ricavi delle vendite e delle prestazioni</a:t>
-                      </a:r>
-                      <a:endParaRPr b="0" lang="en-US" sz="1800" spc="-1" strike="noStrike">
-                        <a:latin typeface="Arial"/>
-                      </a:endParaRPr>
-                    </a:p>
-                  </a:txBody>
-                  <a:tcPr anchor="t" marL="90000" marR="90000">
-                    <a:lnL w="720">
-                      <a:solidFill>
-                        <a:srgbClr val="ffffff"/>
-                      </a:solidFill>
-                    </a:lnL>
-                    <a:lnR w="720">
-                      <a:solidFill>
-                        <a:srgbClr val="ffffff"/>
-                      </a:solidFill>
-                    </a:lnR>
-                    <a:lnT w="720">
-                      <a:solidFill>
-                        <a:srgbClr val="ffffff"/>
-                      </a:solidFill>
-                    </a:lnT>
-                    <a:lnB w="720">
-                      <a:solidFill>
-                        <a:srgbClr val="ffffff"/>
-                      </a:solidFill>
-                    </a:lnB>
-                    <a:solidFill>
-                      <a:srgbClr val="e6e6e6"/>
-                    </a:solidFill>
-                  </a:tcPr>
-                </a:tc>
-                <a:tc>
-                  <a:txBody>
-                    <a:bodyPr lIns="90000" rIns="90000" tIns="46800" bIns="46800" anchor="t">
-                      <a:noAutofit/>
-                    </a:bodyPr>
-                    <a:p>
-                      <a:r>
-                        <a:rPr b="0" lang="en-US" sz="1800" spc="-1" strike="noStrike">
-                          <a:latin typeface="Arial"/>
-                        </a:rPr>
-                        <a:t>346 M</a:t>
-                      </a:r>
-                      <a:endParaRPr b="0" lang="en-US" sz="1800" spc="-1" strike="noStrike">
-                        <a:latin typeface="Arial"/>
-                      </a:endParaRPr>
-                    </a:p>
-                  </a:txBody>
-                  <a:tcPr anchor="t" marL="90000" marR="90000">
-                    <a:lnL w="720">
-                      <a:solidFill>
-                        <a:srgbClr val="ffffff"/>
-                      </a:solidFill>
-                    </a:lnL>
-                    <a:lnR w="720">
-                      <a:solidFill>
-                        <a:srgbClr val="ffffff"/>
-                      </a:solidFill>
-                    </a:lnR>
-                    <a:lnT w="720">
-                      <a:solidFill>
-                        <a:srgbClr val="ffffff"/>
-                      </a:solidFill>
-                    </a:lnT>
-                    <a:lnB w="720">
-                      <a:solidFill>
-                        <a:srgbClr val="ffffff"/>
-                      </a:solidFill>
-                    </a:lnB>
-                    <a:solidFill>
-                      <a:srgbClr val="e6e6e6"/>
-                    </a:solidFill>
-                  </a:tcPr>
-                </a:tc>
-                <a:tc>
-                  <a:txBody>
-                    <a:bodyPr lIns="90000" rIns="90000" tIns="46800" bIns="46800" anchor="t">
-                      <a:noAutofit/>
-                    </a:bodyPr>
-                    <a:p>
-                      <a:pPr>
-                        <a:lnSpc>
-                          <a:spcPct val="100000"/>
-                        </a:lnSpc>
-                      </a:pPr>
-                      <a:r>
-                        <a:rPr b="0" lang="en-US" sz="1800" spc="-1" strike="noStrike">
-                          <a:latin typeface="Arial"/>
-                        </a:rPr>
-                        <a:t>309 M</a:t>
-                      </a:r>
-                      <a:endParaRPr b="0" lang="en-US" sz="1800" spc="-1" strike="noStrike">
-                        <a:latin typeface="Arial"/>
-                      </a:endParaRPr>
-                    </a:p>
-                  </a:txBody>
-                  <a:tcPr anchor="t" marL="90000" marR="90000">
-                    <a:lnL w="720">
-                      <a:solidFill>
-                        <a:srgbClr val="ffffff"/>
-                      </a:solidFill>
-                    </a:lnL>
-                    <a:lnR w="720">
-                      <a:solidFill>
-                        <a:srgbClr val="ffffff"/>
-                      </a:solidFill>
-                    </a:lnR>
-                    <a:lnT w="720">
-                      <a:solidFill>
-                        <a:srgbClr val="ffffff"/>
-                      </a:solidFill>
-                    </a:lnT>
-                    <a:lnB w="720">
-                      <a:solidFill>
-                        <a:srgbClr val="ffffff"/>
-                      </a:solidFill>
-                    </a:lnB>
-                    <a:solidFill>
-                      <a:srgbClr val="e6e6e6"/>
-                    </a:solidFill>
-                  </a:tcPr>
-                </a:tc>
-              </a:tr>
-              <a:tr h="387000">
-                <a:tc>
-                  <a:tcPr anchor="t" marL="90000" marR="90000">
-                    <a:lnL w="720">
-                      <a:solidFill>
-                        <a:srgbClr val="ffffff"/>
-                      </a:solidFill>
-                    </a:lnL>
-                    <a:lnR w="720">
-                      <a:solidFill>
-                        <a:srgbClr val="ffffff"/>
-                      </a:solidFill>
-                    </a:lnR>
-                    <a:lnT w="720">
-                      <a:solidFill>
-                        <a:srgbClr val="ffffff"/>
-                      </a:solidFill>
-                    </a:lnT>
-                    <a:lnB w="720">
-                      <a:solidFill>
-                        <a:srgbClr val="ffffff"/>
-                      </a:solidFill>
-                    </a:lnB>
-                    <a:solidFill>
-                      <a:srgbClr val="cccccc"/>
-                    </a:solidFill>
-                  </a:tcPr>
-                </a:tc>
-                <a:tc>
-                  <a:txBody>
-                    <a:bodyPr lIns="90000" rIns="90000" tIns="46800" bIns="46800" anchor="t">
-                      <a:noAutofit/>
-                    </a:bodyPr>
-                    <a:p>
-                      <a:r>
-                        <a:rPr b="0" lang="en-US" sz="1800" spc="-1" strike="noStrike">
-                          <a:latin typeface="Arial"/>
-                        </a:rPr>
-                        <a:t>Altri ricavi e proventi</a:t>
-                      </a:r>
-                      <a:endParaRPr b="0" lang="en-US" sz="1800" spc="-1" strike="noStrike">
-                        <a:latin typeface="Arial"/>
-                      </a:endParaRPr>
-                    </a:p>
-                  </a:txBody>
-                  <a:tcPr anchor="t" marL="90000" marR="90000">
-                    <a:lnL w="720">
-                      <a:solidFill>
-                        <a:srgbClr val="ffffff"/>
-                      </a:solidFill>
-                    </a:lnL>
-                    <a:lnR w="720">
-                      <a:solidFill>
-                        <a:srgbClr val="ffffff"/>
-                      </a:solidFill>
-                    </a:lnR>
-                    <a:lnT w="720">
-                      <a:solidFill>
-                        <a:srgbClr val="ffffff"/>
-                      </a:solidFill>
-                    </a:lnT>
-                    <a:lnB w="720">
-                      <a:solidFill>
-                        <a:srgbClr val="ffffff"/>
-                      </a:solidFill>
-                    </a:lnB>
-                    <a:solidFill>
-                      <a:srgbClr val="cccccc"/>
-                    </a:solidFill>
-                  </a:tcPr>
-                </a:tc>
-                <a:tc>
-                  <a:txBody>
-                    <a:bodyPr lIns="90000" rIns="90000" tIns="46800" bIns="46800" anchor="t">
-                      <a:noAutofit/>
-                    </a:bodyPr>
-                    <a:p>
-                      <a:r>
-                        <a:rPr b="0" lang="en-US" sz="1800" spc="-1" strike="noStrike">
-                          <a:latin typeface="Arial"/>
-                        </a:rPr>
-                        <a:t>10 M</a:t>
-                      </a:r>
-                      <a:endParaRPr b="0" lang="en-US" sz="1800" spc="-1" strike="noStrike">
-                        <a:latin typeface="Arial"/>
-                      </a:endParaRPr>
-                    </a:p>
-                  </a:txBody>
-                  <a:tcPr anchor="t" marL="90000" marR="90000">
-                    <a:lnL w="720">
-                      <a:solidFill>
-                        <a:srgbClr val="ffffff"/>
-                      </a:solidFill>
-                    </a:lnL>
-                    <a:lnR w="720">
-                      <a:solidFill>
-                        <a:srgbClr val="ffffff"/>
-                      </a:solidFill>
-                    </a:lnR>
-                    <a:lnT w="720">
-                      <a:solidFill>
-                        <a:srgbClr val="ffffff"/>
-                      </a:solidFill>
-                    </a:lnT>
-                    <a:lnB w="720">
-                      <a:solidFill>
-                        <a:srgbClr val="ffffff"/>
-                      </a:solidFill>
-                    </a:lnB>
-                    <a:solidFill>
-                      <a:srgbClr val="cccccc"/>
-                    </a:solidFill>
-                  </a:tcPr>
-                </a:tc>
-                <a:tc>
-                  <a:txBody>
-                    <a:bodyPr lIns="90000" rIns="90000" tIns="46800" bIns="46800" anchor="t">
-                      <a:noAutofit/>
-                    </a:bodyPr>
-                    <a:p>
-                      <a:r>
-                        <a:rPr b="0" lang="en-US" sz="1800" spc="-1" strike="noStrike">
-                          <a:latin typeface="Arial"/>
-                        </a:rPr>
-                        <a:t>11 M</a:t>
-                      </a:r>
-                      <a:endParaRPr b="0" lang="en-US" sz="1800" spc="-1" strike="noStrike">
-                        <a:latin typeface="Arial"/>
-                      </a:endParaRPr>
-                    </a:p>
-                  </a:txBody>
-                  <a:tcPr anchor="t" marL="90000" marR="90000">
-                    <a:lnL w="720">
-                      <a:solidFill>
-                        <a:srgbClr val="ffffff"/>
-                      </a:solidFill>
-                    </a:lnL>
-                    <a:lnR w="720">
-                      <a:solidFill>
-                        <a:srgbClr val="ffffff"/>
-                      </a:solidFill>
-                    </a:lnR>
-                    <a:lnT w="720">
-                      <a:solidFill>
-                        <a:srgbClr val="ffffff"/>
-                      </a:solidFill>
-                    </a:lnT>
-                    <a:lnB w="720">
-                      <a:solidFill>
-                        <a:srgbClr val="ffffff"/>
-                      </a:solidFill>
-                    </a:lnB>
-                    <a:solidFill>
-                      <a:srgbClr val="cccccc"/>
-                    </a:solidFill>
-                  </a:tcPr>
-                </a:tc>
-              </a:tr>
-              <a:tr h="387000">
-                <a:tc>
-                  <a:txBody>
-                    <a:bodyPr lIns="90000" rIns="90000" tIns="46800" bIns="46800" anchor="t">
-                      <a:noAutofit/>
-                    </a:bodyPr>
-                    <a:p>
-                      <a:r>
-                        <a:rPr b="0" lang="en-US" sz="1800" spc="-1" strike="noStrike">
-                          <a:latin typeface="Arial"/>
-                        </a:rPr>
-                        <a:t>Uscita</a:t>
-                      </a:r>
-                      <a:endParaRPr b="0" lang="en-US" sz="1800" spc="-1" strike="noStrike">
-                        <a:latin typeface="Arial"/>
-                      </a:endParaRPr>
-                    </a:p>
-                  </a:txBody>
-                  <a:tcPr anchor="t" marL="90000" marR="90000">
-                    <a:lnL w="720">
-                      <a:solidFill>
-                        <a:srgbClr val="ffffff"/>
-                      </a:solidFill>
-                    </a:lnL>
-                    <a:lnR w="720">
-                      <a:solidFill>
-                        <a:srgbClr val="ffffff"/>
-                      </a:solidFill>
-                    </a:lnR>
-                    <a:lnT w="720">
-                      <a:solidFill>
-                        <a:srgbClr val="ffffff"/>
-                      </a:solidFill>
-                    </a:lnT>
-                    <a:lnB w="720">
-                      <a:solidFill>
-                        <a:srgbClr val="ffffff"/>
-                      </a:solidFill>
-                    </a:lnB>
-                    <a:solidFill>
-                      <a:srgbClr val="e6e6e6"/>
-                    </a:solidFill>
-                  </a:tcPr>
-                </a:tc>
-                <a:tc>
-                  <a:tcPr anchor="t" marL="90000" marR="90000">
-                    <a:lnL w="720">
-                      <a:solidFill>
-                        <a:srgbClr val="ffffff"/>
-                      </a:solidFill>
-                    </a:lnL>
-                    <a:lnR w="720">
-                      <a:solidFill>
-                        <a:srgbClr val="ffffff"/>
-                      </a:solidFill>
-                    </a:lnR>
-                    <a:lnT w="720">
-                      <a:solidFill>
-                        <a:srgbClr val="ffffff"/>
-                      </a:solidFill>
-                    </a:lnT>
-                    <a:lnB w="720">
-                      <a:solidFill>
-                        <a:srgbClr val="ffffff"/>
-                      </a:solidFill>
-                    </a:lnB>
-                    <a:solidFill>
-                      <a:srgbClr val="e6e6e6"/>
-                    </a:solidFill>
-                  </a:tcPr>
-                </a:tc>
-                <a:tc>
-                  <a:tcPr anchor="t" marL="90000" marR="90000">
-                    <a:lnL w="720">
-                      <a:solidFill>
-                        <a:srgbClr val="ffffff"/>
-                      </a:solidFill>
-                    </a:lnL>
-                    <a:lnR w="720">
-                      <a:solidFill>
-                        <a:srgbClr val="ffffff"/>
-                      </a:solidFill>
-                    </a:lnR>
-                    <a:lnT w="720">
-                      <a:solidFill>
-                        <a:srgbClr val="ffffff"/>
-                      </a:solidFill>
-                    </a:lnT>
-                    <a:lnB w="720">
-                      <a:solidFill>
-                        <a:srgbClr val="ffffff"/>
-                      </a:solidFill>
-                    </a:lnB>
-                    <a:solidFill>
-                      <a:srgbClr val="e6e6e6"/>
-                    </a:solidFill>
-                  </a:tcPr>
-                </a:tc>
-                <a:tc>
-                  <a:tcPr anchor="t" marL="90000" marR="90000">
-                    <a:lnL w="720">
-                      <a:solidFill>
-                        <a:srgbClr val="ffffff"/>
-                      </a:solidFill>
-                    </a:lnL>
-                    <a:lnR w="720">
-                      <a:solidFill>
-                        <a:srgbClr val="ffffff"/>
-                      </a:solidFill>
-                    </a:lnR>
-                    <a:lnT w="720">
-                      <a:solidFill>
-                        <a:srgbClr val="ffffff"/>
-                      </a:solidFill>
-                    </a:lnT>
-                    <a:lnB w="720">
-                      <a:solidFill>
-                        <a:srgbClr val="ffffff"/>
-                      </a:solidFill>
-                    </a:lnB>
-                    <a:solidFill>
-                      <a:srgbClr val="e6e6e6"/>
-                    </a:solidFill>
-                  </a:tcPr>
-                </a:tc>
-              </a:tr>
-              <a:tr h="387000">
-                <a:tc>
-                  <a:tcPr anchor="t" marL="90000" marR="90000">
-                    <a:lnL w="720">
-                      <a:solidFill>
-                        <a:srgbClr val="ffffff"/>
-                      </a:solidFill>
-                    </a:lnL>
-                    <a:lnR w="720">
-                      <a:solidFill>
-                        <a:srgbClr val="ffffff"/>
-                      </a:solidFill>
-                    </a:lnR>
-                    <a:lnT w="720">
-                      <a:solidFill>
-                        <a:srgbClr val="ffffff"/>
-                      </a:solidFill>
-                    </a:lnT>
-                    <a:lnB w="720">
-                      <a:solidFill>
-                        <a:srgbClr val="ffffff"/>
-                      </a:solidFill>
-                    </a:lnB>
-                    <a:solidFill>
-                      <a:srgbClr val="cccccc"/>
-                    </a:solidFill>
-                  </a:tcPr>
-                </a:tc>
-                <a:tc>
-                  <a:txBody>
-                    <a:bodyPr lIns="90000" rIns="90000" tIns="46800" bIns="46800" anchor="t">
-                      <a:noAutofit/>
-                    </a:bodyPr>
-                    <a:p>
-                      <a:r>
-                        <a:rPr b="0" lang="en-US" sz="1800" spc="-1" strike="noStrike">
-                          <a:latin typeface="Arial"/>
-                        </a:rPr>
-                        <a:t>Materie prime e merci</a:t>
-                      </a:r>
-                      <a:endParaRPr b="0" lang="en-US" sz="1800" spc="-1" strike="noStrike">
-                        <a:latin typeface="Arial"/>
-                      </a:endParaRPr>
-                    </a:p>
-                  </a:txBody>
-                  <a:tcPr anchor="t" marL="90000" marR="90000">
-                    <a:lnL w="720">
-                      <a:solidFill>
-                        <a:srgbClr val="ffffff"/>
-                      </a:solidFill>
-                    </a:lnL>
-                    <a:lnR w="720">
-                      <a:solidFill>
-                        <a:srgbClr val="ffffff"/>
-                      </a:solidFill>
-                    </a:lnR>
-                    <a:lnT w="720">
-                      <a:solidFill>
-                        <a:srgbClr val="ffffff"/>
-                      </a:solidFill>
-                    </a:lnT>
-                    <a:lnB w="720">
-                      <a:solidFill>
-                        <a:srgbClr val="ffffff"/>
-                      </a:solidFill>
-                    </a:lnB>
-                    <a:solidFill>
-                      <a:srgbClr val="cccccc"/>
-                    </a:solidFill>
-                  </a:tcPr>
-                </a:tc>
-                <a:tc>
-                  <a:txBody>
-                    <a:bodyPr lIns="90000" rIns="90000" tIns="46800" bIns="46800" anchor="t">
-                      <a:noAutofit/>
-                    </a:bodyPr>
-                    <a:p>
-                      <a:r>
-                        <a:rPr b="0" lang="en-US" sz="1800" spc="-1" strike="noStrike">
-                          <a:latin typeface="Arial"/>
-                        </a:rPr>
-                        <a:t>242 M</a:t>
-                      </a:r>
-                      <a:endParaRPr b="0" lang="en-US" sz="1800" spc="-1" strike="noStrike">
-                        <a:latin typeface="Arial"/>
-                      </a:endParaRPr>
-                    </a:p>
-                  </a:txBody>
-                  <a:tcPr anchor="t" marL="90000" marR="90000">
-                    <a:lnL w="720">
-                      <a:solidFill>
-                        <a:srgbClr val="ffffff"/>
-                      </a:solidFill>
-                    </a:lnL>
-                    <a:lnR w="720">
-                      <a:solidFill>
-                        <a:srgbClr val="ffffff"/>
-                      </a:solidFill>
-                    </a:lnR>
-                    <a:lnT w="720">
-                      <a:solidFill>
-                        <a:srgbClr val="ffffff"/>
-                      </a:solidFill>
-                    </a:lnT>
-                    <a:lnB w="720">
-                      <a:solidFill>
-                        <a:srgbClr val="ffffff"/>
-                      </a:solidFill>
-                    </a:lnB>
-                    <a:solidFill>
-                      <a:srgbClr val="cccccc"/>
-                    </a:solidFill>
-                  </a:tcPr>
-                </a:tc>
-                <a:tc>
-                  <a:txBody>
-                    <a:bodyPr lIns="90000" rIns="90000" tIns="46800" bIns="46800" anchor="t">
-                      <a:noAutofit/>
-                    </a:bodyPr>
-                    <a:p>
-                      <a:r>
-                        <a:rPr b="0" lang="en-US" sz="1800" spc="-1" strike="noStrike">
-                          <a:latin typeface="Arial"/>
-                        </a:rPr>
-                        <a:t>209 M</a:t>
-                      </a:r>
-                      <a:endParaRPr b="0" lang="en-US" sz="1800" spc="-1" strike="noStrike">
-                        <a:latin typeface="Arial"/>
-                      </a:endParaRPr>
-                    </a:p>
-                  </a:txBody>
-                  <a:tcPr anchor="t" marL="90000" marR="90000">
-                    <a:lnL w="720">
-                      <a:solidFill>
-                        <a:srgbClr val="ffffff"/>
-                      </a:solidFill>
-                    </a:lnL>
-                    <a:lnR w="720">
-                      <a:solidFill>
-                        <a:srgbClr val="ffffff"/>
-                      </a:solidFill>
-                    </a:lnR>
-                    <a:lnT w="720">
-                      <a:solidFill>
-                        <a:srgbClr val="ffffff"/>
-                      </a:solidFill>
-                    </a:lnT>
-                    <a:lnB w="720">
-                      <a:solidFill>
-                        <a:srgbClr val="ffffff"/>
-                      </a:solidFill>
-                    </a:lnB>
-                    <a:solidFill>
-                      <a:srgbClr val="cccccc"/>
-                    </a:solidFill>
-                  </a:tcPr>
-                </a:tc>
-              </a:tr>
-              <a:tr h="387000">
-                <a:tc>
-                  <a:tcPr anchor="t" marL="90000" marR="90000">
-                    <a:lnL w="720">
-                      <a:solidFill>
-                        <a:srgbClr val="ffffff"/>
-                      </a:solidFill>
-                    </a:lnL>
-                    <a:lnR w="720">
-                      <a:solidFill>
-                        <a:srgbClr val="ffffff"/>
-                      </a:solidFill>
-                    </a:lnR>
-                    <a:lnT w="720">
-                      <a:solidFill>
-                        <a:srgbClr val="ffffff"/>
-                      </a:solidFill>
-                    </a:lnT>
-                    <a:lnB w="720">
-                      <a:solidFill>
-                        <a:srgbClr val="ffffff"/>
-                      </a:solidFill>
-                    </a:lnB>
-                    <a:solidFill>
-                      <a:srgbClr val="e6e6e6"/>
-                    </a:solidFill>
-                  </a:tcPr>
-                </a:tc>
-                <a:tc>
-                  <a:txBody>
-                    <a:bodyPr lIns="90000" rIns="90000" tIns="46800" bIns="46800" anchor="t">
-                      <a:noAutofit/>
-                    </a:bodyPr>
-                    <a:p>
-                      <a:r>
-                        <a:rPr b="0" lang="en-US" sz="1800" spc="-1" strike="noStrike">
-                          <a:latin typeface="Arial"/>
-                        </a:rPr>
-                        <a:t>Servizi</a:t>
-                      </a:r>
-                      <a:endParaRPr b="0" lang="en-US" sz="1800" spc="-1" strike="noStrike">
-                        <a:latin typeface="Arial"/>
-                      </a:endParaRPr>
-                    </a:p>
-                  </a:txBody>
-                  <a:tcPr anchor="t" marL="90000" marR="90000">
-                    <a:lnL w="720">
-                      <a:solidFill>
-                        <a:srgbClr val="ffffff"/>
-                      </a:solidFill>
-                    </a:lnL>
-                    <a:lnR w="720">
-                      <a:solidFill>
-                        <a:srgbClr val="ffffff"/>
-                      </a:solidFill>
-                    </a:lnR>
-                    <a:lnT w="720">
-                      <a:solidFill>
-                        <a:srgbClr val="ffffff"/>
-                      </a:solidFill>
-                    </a:lnT>
-                    <a:lnB w="720">
-                      <a:solidFill>
-                        <a:srgbClr val="ffffff"/>
-                      </a:solidFill>
-                    </a:lnB>
-                    <a:solidFill>
-                      <a:srgbClr val="e6e6e6"/>
-                    </a:solidFill>
-                  </a:tcPr>
-                </a:tc>
-                <a:tc>
-                  <a:txBody>
-                    <a:bodyPr lIns="90000" rIns="90000" tIns="46800" bIns="46800" anchor="t">
-                      <a:noAutofit/>
-                    </a:bodyPr>
-                    <a:p>
-                      <a:r>
-                        <a:rPr b="0" lang="en-US" sz="1800" spc="-1" strike="noStrike">
-                          <a:latin typeface="Arial"/>
-                        </a:rPr>
-                        <a:t>50 M</a:t>
-                      </a:r>
-                      <a:endParaRPr b="0" lang="en-US" sz="1800" spc="-1" strike="noStrike">
-                        <a:latin typeface="Arial"/>
-                      </a:endParaRPr>
-                    </a:p>
-                  </a:txBody>
-                  <a:tcPr anchor="t" marL="90000" marR="90000">
-                    <a:lnL w="720">
-                      <a:solidFill>
-                        <a:srgbClr val="ffffff"/>
-                      </a:solidFill>
-                    </a:lnL>
-                    <a:lnR w="720">
-                      <a:solidFill>
-                        <a:srgbClr val="ffffff"/>
-                      </a:solidFill>
-                    </a:lnR>
-                    <a:lnT w="720">
-                      <a:solidFill>
-                        <a:srgbClr val="ffffff"/>
-                      </a:solidFill>
-                    </a:lnT>
-                    <a:lnB w="720">
-                      <a:solidFill>
-                        <a:srgbClr val="ffffff"/>
-                      </a:solidFill>
-                    </a:lnB>
-                    <a:solidFill>
-                      <a:srgbClr val="e6e6e6"/>
-                    </a:solidFill>
-                  </a:tcPr>
-                </a:tc>
-                <a:tc>
-                  <a:txBody>
-                    <a:bodyPr lIns="90000" rIns="90000" tIns="46800" bIns="46800" anchor="t">
-                      <a:noAutofit/>
-                    </a:bodyPr>
-                    <a:p>
-                      <a:r>
-                        <a:rPr b="0" lang="en-US" sz="1800" spc="-1" strike="noStrike">
-                          <a:latin typeface="Arial"/>
-                        </a:rPr>
-                        <a:t>46 M</a:t>
-                      </a:r>
-                      <a:endParaRPr b="0" lang="en-US" sz="1800" spc="-1" strike="noStrike">
-                        <a:latin typeface="Arial"/>
-                      </a:endParaRPr>
-                    </a:p>
-                  </a:txBody>
-                  <a:tcPr anchor="t" marL="90000" marR="90000">
-                    <a:lnL w="720">
-                      <a:solidFill>
-                        <a:srgbClr val="ffffff"/>
-                      </a:solidFill>
-                    </a:lnL>
-                    <a:lnR w="720">
-                      <a:solidFill>
-                        <a:srgbClr val="ffffff"/>
-                      </a:solidFill>
-                    </a:lnR>
-                    <a:lnT w="720">
-                      <a:solidFill>
-                        <a:srgbClr val="ffffff"/>
-                      </a:solidFill>
-                    </a:lnT>
-                    <a:lnB w="720">
-                      <a:solidFill>
-                        <a:srgbClr val="ffffff"/>
-                      </a:solidFill>
-                    </a:lnB>
-                    <a:solidFill>
-                      <a:srgbClr val="e6e6e6"/>
+                <a:tc>
+                  <a:txBody>
+                    <a:bodyPr lIns="90000" rIns="90000" tIns="46800" bIns="46800" anchor="t">
+                      <a:noAutofit/>
+                    </a:bodyPr>
+                    <a:p>
+                      <a:r>
+                        <a:rPr b="0" lang="en-US" sz="1200" spc="-1" strike="noStrike">
+                          <a:latin typeface="Arial"/>
+                        </a:rPr>
+                        <a:t>2020</a:t>
+                      </a:r>
+                      <a:endParaRPr b="0" lang="en-US" sz="1200" spc="-1" strike="noStrike">
+                        <a:latin typeface="Arial"/>
+                      </a:endParaRPr>
+                    </a:p>
+                  </a:txBody>
+                  <a:tcPr anchor="t" marL="90000" marR="90000">
+                    <a:lnL w="720">
+                      <a:solidFill>
+                        <a:srgbClr val="ffffff"/>
+                      </a:solidFill>
+                    </a:lnL>
+                    <a:lnR w="720">
+                      <a:solidFill>
+                        <a:srgbClr val="ffffff"/>
+                      </a:solidFill>
+                    </a:lnR>
+                    <a:lnT w="720">
+                      <a:solidFill>
+                        <a:srgbClr val="ffffff"/>
+                      </a:solidFill>
+                    </a:lnT>
+                    <a:lnB w="720">
+                      <a:solidFill>
+                        <a:srgbClr val="ffffff"/>
+                      </a:solidFill>
+                    </a:lnB>
+                    <a:solidFill>
+                      <a:srgbClr val="b3b3b3"/>
+                    </a:solidFill>
+                  </a:tcPr>
+                </a:tc>
+                <a:tc>
+                  <a:txBody>
+                    <a:bodyPr lIns="90000" rIns="90000" tIns="46800" bIns="46800" anchor="t">
+                      <a:noAutofit/>
+                    </a:bodyPr>
+                    <a:p>
+                      <a:r>
+                        <a:rPr b="0" lang="en-US" sz="1200" spc="-1" strike="noStrike">
+                          <a:latin typeface="Arial"/>
+                        </a:rPr>
+                        <a:t>Variazione %</a:t>
+                      </a:r>
+                      <a:endParaRPr b="0" lang="en-US" sz="1200" spc="-1" strike="noStrike">
+                        <a:latin typeface="Arial"/>
+                      </a:endParaRPr>
+                    </a:p>
+                  </a:txBody>
+                  <a:tcPr anchor="t" marL="90000" marR="90000">
+                    <a:lnL w="720">
+                      <a:solidFill>
+                        <a:srgbClr val="ffffff"/>
+                      </a:solidFill>
+                    </a:lnL>
+                    <a:lnR w="720">
+                      <a:solidFill>
+                        <a:srgbClr val="ffffff"/>
+                      </a:solidFill>
+                    </a:lnR>
+                    <a:lnT w="720">
+                      <a:solidFill>
+                        <a:srgbClr val="ffffff"/>
+                      </a:solidFill>
+                    </a:lnT>
+                    <a:lnB w="720">
+                      <a:solidFill>
+                        <a:srgbClr val="ffffff"/>
+                      </a:solidFill>
+                    </a:lnB>
+                    <a:solidFill>
+                      <a:srgbClr val="b3b3b3"/>
+                    </a:solidFill>
+                  </a:tcPr>
+                </a:tc>
+                <a:tc>
+                  <a:txBody>
+                    <a:bodyPr lIns="90000" rIns="90000" tIns="46800" bIns="46800" anchor="t">
+                      <a:noAutofit/>
+                    </a:bodyPr>
+                    <a:p>
+                      <a:r>
+                        <a:rPr b="0" lang="en-US" sz="1200" spc="-1" strike="noStrike">
+                          <a:latin typeface="Arial"/>
+                        </a:rPr>
+                        <a:t>Variabile?</a:t>
+                      </a:r>
+                      <a:endParaRPr b="0" lang="en-US" sz="1200" spc="-1" strike="noStrike">
+                        <a:latin typeface="Arial"/>
+                      </a:endParaRPr>
+                    </a:p>
+                  </a:txBody>
+                  <a:tcPr anchor="t" marL="90000" marR="90000">
+                    <a:lnL w="720">
+                      <a:solidFill>
+                        <a:srgbClr val="ffffff"/>
+                      </a:solidFill>
+                    </a:lnL>
+                    <a:lnR w="720">
+                      <a:solidFill>
+                        <a:srgbClr val="ffffff"/>
+                      </a:solidFill>
+                    </a:lnR>
+                    <a:lnT w="720">
+                      <a:solidFill>
+                        <a:srgbClr val="ffffff"/>
+                      </a:solidFill>
+                    </a:lnT>
+                    <a:lnB w="720">
+                      <a:solidFill>
+                        <a:srgbClr val="ffffff"/>
+                      </a:solidFill>
+                    </a:lnB>
+                    <a:solidFill>
+                      <a:srgbClr val="b3b3b3"/>
+                    </a:solidFill>
+                  </a:tcPr>
+                </a:tc>
+                <a:tc>
+                  <a:txBody>
+                    <a:bodyPr lIns="90000" rIns="90000" tIns="46800" bIns="46800" anchor="t">
+                      <a:noAutofit/>
+                    </a:bodyPr>
+                    <a:p>
+                      <a:r>
+                        <a:rPr b="0" lang="en-US" sz="1200" spc="-1" strike="noStrike">
+                          <a:latin typeface="Arial"/>
+                        </a:rPr>
+                        <a:t>Diretto?</a:t>
+                      </a:r>
+                      <a:endParaRPr b="0" lang="en-US" sz="1200" spc="-1" strike="noStrike">
+                        <a:latin typeface="Arial"/>
+                      </a:endParaRPr>
+                    </a:p>
+                  </a:txBody>
+                  <a:tcPr anchor="t" marL="90000" marR="90000">
+                    <a:lnL w="720">
+                      <a:solidFill>
+                        <a:srgbClr val="ffffff"/>
+                      </a:solidFill>
+                    </a:lnL>
+                    <a:lnR w="720">
+                      <a:solidFill>
+                        <a:srgbClr val="ffffff"/>
+                      </a:solidFill>
+                    </a:lnR>
+                    <a:lnT w="720">
+                      <a:solidFill>
+                        <a:srgbClr val="ffffff"/>
+                      </a:solidFill>
+                    </a:lnT>
+                    <a:lnB w="720">
+                      <a:solidFill>
+                        <a:srgbClr val="ffffff"/>
+                      </a:solidFill>
+                    </a:lnB>
+                    <a:solidFill>
+                      <a:srgbClr val="b3b3b3"/>
                     </a:solidFill>
                   </a:tcPr>
                 </a:tc>
               </a:tr>
               <a:tr h="435240">
-                <a:tc>
+                <a:tc rowSpan="8">
+                  <a:txBody>
+                    <a:bodyPr lIns="90000" rIns="90000" tIns="46800" bIns="46800" anchor="t">
+                      <a:noAutofit/>
+                    </a:bodyPr>
+                    <a:p>
+                      <a:r>
+                        <a:rPr b="0" lang="en-US" sz="1200" spc="-1" strike="noStrike">
+                          <a:latin typeface="Arial"/>
+                        </a:rPr>
+                        <a:t>Costi della produzione</a:t>
+                      </a:r>
+                      <a:endParaRPr b="0" lang="en-US" sz="1200" spc="-1" strike="noStrike">
+                        <a:latin typeface="Arial"/>
+                      </a:endParaRPr>
+                    </a:p>
+                  </a:txBody>
                   <a:tcPr anchor="t" marL="90000" marR="90000">
                     <a:lnL w="720">
                       <a:solidFill>
@@ -3055,12 +4156,12 @@
                     </a:bodyPr>
                     <a:p>
                       <a:r>
-                        <a:rPr b="0" lang="en-US" sz="1800" spc="-1" strike="noStrike">
-                          <a:latin typeface="Arial"/>
-                        </a:rPr>
-                        <a:t>Salari e stipendi</a:t>
-                      </a:r>
-                      <a:endParaRPr b="0" lang="en-US" sz="1800" spc="-1" strike="noStrike">
+                        <a:rPr b="0" lang="en-US" sz="1200" spc="-1" strike="noStrike">
+                          <a:latin typeface="Arial"/>
+                        </a:rPr>
+                        <a:t>Prodotti finiti (ingrosso)</a:t>
+                      </a:r>
+                      <a:endParaRPr b="0" lang="en-US" sz="1200" spc="-1" strike="noStrike">
                         <a:latin typeface="Arial"/>
                       </a:endParaRPr>
                     </a:p>
@@ -3098,12 +4199,12 @@
                     </a:bodyPr>
                     <a:p>
                       <a:r>
-                        <a:rPr b="0" lang="en-US" sz="1800" spc="-1" strike="noStrike">
-                          <a:latin typeface="Arial"/>
-                        </a:rPr>
-                        <a:t>19 M</a:t>
-                      </a:r>
-                      <a:endParaRPr b="0" lang="en-US" sz="1800" spc="-1" strike="noStrike">
+                        <a:rPr b="0" lang="en-US" sz="1200" spc="-1" strike="noStrike">
+                          <a:latin typeface="Arial"/>
+                        </a:rPr>
+                        <a:t>207 M</a:t>
+                      </a:r>
+                      <a:endParaRPr b="0" lang="en-US" sz="1200" spc="-1" strike="noStrike">
                         <a:latin typeface="Arial"/>
                       </a:endParaRPr>
                     </a:p>
@@ -3141,12 +4242,12 @@
                     </a:bodyPr>
                     <a:p>
                       <a:r>
-                        <a:rPr b="0" lang="en-US" sz="1800" spc="-1" strike="noStrike">
-                          <a:latin typeface="Arial"/>
-                        </a:rPr>
-                        <a:t>18 M</a:t>
-                      </a:r>
-                      <a:endParaRPr b="0" lang="en-US" sz="1800" spc="-1" strike="noStrike">
+                        <a:rPr b="0" lang="en-US" sz="1200" spc="-1" strike="noStrike">
+                          <a:latin typeface="Arial"/>
+                        </a:rPr>
+                        <a:t>240 M</a:t>
+                      </a:r>
+                      <a:endParaRPr b="0" lang="en-US" sz="1200" spc="-1" strike="noStrike">
                         <a:latin typeface="Arial"/>
                       </a:endParaRPr>
                     </a:p>
@@ -3174,12 +4275,1289 @@
                     </a:lnB>
                     <a:solidFill>
                       <a:srgbClr val="cccccc"/>
+                    </a:solidFill>
+                  </a:tcPr>
+                </a:tc>
+                <a:tc>
+                  <a:txBody>
+                    <a:bodyPr lIns="90000" rIns="90000" tIns="46800" bIns="46800" anchor="t">
+                      <a:noAutofit/>
+                    </a:bodyPr>
+                    <a:p>
+                      <a:r>
+                        <a:rPr b="0" lang="en-US" sz="1200" spc="-1" strike="noStrike">
+                          <a:latin typeface="Arial"/>
+                        </a:rPr>
+                        <a:t>+16%</a:t>
+                      </a:r>
+                      <a:endParaRPr b="0" lang="en-US" sz="1200" spc="-1" strike="noStrike">
+                        <a:latin typeface="Arial"/>
+                      </a:endParaRPr>
+                    </a:p>
+                  </a:txBody>
+                  <a:tcPr anchor="t" marL="90000" marR="90000">
+                    <a:lnL w="720">
+                      <a:solidFill>
+                        <a:srgbClr val="ffffff"/>
+                      </a:solidFill>
+                    </a:lnL>
+                    <a:lnR w="720">
+                      <a:solidFill>
+                        <a:srgbClr val="ffffff"/>
+                      </a:solidFill>
+                    </a:lnR>
+                    <a:lnT w="720">
+                      <a:solidFill>
+                        <a:srgbClr val="ffffff"/>
+                      </a:solidFill>
+                    </a:lnT>
+                    <a:lnB w="720">
+                      <a:solidFill>
+                        <a:srgbClr val="ffffff"/>
+                      </a:solidFill>
+                    </a:lnB>
+                    <a:solidFill>
+                      <a:srgbClr val="cccccc"/>
+                    </a:solidFill>
+                  </a:tcPr>
+                </a:tc>
+                <a:tc>
+                  <a:txBody>
+                    <a:bodyPr lIns="90000" rIns="90000" tIns="46800" bIns="46800" anchor="t">
+                      <a:noAutofit/>
+                    </a:bodyPr>
+                    <a:p>
+                      <a:r>
+                        <a:rPr b="0" lang="en-US" sz="1200" spc="-1" strike="noStrike">
+                          <a:latin typeface="Arial"/>
+                        </a:rPr>
+                        <a:t>V</a:t>
+                      </a:r>
+                      <a:endParaRPr b="0" lang="en-US" sz="1200" spc="-1" strike="noStrike">
+                        <a:latin typeface="Arial"/>
+                      </a:endParaRPr>
+                    </a:p>
+                  </a:txBody>
+                  <a:tcPr anchor="t" marL="90000" marR="90000">
+                    <a:lnL w="720">
+                      <a:solidFill>
+                        <a:srgbClr val="ffffff"/>
+                      </a:solidFill>
+                    </a:lnL>
+                    <a:lnR w="720">
+                      <a:solidFill>
+                        <a:srgbClr val="ffffff"/>
+                      </a:solidFill>
+                    </a:lnR>
+                    <a:lnT w="720">
+                      <a:solidFill>
+                        <a:srgbClr val="ffffff"/>
+                      </a:solidFill>
+                    </a:lnT>
+                    <a:lnB w="720">
+                      <a:solidFill>
+                        <a:srgbClr val="ffffff"/>
+                      </a:solidFill>
+                    </a:lnB>
+                    <a:solidFill>
+                      <a:srgbClr val="cccccc"/>
+                    </a:solidFill>
+                  </a:tcPr>
+                </a:tc>
+                <a:tc>
+                  <a:txBody>
+                    <a:bodyPr lIns="90000" rIns="90000" tIns="46800" bIns="46800" anchor="t">
+                      <a:noAutofit/>
+                    </a:bodyPr>
+                    <a:p>
+                      <a:r>
+                        <a:rPr b="0" lang="en-US" sz="1200" spc="-1" strike="noStrike">
+                          <a:latin typeface="Arial"/>
+                        </a:rPr>
+                        <a:t>D</a:t>
+                      </a:r>
+                      <a:endParaRPr b="0" lang="en-US" sz="1200" spc="-1" strike="noStrike">
+                        <a:latin typeface="Arial"/>
+                      </a:endParaRPr>
+                    </a:p>
+                  </a:txBody>
+                  <a:tcPr anchor="t" marL="90000" marR="90000">
+                    <a:lnL w="720">
+                      <a:solidFill>
+                        <a:srgbClr val="ffffff"/>
+                      </a:solidFill>
+                    </a:lnL>
+                    <a:lnR w="720">
+                      <a:solidFill>
+                        <a:srgbClr val="ffffff"/>
+                      </a:solidFill>
+                    </a:lnR>
+                    <a:lnT w="720">
+                      <a:solidFill>
+                        <a:srgbClr val="ffffff"/>
+                      </a:solidFill>
+                    </a:lnT>
+                    <a:lnB w="720">
+                      <a:solidFill>
+                        <a:srgbClr val="ffffff"/>
+                      </a:solidFill>
+                    </a:lnB>
+                    <a:solidFill>
+                      <a:srgbClr val="cccccc"/>
+                    </a:solidFill>
+                  </a:tcPr>
+                </a:tc>
+              </a:tr>
+              <a:tr h="264600">
+                <a:tc vMerge="1">
+                  <a:tcPr anchor="t" marL="90000" marR="90000">
+                    <a:lnL w="720">
+                      <a:solidFill>
+                        <a:srgbClr val="ffffff"/>
+                      </a:solidFill>
+                    </a:lnL>
+                    <a:lnR w="720">
+                      <a:solidFill>
+                        <a:srgbClr val="ffffff"/>
+                      </a:solidFill>
+                    </a:lnR>
+                    <a:lnT w="720">
+                      <a:solidFill>
+                        <a:srgbClr val="ffffff"/>
+                      </a:solidFill>
+                    </a:lnT>
+                    <a:lnB w="720">
+                      <a:solidFill>
+                        <a:srgbClr val="ffffff"/>
+                      </a:solidFill>
+                    </a:lnB>
+                    <a:solidFill>
+                      <a:srgbClr val="e6e6e6"/>
+                    </a:solidFill>
+                  </a:tcPr>
+                </a:tc>
+                <a:tc>
+                  <a:txBody>
+                    <a:bodyPr lIns="90000" rIns="90000" tIns="46800" bIns="46800" anchor="t">
+                      <a:noAutofit/>
+                    </a:bodyPr>
+                    <a:p>
+                      <a:r>
+                        <a:rPr b="0" lang="en-US" sz="1200" spc="-1" strike="noStrike">
+                          <a:latin typeface="Arial"/>
+                        </a:rPr>
+                        <a:t>Imballi (ingrosso)</a:t>
+                      </a:r>
+                      <a:endParaRPr b="0" lang="en-US" sz="1200" spc="-1" strike="noStrike">
+                        <a:latin typeface="Arial"/>
+                      </a:endParaRPr>
+                    </a:p>
+                  </a:txBody>
+                  <a:tcPr anchor="t" marL="90000" marR="90000">
+                    <a:lnL w="720">
+                      <a:solidFill>
+                        <a:srgbClr val="ffffff"/>
+                      </a:solidFill>
+                    </a:lnL>
+                    <a:lnR w="720">
+                      <a:solidFill>
+                        <a:srgbClr val="ffffff"/>
+                      </a:solidFill>
+                    </a:lnR>
+                    <a:lnT w="720">
+                      <a:solidFill>
+                        <a:srgbClr val="ffffff"/>
+                      </a:solidFill>
+                    </a:lnT>
+                    <a:lnB w="720">
+                      <a:solidFill>
+                        <a:srgbClr val="ffffff"/>
+                      </a:solidFill>
+                    </a:lnB>
+                    <a:solidFill>
+                      <a:srgbClr val="e6e6e6"/>
+                    </a:solidFill>
+                  </a:tcPr>
+                </a:tc>
+                <a:tc>
+                  <a:txBody>
+                    <a:bodyPr lIns="90000" rIns="90000" tIns="46800" bIns="46800" anchor="t">
+                      <a:noAutofit/>
+                    </a:bodyPr>
+                    <a:p>
+                      <a:r>
+                        <a:rPr b="0" lang="en-US" sz="1200" spc="-1" strike="noStrike">
+                          <a:latin typeface="Arial"/>
+                        </a:rPr>
+                        <a:t>1.0 M</a:t>
+                      </a:r>
+                      <a:endParaRPr b="0" lang="en-US" sz="1200" spc="-1" strike="noStrike">
+                        <a:latin typeface="Arial"/>
+                      </a:endParaRPr>
+                    </a:p>
+                  </a:txBody>
+                  <a:tcPr anchor="t" marL="90000" marR="90000">
+                    <a:lnL w="720">
+                      <a:solidFill>
+                        <a:srgbClr val="ffffff"/>
+                      </a:solidFill>
+                    </a:lnL>
+                    <a:lnR w="720">
+                      <a:solidFill>
+                        <a:srgbClr val="ffffff"/>
+                      </a:solidFill>
+                    </a:lnR>
+                    <a:lnT w="720">
+                      <a:solidFill>
+                        <a:srgbClr val="ffffff"/>
+                      </a:solidFill>
+                    </a:lnT>
+                    <a:lnB w="720">
+                      <a:solidFill>
+                        <a:srgbClr val="ffffff"/>
+                      </a:solidFill>
+                    </a:lnB>
+                    <a:solidFill>
+                      <a:srgbClr val="e6e6e6"/>
+                    </a:solidFill>
+                  </a:tcPr>
+                </a:tc>
+                <a:tc>
+                  <a:txBody>
+                    <a:bodyPr lIns="90000" rIns="90000" tIns="46800" bIns="46800" anchor="t">
+                      <a:noAutofit/>
+                    </a:bodyPr>
+                    <a:p>
+                      <a:r>
+                        <a:rPr b="0" lang="en-US" sz="1200" spc="-1" strike="noStrike">
+                          <a:latin typeface="Arial"/>
+                        </a:rPr>
+                        <a:t>1.1 M</a:t>
+                      </a:r>
+                      <a:endParaRPr b="0" lang="en-US" sz="1200" spc="-1" strike="noStrike">
+                        <a:latin typeface="Arial"/>
+                      </a:endParaRPr>
+                    </a:p>
+                  </a:txBody>
+                  <a:tcPr anchor="t" marL="90000" marR="90000">
+                    <a:lnL w="720">
+                      <a:solidFill>
+                        <a:srgbClr val="ffffff"/>
+                      </a:solidFill>
+                    </a:lnL>
+                    <a:lnR w="720">
+                      <a:solidFill>
+                        <a:srgbClr val="ffffff"/>
+                      </a:solidFill>
+                    </a:lnR>
+                    <a:lnT w="720">
+                      <a:solidFill>
+                        <a:srgbClr val="ffffff"/>
+                      </a:solidFill>
+                    </a:lnT>
+                    <a:lnB w="720">
+                      <a:solidFill>
+                        <a:srgbClr val="ffffff"/>
+                      </a:solidFill>
+                    </a:lnB>
+                    <a:solidFill>
+                      <a:srgbClr val="e6e6e6"/>
+                    </a:solidFill>
+                  </a:tcPr>
+                </a:tc>
+                <a:tc>
+                  <a:txBody>
+                    <a:bodyPr lIns="90000" rIns="90000" tIns="46800" bIns="46800" anchor="t">
+                      <a:noAutofit/>
+                    </a:bodyPr>
+                    <a:p>
+                      <a:r>
+                        <a:rPr b="0" lang="en-US" sz="1200" spc="-1" strike="noStrike">
+                          <a:latin typeface="Arial"/>
+                        </a:rPr>
+                        <a:t>+16%</a:t>
+                      </a:r>
+                      <a:endParaRPr b="0" lang="en-US" sz="1200" spc="-1" strike="noStrike">
+                        <a:latin typeface="Arial"/>
+                      </a:endParaRPr>
+                    </a:p>
+                  </a:txBody>
+                  <a:tcPr anchor="t" marL="90000" marR="90000">
+                    <a:lnL w="720">
+                      <a:solidFill>
+                        <a:srgbClr val="ffffff"/>
+                      </a:solidFill>
+                    </a:lnL>
+                    <a:lnR w="720">
+                      <a:solidFill>
+                        <a:srgbClr val="ffffff"/>
+                      </a:solidFill>
+                    </a:lnR>
+                    <a:lnT w="720">
+                      <a:solidFill>
+                        <a:srgbClr val="ffffff"/>
+                      </a:solidFill>
+                    </a:lnT>
+                    <a:lnB w="720">
+                      <a:solidFill>
+                        <a:srgbClr val="ffffff"/>
+                      </a:solidFill>
+                    </a:lnB>
+                    <a:solidFill>
+                      <a:srgbClr val="e6e6e6"/>
+                    </a:solidFill>
+                  </a:tcPr>
+                </a:tc>
+                <a:tc>
+                  <a:txBody>
+                    <a:bodyPr lIns="90000" rIns="90000" tIns="46800" bIns="46800" anchor="t">
+                      <a:noAutofit/>
+                    </a:bodyPr>
+                    <a:p>
+                      <a:r>
+                        <a:rPr b="0" lang="en-US" sz="1200" spc="-1" strike="noStrike">
+                          <a:latin typeface="Arial"/>
+                        </a:rPr>
+                        <a:t>V</a:t>
+                      </a:r>
+                      <a:endParaRPr b="0" lang="en-US" sz="1200" spc="-1" strike="noStrike">
+                        <a:latin typeface="Arial"/>
+                      </a:endParaRPr>
+                    </a:p>
+                  </a:txBody>
+                  <a:tcPr anchor="t" marL="90000" marR="90000">
+                    <a:lnL w="720">
+                      <a:solidFill>
+                        <a:srgbClr val="ffffff"/>
+                      </a:solidFill>
+                    </a:lnL>
+                    <a:lnR w="720">
+                      <a:solidFill>
+                        <a:srgbClr val="ffffff"/>
+                      </a:solidFill>
+                    </a:lnR>
+                    <a:lnT w="720">
+                      <a:solidFill>
+                        <a:srgbClr val="ffffff"/>
+                      </a:solidFill>
+                    </a:lnT>
+                    <a:lnB w="720">
+                      <a:solidFill>
+                        <a:srgbClr val="ffffff"/>
+                      </a:solidFill>
+                    </a:lnB>
+                    <a:solidFill>
+                      <a:srgbClr val="e6e6e6"/>
+                    </a:solidFill>
+                  </a:tcPr>
+                </a:tc>
+                <a:tc>
+                  <a:txBody>
+                    <a:bodyPr lIns="90000" rIns="90000" tIns="46800" bIns="46800" anchor="t">
+                      <a:noAutofit/>
+                    </a:bodyPr>
+                    <a:p>
+                      <a:r>
+                        <a:rPr b="0" lang="en-US" sz="1200" spc="-1" strike="noStrike">
+                          <a:latin typeface="Arial"/>
+                        </a:rPr>
+                        <a:t>D</a:t>
+                      </a:r>
+                      <a:endParaRPr b="0" lang="en-US" sz="1200" spc="-1" strike="noStrike">
+                        <a:latin typeface="Arial"/>
+                      </a:endParaRPr>
+                    </a:p>
+                  </a:txBody>
+                  <a:tcPr anchor="t" marL="90000" marR="90000">
+                    <a:lnL w="720">
+                      <a:solidFill>
+                        <a:srgbClr val="ffffff"/>
+                      </a:solidFill>
+                    </a:lnL>
+                    <a:lnR w="720">
+                      <a:solidFill>
+                        <a:srgbClr val="ffffff"/>
+                      </a:solidFill>
+                    </a:lnR>
+                    <a:lnT w="720">
+                      <a:solidFill>
+                        <a:srgbClr val="ffffff"/>
+                      </a:solidFill>
+                    </a:lnT>
+                    <a:lnB w="720">
+                      <a:solidFill>
+                        <a:srgbClr val="ffffff"/>
+                      </a:solidFill>
+                    </a:lnB>
+                    <a:solidFill>
+                      <a:srgbClr val="e6e6e6"/>
+                    </a:solidFill>
+                  </a:tcPr>
+                </a:tc>
+              </a:tr>
+              <a:tr h="264600">
+                <a:tc vMerge="1">
+                  <a:tcPr anchor="t" marL="90000" marR="90000">
+                    <a:lnL w="720">
+                      <a:solidFill>
+                        <a:srgbClr val="ffffff"/>
+                      </a:solidFill>
+                    </a:lnL>
+                    <a:lnR w="720">
+                      <a:solidFill>
+                        <a:srgbClr val="ffffff"/>
+                      </a:solidFill>
+                    </a:lnR>
+                    <a:lnT w="720">
+                      <a:solidFill>
+                        <a:srgbClr val="ffffff"/>
+                      </a:solidFill>
+                    </a:lnT>
+                    <a:lnB w="720">
+                      <a:solidFill>
+                        <a:srgbClr val="ffffff"/>
+                      </a:solidFill>
+                    </a:lnB>
+                    <a:solidFill>
+                      <a:srgbClr val="cccccc"/>
+                    </a:solidFill>
+                  </a:tcPr>
+                </a:tc>
+                <a:tc>
+                  <a:txBody>
+                    <a:bodyPr lIns="90000" rIns="90000" tIns="46800" bIns="46800" anchor="t">
+                      <a:noAutofit/>
+                    </a:bodyPr>
+                    <a:p>
+                      <a:r>
+                        <a:rPr b="0" lang="en-US" sz="1200" spc="-1" strike="noStrike">
+                          <a:latin typeface="Arial"/>
+                        </a:rPr>
+                        <a:t>Trasporti (ingrosso)</a:t>
+                      </a:r>
+                      <a:endParaRPr b="0" lang="en-US" sz="1200" spc="-1" strike="noStrike">
+                        <a:latin typeface="Arial"/>
+                      </a:endParaRPr>
+                    </a:p>
+                  </a:txBody>
+                  <a:tcPr anchor="t" marL="90000" marR="90000">
+                    <a:lnL w="720">
+                      <a:solidFill>
+                        <a:srgbClr val="ffffff"/>
+                      </a:solidFill>
+                    </a:lnL>
+                    <a:lnR w="720">
+                      <a:solidFill>
+                        <a:srgbClr val="ffffff"/>
+                      </a:solidFill>
+                    </a:lnR>
+                    <a:lnT w="720">
+                      <a:solidFill>
+                        <a:srgbClr val="ffffff"/>
+                      </a:solidFill>
+                    </a:lnT>
+                    <a:lnB w="720">
+                      <a:solidFill>
+                        <a:srgbClr val="ffffff"/>
+                      </a:solidFill>
+                    </a:lnB>
+                    <a:solidFill>
+                      <a:srgbClr val="cccccc"/>
+                    </a:solidFill>
+                  </a:tcPr>
+                </a:tc>
+                <a:tc>
+                  <a:txBody>
+                    <a:bodyPr lIns="90000" rIns="90000" tIns="46800" bIns="46800" anchor="t">
+                      <a:noAutofit/>
+                    </a:bodyPr>
+                    <a:p>
+                      <a:r>
+                        <a:rPr b="0" lang="en-US" sz="1200" spc="-1" strike="noStrike">
+                          <a:latin typeface="Arial"/>
+                        </a:rPr>
+                        <a:t>24 M</a:t>
+                      </a:r>
+                      <a:endParaRPr b="0" lang="en-US" sz="1200" spc="-1" strike="noStrike">
+                        <a:latin typeface="Arial"/>
+                      </a:endParaRPr>
+                    </a:p>
+                  </a:txBody>
+                  <a:tcPr anchor="t" marL="90000" marR="90000">
+                    <a:lnL w="720">
+                      <a:solidFill>
+                        <a:srgbClr val="ffffff"/>
+                      </a:solidFill>
+                    </a:lnL>
+                    <a:lnR w="720">
+                      <a:solidFill>
+                        <a:srgbClr val="ffffff"/>
+                      </a:solidFill>
+                    </a:lnR>
+                    <a:lnT w="720">
+                      <a:solidFill>
+                        <a:srgbClr val="ffffff"/>
+                      </a:solidFill>
+                    </a:lnT>
+                    <a:lnB w="720">
+                      <a:solidFill>
+                        <a:srgbClr val="ffffff"/>
+                      </a:solidFill>
+                    </a:lnB>
+                    <a:solidFill>
+                      <a:srgbClr val="cccccc"/>
+                    </a:solidFill>
+                  </a:tcPr>
+                </a:tc>
+                <a:tc>
+                  <a:txBody>
+                    <a:bodyPr lIns="90000" rIns="90000" tIns="46800" bIns="46800" anchor="t">
+                      <a:noAutofit/>
+                    </a:bodyPr>
+                    <a:p>
+                      <a:r>
+                        <a:rPr b="0" lang="en-US" sz="1200" spc="-1" strike="noStrike">
+                          <a:latin typeface="Arial"/>
+                        </a:rPr>
+                        <a:t>27 M</a:t>
+                      </a:r>
+                      <a:endParaRPr b="0" lang="en-US" sz="1200" spc="-1" strike="noStrike">
+                        <a:latin typeface="Arial"/>
+                      </a:endParaRPr>
+                    </a:p>
+                  </a:txBody>
+                  <a:tcPr anchor="t" marL="90000" marR="90000">
+                    <a:lnL w="720">
+                      <a:solidFill>
+                        <a:srgbClr val="ffffff"/>
+                      </a:solidFill>
+                    </a:lnL>
+                    <a:lnR w="720">
+                      <a:solidFill>
+                        <a:srgbClr val="ffffff"/>
+                      </a:solidFill>
+                    </a:lnR>
+                    <a:lnT w="720">
+                      <a:solidFill>
+                        <a:srgbClr val="ffffff"/>
+                      </a:solidFill>
+                    </a:lnT>
+                    <a:lnB w="720">
+                      <a:solidFill>
+                        <a:srgbClr val="ffffff"/>
+                      </a:solidFill>
+                    </a:lnB>
+                    <a:solidFill>
+                      <a:srgbClr val="cccccc"/>
+                    </a:solidFill>
+                  </a:tcPr>
+                </a:tc>
+                <a:tc>
+                  <a:txBody>
+                    <a:bodyPr lIns="90000" rIns="90000" tIns="46800" bIns="46800" anchor="t">
+                      <a:noAutofit/>
+                    </a:bodyPr>
+                    <a:p>
+                      <a:r>
+                        <a:rPr b="0" lang="en-US" sz="1200" spc="-1" strike="noStrike">
+                          <a:latin typeface="Arial"/>
+                        </a:rPr>
+                        <a:t>+12%</a:t>
+                      </a:r>
+                      <a:endParaRPr b="0" lang="en-US" sz="1200" spc="-1" strike="noStrike">
+                        <a:latin typeface="Arial"/>
+                      </a:endParaRPr>
+                    </a:p>
+                  </a:txBody>
+                  <a:tcPr anchor="t" marL="90000" marR="90000">
+                    <a:lnL w="720">
+                      <a:solidFill>
+                        <a:srgbClr val="ffffff"/>
+                      </a:solidFill>
+                    </a:lnL>
+                    <a:lnR w="720">
+                      <a:solidFill>
+                        <a:srgbClr val="ffffff"/>
+                      </a:solidFill>
+                    </a:lnR>
+                    <a:lnT w="720">
+                      <a:solidFill>
+                        <a:srgbClr val="ffffff"/>
+                      </a:solidFill>
+                    </a:lnT>
+                    <a:lnB w="720">
+                      <a:solidFill>
+                        <a:srgbClr val="ffffff"/>
+                      </a:solidFill>
+                    </a:lnB>
+                    <a:solidFill>
+                      <a:srgbClr val="cccccc"/>
+                    </a:solidFill>
+                  </a:tcPr>
+                </a:tc>
+                <a:tc>
+                  <a:txBody>
+                    <a:bodyPr lIns="90000" rIns="90000" tIns="46800" bIns="46800" anchor="t">
+                      <a:noAutofit/>
+                    </a:bodyPr>
+                    <a:p>
+                      <a:r>
+                        <a:rPr b="0" lang="en-US" sz="1200" spc="-1" strike="noStrike">
+                          <a:latin typeface="Arial"/>
+                        </a:rPr>
+                        <a:t>V</a:t>
+                      </a:r>
+                      <a:endParaRPr b="0" lang="en-US" sz="1200" spc="-1" strike="noStrike">
+                        <a:latin typeface="Arial"/>
+                      </a:endParaRPr>
+                    </a:p>
+                  </a:txBody>
+                  <a:tcPr anchor="t" marL="90000" marR="90000">
+                    <a:lnL w="720">
+                      <a:solidFill>
+                        <a:srgbClr val="ffffff"/>
+                      </a:solidFill>
+                    </a:lnL>
+                    <a:lnR w="720">
+                      <a:solidFill>
+                        <a:srgbClr val="ffffff"/>
+                      </a:solidFill>
+                    </a:lnR>
+                    <a:lnT w="720">
+                      <a:solidFill>
+                        <a:srgbClr val="ffffff"/>
+                      </a:solidFill>
+                    </a:lnT>
+                    <a:lnB w="720">
+                      <a:solidFill>
+                        <a:srgbClr val="ffffff"/>
+                      </a:solidFill>
+                    </a:lnB>
+                    <a:solidFill>
+                      <a:srgbClr val="cccccc"/>
+                    </a:solidFill>
+                  </a:tcPr>
+                </a:tc>
+                <a:tc>
+                  <a:txBody>
+                    <a:bodyPr lIns="90000" rIns="90000" tIns="46800" bIns="46800" anchor="t">
+                      <a:noAutofit/>
+                    </a:bodyPr>
+                    <a:p>
+                      <a:r>
+                        <a:rPr b="0" lang="en-US" sz="1200" spc="-1" strike="noStrike">
+                          <a:latin typeface="Arial"/>
+                        </a:rPr>
+                        <a:t>I</a:t>
+                      </a:r>
+                      <a:endParaRPr b="0" lang="en-US" sz="1200" spc="-1" strike="noStrike">
+                        <a:latin typeface="Arial"/>
+                      </a:endParaRPr>
+                    </a:p>
+                  </a:txBody>
+                  <a:tcPr anchor="t" marL="90000" marR="90000">
+                    <a:lnL w="720">
+                      <a:solidFill>
+                        <a:srgbClr val="ffffff"/>
+                      </a:solidFill>
+                    </a:lnL>
+                    <a:lnR w="720">
+                      <a:solidFill>
+                        <a:srgbClr val="ffffff"/>
+                      </a:solidFill>
+                    </a:lnR>
+                    <a:lnT w="720">
+                      <a:solidFill>
+                        <a:srgbClr val="ffffff"/>
+                      </a:solidFill>
+                    </a:lnT>
+                    <a:lnB w="720">
+                      <a:solidFill>
+                        <a:srgbClr val="ffffff"/>
+                      </a:solidFill>
+                    </a:lnB>
+                    <a:solidFill>
+                      <a:srgbClr val="cccccc"/>
+                    </a:solidFill>
+                  </a:tcPr>
+                </a:tc>
+              </a:tr>
+              <a:tr h="264600">
+                <a:tc vMerge="1">
+                  <a:tcPr anchor="t" marL="90000" marR="90000">
+                    <a:lnL w="720">
+                      <a:solidFill>
+                        <a:srgbClr val="ffffff"/>
+                      </a:solidFill>
+                    </a:lnL>
+                    <a:lnR w="720">
+                      <a:solidFill>
+                        <a:srgbClr val="ffffff"/>
+                      </a:solidFill>
+                    </a:lnR>
+                    <a:lnT w="720">
+                      <a:solidFill>
+                        <a:srgbClr val="ffffff"/>
+                      </a:solidFill>
+                    </a:lnT>
+                    <a:lnB w="720">
+                      <a:solidFill>
+                        <a:srgbClr val="ffffff"/>
+                      </a:solidFill>
+                    </a:lnB>
+                    <a:solidFill>
+                      <a:srgbClr val="e6e6e6"/>
+                    </a:solidFill>
+                  </a:tcPr>
+                </a:tc>
+                <a:tc>
+                  <a:txBody>
+                    <a:bodyPr lIns="90000" rIns="90000" tIns="46800" bIns="46800" anchor="t">
+                      <a:noAutofit/>
+                    </a:bodyPr>
+                    <a:p>
+                      <a:r>
+                        <a:rPr b="0" lang="en-US" sz="1200" spc="-1" strike="noStrike">
+                          <a:latin typeface="Arial"/>
+                        </a:rPr>
+                        <a:t>Energia elettrica (ingrosso, franchising)</a:t>
+                      </a:r>
+                      <a:endParaRPr b="0" lang="en-US" sz="1200" spc="-1" strike="noStrike">
+                        <a:latin typeface="Arial"/>
+                      </a:endParaRPr>
+                    </a:p>
+                  </a:txBody>
+                  <a:tcPr anchor="t" marL="90000" marR="90000">
+                    <a:lnL w="720">
+                      <a:solidFill>
+                        <a:srgbClr val="ffffff"/>
+                      </a:solidFill>
+                    </a:lnL>
+                    <a:lnR w="720">
+                      <a:solidFill>
+                        <a:srgbClr val="ffffff"/>
+                      </a:solidFill>
+                    </a:lnR>
+                    <a:lnT w="720">
+                      <a:solidFill>
+                        <a:srgbClr val="ffffff"/>
+                      </a:solidFill>
+                    </a:lnT>
+                    <a:lnB w="720">
+                      <a:solidFill>
+                        <a:srgbClr val="ffffff"/>
+                      </a:solidFill>
+                    </a:lnB>
+                    <a:solidFill>
+                      <a:srgbClr val="e6e6e6"/>
+                    </a:solidFill>
+                  </a:tcPr>
+                </a:tc>
+                <a:tc>
+                  <a:txBody>
+                    <a:bodyPr lIns="90000" rIns="90000" tIns="46800" bIns="46800" anchor="t">
+                      <a:noAutofit/>
+                    </a:bodyPr>
+                    <a:p>
+                      <a:r>
+                        <a:rPr b="0" lang="en-US" sz="1200" spc="-1" strike="noStrike">
+                          <a:latin typeface="Arial"/>
+                        </a:rPr>
+                        <a:t>1.1 M</a:t>
+                      </a:r>
+                      <a:endParaRPr b="0" lang="en-US" sz="1200" spc="-1" strike="noStrike">
+                        <a:latin typeface="Arial"/>
+                      </a:endParaRPr>
+                    </a:p>
+                  </a:txBody>
+                  <a:tcPr anchor="t" marL="90000" marR="90000">
+                    <a:lnL w="720">
+                      <a:solidFill>
+                        <a:srgbClr val="ffffff"/>
+                      </a:solidFill>
+                    </a:lnL>
+                    <a:lnR w="720">
+                      <a:solidFill>
+                        <a:srgbClr val="ffffff"/>
+                      </a:solidFill>
+                    </a:lnR>
+                    <a:lnT w="720">
+                      <a:solidFill>
+                        <a:srgbClr val="ffffff"/>
+                      </a:solidFill>
+                    </a:lnT>
+                    <a:lnB w="720">
+                      <a:solidFill>
+                        <a:srgbClr val="ffffff"/>
+                      </a:solidFill>
+                    </a:lnB>
+                    <a:solidFill>
+                      <a:srgbClr val="e6e6e6"/>
+                    </a:solidFill>
+                  </a:tcPr>
+                </a:tc>
+                <a:tc>
+                  <a:txBody>
+                    <a:bodyPr lIns="90000" rIns="90000" tIns="46800" bIns="46800" anchor="t">
+                      <a:noAutofit/>
+                    </a:bodyPr>
+                    <a:p>
+                      <a:r>
+                        <a:rPr b="0" lang="en-US" sz="1200" spc="-1" strike="noStrike">
+                          <a:latin typeface="Arial"/>
+                        </a:rPr>
+                        <a:t>1.0 M</a:t>
+                      </a:r>
+                      <a:endParaRPr b="0" lang="en-US" sz="1200" spc="-1" strike="noStrike">
+                        <a:latin typeface="Arial"/>
+                      </a:endParaRPr>
+                    </a:p>
+                  </a:txBody>
+                  <a:tcPr anchor="t" marL="90000" marR="90000">
+                    <a:lnL w="720">
+                      <a:solidFill>
+                        <a:srgbClr val="ffffff"/>
+                      </a:solidFill>
+                    </a:lnL>
+                    <a:lnR w="720">
+                      <a:solidFill>
+                        <a:srgbClr val="ffffff"/>
+                      </a:solidFill>
+                    </a:lnR>
+                    <a:lnT w="720">
+                      <a:solidFill>
+                        <a:srgbClr val="ffffff"/>
+                      </a:solidFill>
+                    </a:lnT>
+                    <a:lnB w="720">
+                      <a:solidFill>
+                        <a:srgbClr val="ffffff"/>
+                      </a:solidFill>
+                    </a:lnB>
+                    <a:solidFill>
+                      <a:srgbClr val="e6e6e6"/>
+                    </a:solidFill>
+                  </a:tcPr>
+                </a:tc>
+                <a:tc>
+                  <a:txBody>
+                    <a:bodyPr lIns="90000" rIns="90000" tIns="46800" bIns="46800" anchor="t">
+                      <a:noAutofit/>
+                    </a:bodyPr>
+                    <a:p>
+                      <a:r>
+                        <a:rPr b="0" lang="en-US" sz="1200" spc="-1" strike="noStrike">
+                          <a:latin typeface="Arial"/>
+                        </a:rPr>
+                        <a:t>-14%</a:t>
+                      </a:r>
+                      <a:endParaRPr b="0" lang="en-US" sz="1200" spc="-1" strike="noStrike">
+                        <a:latin typeface="Arial"/>
+                      </a:endParaRPr>
+                    </a:p>
+                  </a:txBody>
+                  <a:tcPr anchor="t" marL="90000" marR="90000">
+                    <a:lnL w="720">
+                      <a:solidFill>
+                        <a:srgbClr val="ffffff"/>
+                      </a:solidFill>
+                    </a:lnL>
+                    <a:lnR w="720">
+                      <a:solidFill>
+                        <a:srgbClr val="ffffff"/>
+                      </a:solidFill>
+                    </a:lnR>
+                    <a:lnT w="720">
+                      <a:solidFill>
+                        <a:srgbClr val="ffffff"/>
+                      </a:solidFill>
+                    </a:lnT>
+                    <a:lnB w="720">
+                      <a:solidFill>
+                        <a:srgbClr val="ffffff"/>
+                      </a:solidFill>
+                    </a:lnB>
+                    <a:solidFill>
+                      <a:srgbClr val="e6e6e6"/>
+                    </a:solidFill>
+                  </a:tcPr>
+                </a:tc>
+                <a:tc>
+                  <a:txBody>
+                    <a:bodyPr lIns="90000" rIns="90000" tIns="46800" bIns="46800" anchor="t">
+                      <a:noAutofit/>
+                    </a:bodyPr>
+                    <a:p>
+                      <a:r>
+                        <a:rPr b="0" lang="en-US" sz="1200" spc="-1" strike="noStrike">
+                          <a:latin typeface="Arial"/>
+                        </a:rPr>
+                        <a:t>F</a:t>
+                      </a:r>
+                      <a:endParaRPr b="0" lang="en-US" sz="1200" spc="-1" strike="noStrike">
+                        <a:latin typeface="Arial"/>
+                      </a:endParaRPr>
+                    </a:p>
+                  </a:txBody>
+                  <a:tcPr anchor="t" marL="90000" marR="90000">
+                    <a:lnL w="720">
+                      <a:solidFill>
+                        <a:srgbClr val="ffffff"/>
+                      </a:solidFill>
+                    </a:lnL>
+                    <a:lnR w="720">
+                      <a:solidFill>
+                        <a:srgbClr val="ffffff"/>
+                      </a:solidFill>
+                    </a:lnR>
+                    <a:lnT w="720">
+                      <a:solidFill>
+                        <a:srgbClr val="ffffff"/>
+                      </a:solidFill>
+                    </a:lnT>
+                    <a:lnB w="720">
+                      <a:solidFill>
+                        <a:srgbClr val="ffffff"/>
+                      </a:solidFill>
+                    </a:lnB>
+                    <a:solidFill>
+                      <a:srgbClr val="e6e6e6"/>
+                    </a:solidFill>
+                  </a:tcPr>
+                </a:tc>
+                <a:tc>
+                  <a:txBody>
+                    <a:bodyPr lIns="90000" rIns="90000" tIns="46800" bIns="46800" anchor="t">
+                      <a:noAutofit/>
+                    </a:bodyPr>
+                    <a:p>
+                      <a:r>
+                        <a:rPr b="0" lang="en-US" sz="1200" spc="-1" strike="noStrike">
+                          <a:latin typeface="Arial"/>
+                        </a:rPr>
+                        <a:t>I</a:t>
+                      </a:r>
+                      <a:endParaRPr b="0" lang="en-US" sz="1200" spc="-1" strike="noStrike">
+                        <a:latin typeface="Arial"/>
+                      </a:endParaRPr>
+                    </a:p>
+                  </a:txBody>
+                  <a:tcPr anchor="t" marL="90000" marR="90000">
+                    <a:lnL w="720">
+                      <a:solidFill>
+                        <a:srgbClr val="ffffff"/>
+                      </a:solidFill>
+                    </a:lnL>
+                    <a:lnR w="720">
+                      <a:solidFill>
+                        <a:srgbClr val="ffffff"/>
+                      </a:solidFill>
+                    </a:lnR>
+                    <a:lnT w="720">
+                      <a:solidFill>
+                        <a:srgbClr val="ffffff"/>
+                      </a:solidFill>
+                    </a:lnT>
+                    <a:lnB w="720">
+                      <a:solidFill>
+                        <a:srgbClr val="ffffff"/>
+                      </a:solidFill>
+                    </a:lnB>
+                    <a:solidFill>
+                      <a:srgbClr val="e6e6e6"/>
                     </a:solidFill>
                   </a:tcPr>
                 </a:tc>
               </a:tr>
               <a:tr h="435240">
-                <a:tc>
+                <a:tc vMerge="1">
+                  <a:tcPr anchor="t" marL="90000" marR="90000">
+                    <a:lnL w="720">
+                      <a:solidFill>
+                        <a:srgbClr val="ffffff"/>
+                      </a:solidFill>
+                    </a:lnL>
+                    <a:lnR w="720">
+                      <a:solidFill>
+                        <a:srgbClr val="ffffff"/>
+                      </a:solidFill>
+                    </a:lnR>
+                    <a:lnT w="720">
+                      <a:solidFill>
+                        <a:srgbClr val="ffffff"/>
+                      </a:solidFill>
+                    </a:lnT>
+                    <a:lnB w="720">
+                      <a:solidFill>
+                        <a:srgbClr val="ffffff"/>
+                      </a:solidFill>
+                    </a:lnB>
+                    <a:solidFill>
+                      <a:srgbClr val="cccccc"/>
+                    </a:solidFill>
+                  </a:tcPr>
+                </a:tc>
+                <a:tc>
+                  <a:txBody>
+                    <a:bodyPr lIns="90000" rIns="90000" tIns="46800" bIns="46800" anchor="t">
+                      <a:noAutofit/>
+                    </a:bodyPr>
+                    <a:p>
+                      <a:r>
+                        <a:rPr b="0" lang="en-US" sz="1200" spc="-1" strike="noStrike">
+                          <a:latin typeface="Arial"/>
+                        </a:rPr>
+                        <a:t>Pubblicita’ (ingrosso, franchising)</a:t>
+                      </a:r>
+                      <a:endParaRPr b="0" lang="en-US" sz="1200" spc="-1" strike="noStrike">
+                        <a:latin typeface="Arial"/>
+                      </a:endParaRPr>
+                    </a:p>
+                  </a:txBody>
+                  <a:tcPr anchor="t" marL="90000" marR="90000">
+                    <a:lnL w="720">
+                      <a:solidFill>
+                        <a:srgbClr val="ffffff"/>
+                      </a:solidFill>
+                    </a:lnL>
+                    <a:lnR w="720">
+                      <a:solidFill>
+                        <a:srgbClr val="ffffff"/>
+                      </a:solidFill>
+                    </a:lnR>
+                    <a:lnT w="720">
+                      <a:solidFill>
+                        <a:srgbClr val="ffffff"/>
+                      </a:solidFill>
+                    </a:lnT>
+                    <a:lnB w="720">
+                      <a:solidFill>
+                        <a:srgbClr val="ffffff"/>
+                      </a:solidFill>
+                    </a:lnB>
+                    <a:solidFill>
+                      <a:srgbClr val="cccccc"/>
+                    </a:solidFill>
+                  </a:tcPr>
+                </a:tc>
+                <a:tc>
+                  <a:txBody>
+                    <a:bodyPr lIns="90000" rIns="90000" tIns="46800" bIns="46800" anchor="t">
+                      <a:noAutofit/>
+                    </a:bodyPr>
+                    <a:p>
+                      <a:r>
+                        <a:rPr b="0" lang="en-US" sz="1200" spc="-1" strike="noStrike">
+                          <a:latin typeface="Arial"/>
+                        </a:rPr>
+                        <a:t>4.8 M</a:t>
+                      </a:r>
+                      <a:endParaRPr b="0" lang="en-US" sz="1200" spc="-1" strike="noStrike">
+                        <a:latin typeface="Arial"/>
+                      </a:endParaRPr>
+                    </a:p>
+                  </a:txBody>
+                  <a:tcPr anchor="t" marL="90000" marR="90000">
+                    <a:lnL w="720">
+                      <a:solidFill>
+                        <a:srgbClr val="ffffff"/>
+                      </a:solidFill>
+                    </a:lnL>
+                    <a:lnR w="720">
+                      <a:solidFill>
+                        <a:srgbClr val="ffffff"/>
+                      </a:solidFill>
+                    </a:lnR>
+                    <a:lnT w="720">
+                      <a:solidFill>
+                        <a:srgbClr val="ffffff"/>
+                      </a:solidFill>
+                    </a:lnT>
+                    <a:lnB w="720">
+                      <a:solidFill>
+                        <a:srgbClr val="ffffff"/>
+                      </a:solidFill>
+                    </a:lnB>
+                    <a:solidFill>
+                      <a:srgbClr val="cccccc"/>
+                    </a:solidFill>
+                  </a:tcPr>
+                </a:tc>
+                <a:tc>
+                  <a:txBody>
+                    <a:bodyPr lIns="90000" rIns="90000" tIns="46800" bIns="46800" anchor="t">
+                      <a:noAutofit/>
+                    </a:bodyPr>
+                    <a:p>
+                      <a:r>
+                        <a:rPr b="0" lang="en-US" sz="1200" spc="-1" strike="noStrike">
+                          <a:latin typeface="Arial"/>
+                        </a:rPr>
+                        <a:t>3.6 M</a:t>
+                      </a:r>
+                      <a:endParaRPr b="0" lang="en-US" sz="1200" spc="-1" strike="noStrike">
+                        <a:latin typeface="Arial"/>
+                      </a:endParaRPr>
+                    </a:p>
+                  </a:txBody>
+                  <a:tcPr anchor="t" marL="90000" marR="90000">
+                    <a:lnL w="720">
+                      <a:solidFill>
+                        <a:srgbClr val="ffffff"/>
+                      </a:solidFill>
+                    </a:lnL>
+                    <a:lnR w="720">
+                      <a:solidFill>
+                        <a:srgbClr val="ffffff"/>
+                      </a:solidFill>
+                    </a:lnR>
+                    <a:lnT w="720">
+                      <a:solidFill>
+                        <a:srgbClr val="ffffff"/>
+                      </a:solidFill>
+                    </a:lnT>
+                    <a:lnB w="720">
+                      <a:solidFill>
+                        <a:srgbClr val="ffffff"/>
+                      </a:solidFill>
+                    </a:lnB>
+                    <a:solidFill>
+                      <a:srgbClr val="cccccc"/>
+                    </a:solidFill>
+                  </a:tcPr>
+                </a:tc>
+                <a:tc>
+                  <a:txBody>
+                    <a:bodyPr lIns="90000" rIns="90000" tIns="46800" bIns="46800" anchor="t">
+                      <a:noAutofit/>
+                    </a:bodyPr>
+                    <a:p>
+                      <a:r>
+                        <a:rPr b="0" lang="en-US" sz="1200" spc="-1" strike="noStrike">
+                          <a:latin typeface="Arial"/>
+                        </a:rPr>
+                        <a:t>-25%</a:t>
+                      </a:r>
+                      <a:endParaRPr b="0" lang="en-US" sz="1200" spc="-1" strike="noStrike">
+                        <a:latin typeface="Arial"/>
+                      </a:endParaRPr>
+                    </a:p>
+                  </a:txBody>
+                  <a:tcPr anchor="t" marL="90000" marR="90000">
+                    <a:lnL w="720">
+                      <a:solidFill>
+                        <a:srgbClr val="ffffff"/>
+                      </a:solidFill>
+                    </a:lnL>
+                    <a:lnR w="720">
+                      <a:solidFill>
+                        <a:srgbClr val="ffffff"/>
+                      </a:solidFill>
+                    </a:lnR>
+                    <a:lnT w="720">
+                      <a:solidFill>
+                        <a:srgbClr val="ffffff"/>
+                      </a:solidFill>
+                    </a:lnT>
+                    <a:lnB w="720">
+                      <a:solidFill>
+                        <a:srgbClr val="ffffff"/>
+                      </a:solidFill>
+                    </a:lnB>
+                    <a:solidFill>
+                      <a:srgbClr val="cccccc"/>
+                    </a:solidFill>
+                  </a:tcPr>
+                </a:tc>
+                <a:tc>
+                  <a:txBody>
+                    <a:bodyPr lIns="90000" rIns="90000" tIns="46800" bIns="46800" anchor="t">
+                      <a:noAutofit/>
+                    </a:bodyPr>
+                    <a:p>
+                      <a:r>
+                        <a:rPr b="0" lang="en-US" sz="1200" spc="-1" strike="noStrike">
+                          <a:latin typeface="Arial"/>
+                        </a:rPr>
+                        <a:t>F</a:t>
+                      </a:r>
+                      <a:endParaRPr b="0" lang="en-US" sz="1200" spc="-1" strike="noStrike">
+                        <a:latin typeface="Arial"/>
+                      </a:endParaRPr>
+                    </a:p>
+                  </a:txBody>
+                  <a:tcPr anchor="t" marL="90000" marR="90000">
+                    <a:lnL w="720">
+                      <a:solidFill>
+                        <a:srgbClr val="ffffff"/>
+                      </a:solidFill>
+                    </a:lnL>
+                    <a:lnR w="720">
+                      <a:solidFill>
+                        <a:srgbClr val="ffffff"/>
+                      </a:solidFill>
+                    </a:lnR>
+                    <a:lnT w="720">
+                      <a:solidFill>
+                        <a:srgbClr val="ffffff"/>
+                      </a:solidFill>
+                    </a:lnT>
+                    <a:lnB w="720">
+                      <a:solidFill>
+                        <a:srgbClr val="ffffff"/>
+                      </a:solidFill>
+                    </a:lnB>
+                    <a:solidFill>
+                      <a:srgbClr val="cccccc"/>
+                    </a:solidFill>
+                  </a:tcPr>
+                </a:tc>
+                <a:tc>
+                  <a:txBody>
+                    <a:bodyPr lIns="90000" rIns="90000" tIns="46800" bIns="46800" anchor="t">
+                      <a:noAutofit/>
+                    </a:bodyPr>
+                    <a:p>
+                      <a:r>
+                        <a:rPr b="0" lang="en-US" sz="1200" spc="-1" strike="noStrike">
+                          <a:latin typeface="Arial"/>
+                        </a:rPr>
+                        <a:t>I</a:t>
+                      </a:r>
+                      <a:endParaRPr b="0" lang="en-US" sz="1200" spc="-1" strike="noStrike">
+                        <a:latin typeface="Arial"/>
+                      </a:endParaRPr>
+                    </a:p>
+                  </a:txBody>
+                  <a:tcPr anchor="t" marL="90000" marR="90000">
+                    <a:lnL w="720">
+                      <a:solidFill>
+                        <a:srgbClr val="ffffff"/>
+                      </a:solidFill>
+                    </a:lnL>
+                    <a:lnR w="720">
+                      <a:solidFill>
+                        <a:srgbClr val="ffffff"/>
+                      </a:solidFill>
+                    </a:lnR>
+                    <a:lnT w="720">
+                      <a:solidFill>
+                        <a:srgbClr val="ffffff"/>
+                      </a:solidFill>
+                    </a:lnT>
+                    <a:lnB w="720">
+                      <a:solidFill>
+                        <a:srgbClr val="ffffff"/>
+                      </a:solidFill>
+                    </a:lnB>
+                    <a:solidFill>
+                      <a:srgbClr val="cccccc"/>
+                    </a:solidFill>
+                  </a:tcPr>
+                </a:tc>
+              </a:tr>
+              <a:tr h="427680">
+                <a:tc vMerge="1">
                   <a:tcPr anchor="t" marL="90000" marR="90000">
                     <a:lnL w="720">
                       <a:solidFill>
@@ -3213,12 +5591,12 @@
                     </a:bodyPr>
                     <a:p>
                       <a:r>
-                        <a:rPr b="0" lang="en-US" sz="1800" spc="-1" strike="noStrike">
-                          <a:latin typeface="Arial"/>
-                        </a:rPr>
-                        <a:t>Godimento di beni terzi</a:t>
-                      </a:r>
-                      <a:endParaRPr b="0" lang="en-US" sz="1800" spc="-1" strike="noStrike">
+                        <a:rPr b="0" lang="en-US" sz="1200" spc="-1" strike="noStrike">
+                          <a:latin typeface="Arial"/>
+                        </a:rPr>
+                        <a:t>Personale (ingrosso, franchising)</a:t>
+                      </a:r>
+                      <a:endParaRPr b="0" lang="en-US" sz="1200" spc="-1" strike="noStrike">
                         <a:latin typeface="Arial"/>
                       </a:endParaRPr>
                     </a:p>
@@ -3256,12 +5634,12 @@
                     </a:bodyPr>
                     <a:p>
                       <a:r>
-                        <a:rPr b="0" lang="en-US" sz="1800" spc="-1" strike="noStrike">
-                          <a:latin typeface="Arial"/>
-                        </a:rPr>
-                        <a:t>18 M</a:t>
-                      </a:r>
-                      <a:endParaRPr b="0" lang="en-US" sz="1800" spc="-1" strike="noStrike">
+                        <a:rPr b="0" lang="en-US" sz="1200" spc="-1" strike="noStrike">
+                          <a:latin typeface="Arial"/>
+                        </a:rPr>
+                        <a:t>25 M</a:t>
+                      </a:r>
+                      <a:endParaRPr b="0" lang="en-US" sz="1200" spc="-1" strike="noStrike">
                         <a:latin typeface="Arial"/>
                       </a:endParaRPr>
                     </a:p>
@@ -3299,12 +5677,12 @@
                     </a:bodyPr>
                     <a:p>
                       <a:r>
-                        <a:rPr b="0" lang="en-US" sz="1800" spc="-1" strike="noStrike">
-                          <a:latin typeface="Arial"/>
-                        </a:rPr>
-                        <a:t>17 M</a:t>
-                      </a:r>
-                      <a:endParaRPr b="0" lang="en-US" sz="1800" spc="-1" strike="noStrike">
+                        <a:rPr b="0" lang="en-US" sz="1200" spc="-1" strike="noStrike">
+                          <a:latin typeface="Arial"/>
+                        </a:rPr>
+                        <a:t>27 M</a:t>
+                      </a:r>
+                      <a:endParaRPr b="0" lang="en-US" sz="1200" spc="-1" strike="noStrike">
                         <a:latin typeface="Arial"/>
                       </a:endParaRPr>
                     </a:p>
@@ -3335,25 +5713,138 @@
                     </a:solidFill>
                   </a:tcPr>
                 </a:tc>
+                <a:tc>
+                  <a:txBody>
+                    <a:bodyPr lIns="90000" rIns="90000" tIns="46800" bIns="46800" anchor="t">
+                      <a:noAutofit/>
+                    </a:bodyPr>
+                    <a:p>
+                      <a:r>
+                        <a:rPr b="0" lang="en-US" sz="1200" spc="-1" strike="noStrike">
+                          <a:latin typeface="Arial"/>
+                        </a:rPr>
+                        <a:t>+8%</a:t>
+                      </a:r>
+                      <a:endParaRPr b="0" lang="en-US" sz="1200" spc="-1" strike="noStrike">
+                        <a:latin typeface="Arial"/>
+                      </a:endParaRPr>
+                    </a:p>
+                  </a:txBody>
+                  <a:tcPr anchor="t" marL="90000" marR="90000">
+                    <a:lnL w="720">
+                      <a:solidFill>
+                        <a:srgbClr val="ffffff"/>
+                      </a:solidFill>
+                    </a:lnL>
+                    <a:lnR w="720">
+                      <a:solidFill>
+                        <a:srgbClr val="ffffff"/>
+                      </a:solidFill>
+                    </a:lnR>
+                    <a:lnT w="720">
+                      <a:solidFill>
+                        <a:srgbClr val="ffffff"/>
+                      </a:solidFill>
+                    </a:lnT>
+                    <a:lnB w="720">
+                      <a:solidFill>
+                        <a:srgbClr val="ffffff"/>
+                      </a:solidFill>
+                    </a:lnB>
+                    <a:solidFill>
+                      <a:srgbClr val="e6e6e6"/>
+                    </a:solidFill>
+                  </a:tcPr>
+                </a:tc>
+                <a:tc>
+                  <a:txBody>
+                    <a:bodyPr lIns="90000" rIns="90000" tIns="46800" bIns="46800" anchor="t">
+                      <a:noAutofit/>
+                    </a:bodyPr>
+                    <a:p>
+                      <a:r>
+                        <a:rPr b="0" lang="en-US" sz="1200" spc="-1" strike="noStrike">
+                          <a:latin typeface="Arial"/>
+                        </a:rPr>
+                        <a:t>V</a:t>
+                      </a:r>
+                      <a:endParaRPr b="0" lang="en-US" sz="1200" spc="-1" strike="noStrike">
+                        <a:latin typeface="Arial"/>
+                      </a:endParaRPr>
+                    </a:p>
+                  </a:txBody>
+                  <a:tcPr anchor="t" marL="90000" marR="90000">
+                    <a:lnL w="720">
+                      <a:solidFill>
+                        <a:srgbClr val="ffffff"/>
+                      </a:solidFill>
+                    </a:lnL>
+                    <a:lnR w="720">
+                      <a:solidFill>
+                        <a:srgbClr val="ffffff"/>
+                      </a:solidFill>
+                    </a:lnR>
+                    <a:lnT w="720">
+                      <a:solidFill>
+                        <a:srgbClr val="ffffff"/>
+                      </a:solidFill>
+                    </a:lnT>
+                    <a:lnB w="720">
+                      <a:solidFill>
+                        <a:srgbClr val="ffffff"/>
+                      </a:solidFill>
+                    </a:lnB>
+                    <a:solidFill>
+                      <a:srgbClr val="e6e6e6"/>
+                    </a:solidFill>
+                  </a:tcPr>
+                </a:tc>
+                <a:tc>
+                  <a:txBody>
+                    <a:bodyPr lIns="90000" rIns="90000" tIns="46800" bIns="46800" anchor="t">
+                      <a:noAutofit/>
+                    </a:bodyPr>
+                    <a:p>
+                      <a:r>
+                        <a:rPr b="0" lang="en-US" sz="1200" spc="-1" strike="noStrike">
+                          <a:latin typeface="Arial"/>
+                        </a:rPr>
+                        <a:t>I</a:t>
+                      </a:r>
+                      <a:endParaRPr b="0" lang="en-US" sz="1200" spc="-1" strike="noStrike">
+                        <a:latin typeface="Arial"/>
+                      </a:endParaRPr>
+                    </a:p>
+                  </a:txBody>
+                  <a:tcPr anchor="t" marL="90000" marR="90000">
+                    <a:lnL w="720">
+                      <a:solidFill>
+                        <a:srgbClr val="ffffff"/>
+                      </a:solidFill>
+                    </a:lnL>
+                    <a:lnR w="720">
+                      <a:solidFill>
+                        <a:srgbClr val="ffffff"/>
+                      </a:solidFill>
+                    </a:lnR>
+                    <a:lnT w="720">
+                      <a:solidFill>
+                        <a:srgbClr val="ffffff"/>
+                      </a:solidFill>
+                    </a:lnT>
+                    <a:lnB w="720">
+                      <a:solidFill>
+                        <a:srgbClr val="ffffff"/>
+                      </a:solidFill>
+                    </a:lnB>
+                    <a:solidFill>
+                      <a:srgbClr val="e6e6e6"/>
+                    </a:solidFill>
+                  </a:tcPr>
+                </a:tc>
               </a:tr>
-              <a:tr h="605880">
-                <a:tc>
-                  <a:txBody>
-                    <a:bodyPr lIns="90000" rIns="90000" tIns="46800" bIns="46800" anchor="t">
-                      <a:noAutofit/>
-                    </a:bodyPr>
-                    <a:p>
-                      <a:r>
-                        <a:rPr b="0" lang="en-US" sz="1800" spc="-1" strike="noStrike">
-                          <a:latin typeface="Arial"/>
-                        </a:rPr>
-                        <a:t>Uscita</a:t>
-                      </a:r>
-                      <a:endParaRPr b="0" lang="en-US" sz="1800" spc="-1" strike="noStrike">
-                        <a:latin typeface="Arial"/>
-                      </a:endParaRPr>
-                    </a:p>
-                  </a:txBody>
+              <a:tr h="423000">
+                <a:tc vMerge="1">
                   <a:tcPr anchor="t" marL="90000" marR="90000">
                     <a:lnL w="720">
                       <a:solidFill>
@@ -3387,12 +5878,12 @@
                     </a:bodyPr>
                     <a:p>
                       <a:r>
-                        <a:rPr b="0" lang="en-US" sz="1800" spc="-1" strike="noStrike">
-                          <a:latin typeface="Arial"/>
-                        </a:rPr>
-                        <a:t>Oneri sociali (contributi, assicurazioni ecc...)</a:t>
-                      </a:r>
-                      <a:endParaRPr b="0" lang="en-US" sz="1800" spc="-1" strike="noStrike">
+                        <a:rPr b="0" lang="en-US" sz="1200" spc="-1" strike="noStrike">
+                          <a:latin typeface="Arial"/>
+                        </a:rPr>
+                        <a:t>Affitti e locazioni (ingrosso, franchising)</a:t>
+                      </a:r>
+                      <a:endParaRPr b="0" lang="en-US" sz="1200" spc="-1" strike="noStrike">
                         <a:latin typeface="Arial"/>
                       </a:endParaRPr>
                     </a:p>
@@ -3430,12 +5921,12 @@
                     </a:bodyPr>
                     <a:p>
                       <a:r>
-                        <a:rPr b="0" lang="en-US" sz="1800" spc="-1" strike="noStrike">
-                          <a:latin typeface="Arial"/>
-                        </a:rPr>
-                        <a:t>6 M</a:t>
-                      </a:r>
-                      <a:endParaRPr b="0" lang="en-US" sz="1800" spc="-1" strike="noStrike">
+                        <a:rPr b="0" lang="en-US" sz="1200" spc="-1" strike="noStrike">
+                          <a:latin typeface="Arial"/>
+                        </a:rPr>
+                        <a:t>11.4 M</a:t>
+                      </a:r>
+                      <a:endParaRPr b="0" lang="en-US" sz="1200" spc="-1" strike="noStrike">
                         <a:latin typeface="Arial"/>
                       </a:endParaRPr>
                     </a:p>
@@ -3473,16 +5964,1245 @@
                     </a:bodyPr>
                     <a:p>
                       <a:r>
-                        <a:rPr b="0" lang="en-US" sz="1800" spc="-1" strike="noStrike">
-                          <a:latin typeface="Arial"/>
-                        </a:rPr>
-                        <a:t>6 M</a:t>
-                      </a:r>
-                      <a:endParaRPr b="0" lang="en-US" sz="1800" spc="-1" strike="noStrike">
-                        <a:latin typeface="Arial"/>
-                      </a:endParaRPr>
-                    </a:p>
-                  </a:txBody>
+                        <a:rPr b="0" lang="en-US" sz="1200" spc="-1" strike="noStrike">
+                          <a:latin typeface="Arial"/>
+                        </a:rPr>
+                        <a:t>11.2 M</a:t>
+                      </a:r>
+                      <a:endParaRPr b="0" lang="en-US" sz="1200" spc="-1" strike="noStrike">
+                        <a:latin typeface="Arial"/>
+                      </a:endParaRPr>
+                    </a:p>
+                  </a:txBody>
+                  <a:tcPr anchor="t" marL="90000" marR="90000">
+                    <a:lnL w="720">
+                      <a:solidFill>
+                        <a:srgbClr val="ffffff"/>
+                      </a:solidFill>
+                    </a:lnL>
+                    <a:lnR w="720">
+                      <a:solidFill>
+                        <a:srgbClr val="ffffff"/>
+                      </a:solidFill>
+                    </a:lnR>
+                    <a:lnT w="720">
+                      <a:solidFill>
+                        <a:srgbClr val="ffffff"/>
+                      </a:solidFill>
+                    </a:lnT>
+                    <a:lnB w="720">
+                      <a:solidFill>
+                        <a:srgbClr val="ffffff"/>
+                      </a:solidFill>
+                    </a:lnB>
+                    <a:solidFill>
+                      <a:srgbClr val="cccccc"/>
+                    </a:solidFill>
+                  </a:tcPr>
+                </a:tc>
+                <a:tc>
+                  <a:txBody>
+                    <a:bodyPr lIns="90000" rIns="90000" tIns="46800" bIns="46800" anchor="t">
+                      <a:noAutofit/>
+                    </a:bodyPr>
+                    <a:p>
+                      <a:r>
+                        <a:rPr b="0" lang="en-US" sz="1200" spc="-1" strike="noStrike">
+                          <a:latin typeface="Arial"/>
+                        </a:rPr>
+                        <a:t>-2%</a:t>
+                      </a:r>
+                      <a:endParaRPr b="0" lang="en-US" sz="1200" spc="-1" strike="noStrike">
+                        <a:latin typeface="Arial"/>
+                      </a:endParaRPr>
+                    </a:p>
+                  </a:txBody>
+                  <a:tcPr anchor="t" marL="90000" marR="90000">
+                    <a:lnL w="720">
+                      <a:solidFill>
+                        <a:srgbClr val="ffffff"/>
+                      </a:solidFill>
+                    </a:lnL>
+                    <a:lnR w="720">
+                      <a:solidFill>
+                        <a:srgbClr val="ffffff"/>
+                      </a:solidFill>
+                    </a:lnR>
+                    <a:lnT w="720">
+                      <a:solidFill>
+                        <a:srgbClr val="ffffff"/>
+                      </a:solidFill>
+                    </a:lnT>
+                    <a:lnB w="720">
+                      <a:solidFill>
+                        <a:srgbClr val="ffffff"/>
+                      </a:solidFill>
+                    </a:lnB>
+                    <a:solidFill>
+                      <a:srgbClr val="cccccc"/>
+                    </a:solidFill>
+                  </a:tcPr>
+                </a:tc>
+                <a:tc>
+                  <a:txBody>
+                    <a:bodyPr lIns="90000" rIns="90000" tIns="46800" bIns="46800" anchor="t">
+                      <a:noAutofit/>
+                    </a:bodyPr>
+                    <a:p>
+                      <a:r>
+                        <a:rPr b="0" lang="en-US" sz="1200" spc="-1" strike="noStrike">
+                          <a:latin typeface="Arial"/>
+                        </a:rPr>
+                        <a:t>F</a:t>
+                      </a:r>
+                      <a:endParaRPr b="0" lang="en-US" sz="1200" spc="-1" strike="noStrike">
+                        <a:latin typeface="Arial"/>
+                      </a:endParaRPr>
+                    </a:p>
+                  </a:txBody>
+                  <a:tcPr anchor="t" marL="90000" marR="90000">
+                    <a:lnL w="720">
+                      <a:solidFill>
+                        <a:srgbClr val="ffffff"/>
+                      </a:solidFill>
+                    </a:lnL>
+                    <a:lnR w="720">
+                      <a:solidFill>
+                        <a:srgbClr val="ffffff"/>
+                      </a:solidFill>
+                    </a:lnR>
+                    <a:lnT w="720">
+                      <a:solidFill>
+                        <a:srgbClr val="ffffff"/>
+                      </a:solidFill>
+                    </a:lnT>
+                    <a:lnB w="720">
+                      <a:solidFill>
+                        <a:srgbClr val="ffffff"/>
+                      </a:solidFill>
+                    </a:lnB>
+                    <a:solidFill>
+                      <a:srgbClr val="cccccc"/>
+                    </a:solidFill>
+                  </a:tcPr>
+                </a:tc>
+                <a:tc>
+                  <a:txBody>
+                    <a:bodyPr lIns="90000" rIns="90000" tIns="46800" bIns="46800" anchor="t">
+                      <a:noAutofit/>
+                    </a:bodyPr>
+                    <a:p>
+                      <a:r>
+                        <a:rPr b="0" lang="en-US" sz="1200" spc="-1" strike="noStrike">
+                          <a:latin typeface="Arial"/>
+                        </a:rPr>
+                        <a:t>I</a:t>
+                      </a:r>
+                      <a:endParaRPr b="0" lang="en-US" sz="1200" spc="-1" strike="noStrike">
+                        <a:latin typeface="Arial"/>
+                      </a:endParaRPr>
+                    </a:p>
+                  </a:txBody>
+                  <a:tcPr anchor="t" marL="90000" marR="90000">
+                    <a:lnL w="720">
+                      <a:solidFill>
+                        <a:srgbClr val="ffffff"/>
+                      </a:solidFill>
+                    </a:lnL>
+                    <a:lnR w="720">
+                      <a:solidFill>
+                        <a:srgbClr val="ffffff"/>
+                      </a:solidFill>
+                    </a:lnR>
+                    <a:lnT w="720">
+                      <a:solidFill>
+                        <a:srgbClr val="ffffff"/>
+                      </a:solidFill>
+                    </a:lnT>
+                    <a:lnB w="720">
+                      <a:solidFill>
+                        <a:srgbClr val="ffffff"/>
+                      </a:solidFill>
+                    </a:lnB>
+                    <a:solidFill>
+                      <a:srgbClr val="cccccc"/>
+                    </a:solidFill>
+                  </a:tcPr>
+                </a:tc>
+              </a:tr>
+              <a:tr h="435240">
+                <a:tc vMerge="1">
+                  <a:tcPr anchor="t" marL="90000" marR="90000">
+                    <a:lnL w="720">
+                      <a:solidFill>
+                        <a:srgbClr val="ffffff"/>
+                      </a:solidFill>
+                    </a:lnL>
+                    <a:lnR w="720">
+                      <a:solidFill>
+                        <a:srgbClr val="ffffff"/>
+                      </a:solidFill>
+                    </a:lnR>
+                    <a:lnT w="720">
+                      <a:solidFill>
+                        <a:srgbClr val="ffffff"/>
+                      </a:solidFill>
+                    </a:lnT>
+                    <a:lnB w="720">
+                      <a:solidFill>
+                        <a:srgbClr val="ffffff"/>
+                      </a:solidFill>
+                    </a:lnB>
+                    <a:solidFill>
+                      <a:srgbClr val="e6e6e6"/>
+                    </a:solidFill>
+                  </a:tcPr>
+                </a:tc>
+                <a:tc>
+                  <a:txBody>
+                    <a:bodyPr lIns="90000" rIns="90000" tIns="46800" bIns="46800" anchor="t">
+                      <a:noAutofit/>
+                    </a:bodyPr>
+                    <a:p>
+                      <a:r>
+                        <a:rPr b="0" lang="en-US" sz="1200" spc="-1" strike="noStrike">
+                          <a:latin typeface="Arial"/>
+                        </a:rPr>
+                        <a:t>Ammortamenti (ingrosso, fanchising)</a:t>
+                      </a:r>
+                      <a:endParaRPr b="0" lang="en-US" sz="1200" spc="-1" strike="noStrike">
+                        <a:latin typeface="Arial"/>
+                      </a:endParaRPr>
+                    </a:p>
+                  </a:txBody>
+                  <a:tcPr anchor="t" marL="90000" marR="90000">
+                    <a:lnL w="720">
+                      <a:solidFill>
+                        <a:srgbClr val="ffffff"/>
+                      </a:solidFill>
+                    </a:lnL>
+                    <a:lnR w="720">
+                      <a:solidFill>
+                        <a:srgbClr val="ffffff"/>
+                      </a:solidFill>
+                    </a:lnR>
+                    <a:lnT w="720">
+                      <a:solidFill>
+                        <a:srgbClr val="ffffff"/>
+                      </a:solidFill>
+                    </a:lnT>
+                    <a:lnB w="720">
+                      <a:solidFill>
+                        <a:srgbClr val="ffffff"/>
+                      </a:solidFill>
+                    </a:lnB>
+                    <a:solidFill>
+                      <a:srgbClr val="e6e6e6"/>
+                    </a:solidFill>
+                  </a:tcPr>
+                </a:tc>
+                <a:tc>
+                  <a:txBody>
+                    <a:bodyPr lIns="90000" rIns="90000" tIns="46800" bIns="46800" anchor="t">
+                      <a:noAutofit/>
+                    </a:bodyPr>
+                    <a:p>
+                      <a:r>
+                        <a:rPr b="0" lang="en-US" sz="1200" spc="-1" strike="noStrike">
+                          <a:latin typeface="Arial"/>
+                        </a:rPr>
+                        <a:t>19 M</a:t>
+                      </a:r>
+                      <a:endParaRPr b="0" lang="en-US" sz="1200" spc="-1" strike="noStrike">
+                        <a:latin typeface="Arial"/>
+                      </a:endParaRPr>
+                    </a:p>
+                  </a:txBody>
+                  <a:tcPr anchor="t" marL="90000" marR="90000">
+                    <a:lnL w="720">
+                      <a:solidFill>
+                        <a:srgbClr val="ffffff"/>
+                      </a:solidFill>
+                    </a:lnL>
+                    <a:lnR w="720">
+                      <a:solidFill>
+                        <a:srgbClr val="ffffff"/>
+                      </a:solidFill>
+                    </a:lnR>
+                    <a:lnT w="720">
+                      <a:solidFill>
+                        <a:srgbClr val="ffffff"/>
+                      </a:solidFill>
+                    </a:lnT>
+                    <a:lnB w="720">
+                      <a:solidFill>
+                        <a:srgbClr val="ffffff"/>
+                      </a:solidFill>
+                    </a:lnB>
+                    <a:solidFill>
+                      <a:srgbClr val="e6e6e6"/>
+                    </a:solidFill>
+                  </a:tcPr>
+                </a:tc>
+                <a:tc>
+                  <a:txBody>
+                    <a:bodyPr lIns="90000" rIns="90000" tIns="46800" bIns="46800" anchor="t">
+                      <a:noAutofit/>
+                    </a:bodyPr>
+                    <a:p>
+                      <a:r>
+                        <a:rPr b="0" lang="en-US" sz="1200" spc="-1" strike="noStrike">
+                          <a:latin typeface="Arial"/>
+                        </a:rPr>
+                        <a:t>22</a:t>
+                      </a:r>
+                      <a:endParaRPr b="0" lang="en-US" sz="1200" spc="-1" strike="noStrike">
+                        <a:latin typeface="Arial"/>
+                      </a:endParaRPr>
+                    </a:p>
+                  </a:txBody>
+                  <a:tcPr anchor="t" marL="90000" marR="90000">
+                    <a:lnL w="720">
+                      <a:solidFill>
+                        <a:srgbClr val="ffffff"/>
+                      </a:solidFill>
+                    </a:lnL>
+                    <a:lnR w="720">
+                      <a:solidFill>
+                        <a:srgbClr val="ffffff"/>
+                      </a:solidFill>
+                    </a:lnR>
+                    <a:lnT w="720">
+                      <a:solidFill>
+                        <a:srgbClr val="ffffff"/>
+                      </a:solidFill>
+                    </a:lnT>
+                    <a:lnB w="720">
+                      <a:solidFill>
+                        <a:srgbClr val="ffffff"/>
+                      </a:solidFill>
+                    </a:lnB>
+                    <a:solidFill>
+                      <a:srgbClr val="e6e6e6"/>
+                    </a:solidFill>
+                  </a:tcPr>
+                </a:tc>
+                <a:tc>
+                  <a:txBody>
+                    <a:bodyPr lIns="90000" rIns="90000" tIns="46800" bIns="46800" anchor="t">
+                      <a:noAutofit/>
+                    </a:bodyPr>
+                    <a:p>
+                      <a:r>
+                        <a:rPr b="0" lang="en-US" sz="1200" spc="-1" strike="noStrike">
+                          <a:latin typeface="Arial"/>
+                        </a:rPr>
+                        <a:t>+15%</a:t>
+                      </a:r>
+                      <a:endParaRPr b="0" lang="en-US" sz="1200" spc="-1" strike="noStrike">
+                        <a:latin typeface="Arial"/>
+                      </a:endParaRPr>
+                    </a:p>
+                  </a:txBody>
+                  <a:tcPr anchor="t" marL="90000" marR="90000">
+                    <a:lnL w="720">
+                      <a:solidFill>
+                        <a:srgbClr val="ffffff"/>
+                      </a:solidFill>
+                    </a:lnL>
+                    <a:lnR w="720">
+                      <a:solidFill>
+                        <a:srgbClr val="ffffff"/>
+                      </a:solidFill>
+                    </a:lnR>
+                    <a:lnT w="720">
+                      <a:solidFill>
+                        <a:srgbClr val="ffffff"/>
+                      </a:solidFill>
+                    </a:lnT>
+                    <a:lnB w="720">
+                      <a:solidFill>
+                        <a:srgbClr val="ffffff"/>
+                      </a:solidFill>
+                    </a:lnB>
+                    <a:solidFill>
+                      <a:srgbClr val="e6e6e6"/>
+                    </a:solidFill>
+                  </a:tcPr>
+                </a:tc>
+                <a:tc>
+                  <a:txBody>
+                    <a:bodyPr lIns="90000" rIns="90000" tIns="46800" bIns="46800" anchor="t">
+                      <a:noAutofit/>
+                    </a:bodyPr>
+                    <a:p>
+                      <a:r>
+                        <a:rPr b="0" lang="en-US" sz="1200" spc="-1" strike="noStrike">
+                          <a:latin typeface="Arial"/>
+                        </a:rPr>
+                        <a:t>F</a:t>
+                      </a:r>
+                      <a:endParaRPr b="0" lang="en-US" sz="1200" spc="-1" strike="noStrike">
+                        <a:latin typeface="Arial"/>
+                      </a:endParaRPr>
+                    </a:p>
+                  </a:txBody>
+                  <a:tcPr anchor="t" marL="90000" marR="90000">
+                    <a:lnL w="720">
+                      <a:solidFill>
+                        <a:srgbClr val="ffffff"/>
+                      </a:solidFill>
+                    </a:lnL>
+                    <a:lnR w="720">
+                      <a:solidFill>
+                        <a:srgbClr val="ffffff"/>
+                      </a:solidFill>
+                    </a:lnR>
+                    <a:lnT w="720">
+                      <a:solidFill>
+                        <a:srgbClr val="ffffff"/>
+                      </a:solidFill>
+                    </a:lnT>
+                    <a:lnB w="720">
+                      <a:solidFill>
+                        <a:srgbClr val="ffffff"/>
+                      </a:solidFill>
+                    </a:lnB>
+                    <a:solidFill>
+                      <a:srgbClr val="e6e6e6"/>
+                    </a:solidFill>
+                  </a:tcPr>
+                </a:tc>
+                <a:tc>
+                  <a:txBody>
+                    <a:bodyPr lIns="90000" rIns="90000" tIns="46800" bIns="46800" anchor="t">
+                      <a:noAutofit/>
+                    </a:bodyPr>
+                    <a:p>
+                      <a:r>
+                        <a:rPr b="0" lang="en-US" sz="1200" spc="-1" strike="noStrike">
+                          <a:latin typeface="Arial"/>
+                        </a:rPr>
+                        <a:t>I</a:t>
+                      </a:r>
+                      <a:endParaRPr b="0" lang="en-US" sz="1200" spc="-1" strike="noStrike">
+                        <a:latin typeface="Arial"/>
+                      </a:endParaRPr>
+                    </a:p>
+                  </a:txBody>
+                  <a:tcPr anchor="t" marL="90000" marR="90000">
+                    <a:lnL w="720">
+                      <a:solidFill>
+                        <a:srgbClr val="ffffff"/>
+                      </a:solidFill>
+                    </a:lnL>
+                    <a:lnR w="720">
+                      <a:solidFill>
+                        <a:srgbClr val="ffffff"/>
+                      </a:solidFill>
+                    </a:lnR>
+                    <a:lnT w="720">
+                      <a:solidFill>
+                        <a:srgbClr val="ffffff"/>
+                      </a:solidFill>
+                    </a:lnT>
+                    <a:lnB w="720">
+                      <a:solidFill>
+                        <a:srgbClr val="ffffff"/>
+                      </a:solidFill>
+                    </a:lnB>
+                    <a:solidFill>
+                      <a:srgbClr val="e6e6e6"/>
+                    </a:solidFill>
+                  </a:tcPr>
+                </a:tc>
+              </a:tr>
+              <a:tr h="264600">
+                <a:tc>
+                  <a:txBody>
+                    <a:bodyPr lIns="90000" rIns="90000" tIns="46800" bIns="46800" anchor="t">
+                      <a:noAutofit/>
+                    </a:bodyPr>
+                    <a:p>
+                      <a:r>
+                        <a:rPr b="0" lang="en-US" sz="1200" spc="-1" strike="noStrike">
+                          <a:latin typeface="Arial"/>
+                        </a:rPr>
+                        <a:t>Oneri finanziari</a:t>
+                      </a:r>
+                      <a:endParaRPr b="0" lang="en-US" sz="1200" spc="-1" strike="noStrike">
+                        <a:latin typeface="Arial"/>
+                      </a:endParaRPr>
+                    </a:p>
+                  </a:txBody>
+                  <a:tcPr anchor="t" marL="90000" marR="90000">
+                    <a:lnL w="720">
+                      <a:solidFill>
+                        <a:srgbClr val="ffffff"/>
+                      </a:solidFill>
+                    </a:lnL>
+                    <a:lnR w="720">
+                      <a:solidFill>
+                        <a:srgbClr val="ffffff"/>
+                      </a:solidFill>
+                    </a:lnR>
+                    <a:lnT w="720">
+                      <a:solidFill>
+                        <a:srgbClr val="ffffff"/>
+                      </a:solidFill>
+                    </a:lnT>
+                    <a:lnB w="720">
+                      <a:solidFill>
+                        <a:srgbClr val="ffffff"/>
+                      </a:solidFill>
+                    </a:lnB>
+                    <a:solidFill>
+                      <a:srgbClr val="cccccc"/>
+                    </a:solidFill>
+                  </a:tcPr>
+                </a:tc>
+                <a:tc>
+                  <a:txBody>
+                    <a:bodyPr lIns="90000" rIns="90000" tIns="46800" bIns="46800" anchor="t">
+                      <a:noAutofit/>
+                    </a:bodyPr>
+                    <a:p>
+                      <a:r>
+                        <a:rPr b="0" lang="en-US" sz="1200" spc="-1" strike="noStrike">
+                          <a:latin typeface="Arial"/>
+                        </a:rPr>
+                        <a:t>Differenza tra oneri e proventi</a:t>
+                      </a:r>
+                      <a:endParaRPr b="0" lang="en-US" sz="1200" spc="-1" strike="noStrike">
+                        <a:latin typeface="Arial"/>
+                      </a:endParaRPr>
+                    </a:p>
+                  </a:txBody>
+                  <a:tcPr anchor="t" marL="90000" marR="90000">
+                    <a:lnL w="720">
+                      <a:solidFill>
+                        <a:srgbClr val="ffffff"/>
+                      </a:solidFill>
+                    </a:lnL>
+                    <a:lnR w="720">
+                      <a:solidFill>
+                        <a:srgbClr val="ffffff"/>
+                      </a:solidFill>
+                    </a:lnR>
+                    <a:lnT w="720">
+                      <a:solidFill>
+                        <a:srgbClr val="ffffff"/>
+                      </a:solidFill>
+                    </a:lnT>
+                    <a:lnB w="720">
+                      <a:solidFill>
+                        <a:srgbClr val="ffffff"/>
+                      </a:solidFill>
+                    </a:lnB>
+                    <a:solidFill>
+                      <a:srgbClr val="cccccc"/>
+                    </a:solidFill>
+                  </a:tcPr>
+                </a:tc>
+                <a:tc>
+                  <a:txBody>
+                    <a:bodyPr lIns="90000" rIns="90000" tIns="46800" bIns="46800" anchor="t">
+                      <a:noAutofit/>
+                    </a:bodyPr>
+                    <a:p>
+                      <a:r>
+                        <a:rPr b="0" lang="en-US" sz="1200" spc="-1" strike="noStrike">
+                          <a:latin typeface="Arial"/>
+                        </a:rPr>
+                        <a:t>0.8 M</a:t>
+                      </a:r>
+                      <a:endParaRPr b="0" lang="en-US" sz="1200" spc="-1" strike="noStrike">
+                        <a:latin typeface="Arial"/>
+                      </a:endParaRPr>
+                    </a:p>
+                  </a:txBody>
+                  <a:tcPr anchor="t" marL="90000" marR="90000">
+                    <a:lnL w="720">
+                      <a:solidFill>
+                        <a:srgbClr val="ffffff"/>
+                      </a:solidFill>
+                    </a:lnL>
+                    <a:lnR w="720">
+                      <a:solidFill>
+                        <a:srgbClr val="ffffff"/>
+                      </a:solidFill>
+                    </a:lnR>
+                    <a:lnT w="720">
+                      <a:solidFill>
+                        <a:srgbClr val="ffffff"/>
+                      </a:solidFill>
+                    </a:lnT>
+                    <a:lnB w="720">
+                      <a:solidFill>
+                        <a:srgbClr val="ffffff"/>
+                      </a:solidFill>
+                    </a:lnB>
+                    <a:solidFill>
+                      <a:srgbClr val="cccccc"/>
+                    </a:solidFill>
+                  </a:tcPr>
+                </a:tc>
+                <a:tc>
+                  <a:txBody>
+                    <a:bodyPr lIns="90000" rIns="90000" tIns="46800" bIns="46800" anchor="t">
+                      <a:noAutofit/>
+                    </a:bodyPr>
+                    <a:p>
+                      <a:r>
+                        <a:rPr b="0" lang="en-US" sz="1200" spc="-1" strike="noStrike">
+                          <a:latin typeface="Arial"/>
+                        </a:rPr>
+                        <a:t>1.5 M</a:t>
+                      </a:r>
+                      <a:endParaRPr b="0" lang="en-US" sz="1200" spc="-1" strike="noStrike">
+                        <a:latin typeface="Arial"/>
+                      </a:endParaRPr>
+                    </a:p>
+                  </a:txBody>
+                  <a:tcPr anchor="t" marL="90000" marR="90000">
+                    <a:lnL w="720">
+                      <a:solidFill>
+                        <a:srgbClr val="ffffff"/>
+                      </a:solidFill>
+                    </a:lnL>
+                    <a:lnR w="720">
+                      <a:solidFill>
+                        <a:srgbClr val="ffffff"/>
+                      </a:solidFill>
+                    </a:lnR>
+                    <a:lnT w="720">
+                      <a:solidFill>
+                        <a:srgbClr val="ffffff"/>
+                      </a:solidFill>
+                    </a:lnT>
+                    <a:lnB w="720">
+                      <a:solidFill>
+                        <a:srgbClr val="ffffff"/>
+                      </a:solidFill>
+                    </a:lnB>
+                    <a:solidFill>
+                      <a:srgbClr val="cccccc"/>
+                    </a:solidFill>
+                  </a:tcPr>
+                </a:tc>
+                <a:tc>
+                  <a:txBody>
+                    <a:bodyPr lIns="90000" rIns="90000" tIns="46800" bIns="46800" anchor="t">
+                      <a:noAutofit/>
+                    </a:bodyPr>
+                    <a:p>
+                      <a:r>
+                        <a:rPr b="0" lang="en-US" sz="1200" spc="-1" strike="noStrike">
+                          <a:latin typeface="Arial"/>
+                        </a:rPr>
+                        <a:t>+87%</a:t>
+                      </a:r>
+                      <a:endParaRPr b="0" lang="en-US" sz="1200" spc="-1" strike="noStrike">
+                        <a:latin typeface="Arial"/>
+                      </a:endParaRPr>
+                    </a:p>
+                  </a:txBody>
+                  <a:tcPr anchor="t" marL="90000" marR="90000">
+                    <a:lnL w="720">
+                      <a:solidFill>
+                        <a:srgbClr val="ffffff"/>
+                      </a:solidFill>
+                    </a:lnL>
+                    <a:lnR w="720">
+                      <a:solidFill>
+                        <a:srgbClr val="ffffff"/>
+                      </a:solidFill>
+                    </a:lnR>
+                    <a:lnT w="720">
+                      <a:solidFill>
+                        <a:srgbClr val="ffffff"/>
+                      </a:solidFill>
+                    </a:lnT>
+                    <a:lnB w="720">
+                      <a:solidFill>
+                        <a:srgbClr val="ffffff"/>
+                      </a:solidFill>
+                    </a:lnB>
+                    <a:solidFill>
+                      <a:srgbClr val="cccccc"/>
+                    </a:solidFill>
+                  </a:tcPr>
+                </a:tc>
+                <a:tc>
+                  <a:tcPr anchor="t" marL="90000" marR="90000">
+                    <a:lnL w="720">
+                      <a:solidFill>
+                        <a:srgbClr val="ffffff"/>
+                      </a:solidFill>
+                    </a:lnL>
+                    <a:lnR w="720">
+                      <a:solidFill>
+                        <a:srgbClr val="ffffff"/>
+                      </a:solidFill>
+                    </a:lnR>
+                    <a:lnT w="720">
+                      <a:solidFill>
+                        <a:srgbClr val="ffffff"/>
+                      </a:solidFill>
+                    </a:lnT>
+                    <a:lnB w="720">
+                      <a:solidFill>
+                        <a:srgbClr val="ffffff"/>
+                      </a:solidFill>
+                    </a:lnB>
+                    <a:solidFill>
+                      <a:srgbClr val="cccccc"/>
+                    </a:solidFill>
+                  </a:tcPr>
+                </a:tc>
+                <a:tc>
+                  <a:tcPr anchor="t" marL="90000" marR="90000">
+                    <a:lnL w="720">
+                      <a:solidFill>
+                        <a:srgbClr val="ffffff"/>
+                      </a:solidFill>
+                    </a:lnL>
+                    <a:lnR w="720">
+                      <a:solidFill>
+                        <a:srgbClr val="ffffff"/>
+                      </a:solidFill>
+                    </a:lnR>
+                    <a:lnT w="720">
+                      <a:solidFill>
+                        <a:srgbClr val="ffffff"/>
+                      </a:solidFill>
+                    </a:lnT>
+                    <a:lnB w="720">
+                      <a:solidFill>
+                        <a:srgbClr val="ffffff"/>
+                      </a:solidFill>
+                    </a:lnB>
+                    <a:solidFill>
+                      <a:srgbClr val="cccccc"/>
+                    </a:solidFill>
+                  </a:tcPr>
+                </a:tc>
+              </a:tr>
+              <a:tr h="264600">
+                <a:tc>
+                  <a:txBody>
+                    <a:bodyPr lIns="90000" rIns="90000" tIns="46800" bIns="46800" anchor="t">
+                      <a:noAutofit/>
+                    </a:bodyPr>
+                    <a:p>
+                      <a:r>
+                        <a:rPr b="0" lang="en-US" sz="1200" spc="-1" strike="noStrike">
+                          <a:latin typeface="Arial"/>
+                        </a:rPr>
+                        <a:t>Imposte</a:t>
+                      </a:r>
+                      <a:endParaRPr b="0" lang="en-US" sz="1200" spc="-1" strike="noStrike">
+                        <a:latin typeface="Arial"/>
+                      </a:endParaRPr>
+                    </a:p>
+                  </a:txBody>
+                  <a:tcPr anchor="t" marL="90000" marR="90000">
+                    <a:lnL w="720">
+                      <a:solidFill>
+                        <a:srgbClr val="ffffff"/>
+                      </a:solidFill>
+                    </a:lnL>
+                    <a:lnR w="720">
+                      <a:solidFill>
+                        <a:srgbClr val="ffffff"/>
+                      </a:solidFill>
+                    </a:lnR>
+                    <a:lnT w="720">
+                      <a:solidFill>
+                        <a:srgbClr val="ffffff"/>
+                      </a:solidFill>
+                    </a:lnT>
+                    <a:lnB w="720">
+                      <a:solidFill>
+                        <a:srgbClr val="ffffff"/>
+                      </a:solidFill>
+                    </a:lnB>
+                    <a:solidFill>
+                      <a:srgbClr val="e6e6e6"/>
+                    </a:solidFill>
+                  </a:tcPr>
+                </a:tc>
+                <a:tc>
+                  <a:txBody>
+                    <a:bodyPr lIns="90000" rIns="90000" tIns="46800" bIns="46800" anchor="t">
+                      <a:noAutofit/>
+                    </a:bodyPr>
+                    <a:p>
+                      <a:r>
+                        <a:rPr b="0" lang="en-US" sz="1200" spc="-1" strike="noStrike">
+                          <a:latin typeface="Arial"/>
+                        </a:rPr>
+                        <a:t>Totale imposte sul reddito di esercizio</a:t>
+                      </a:r>
+                      <a:endParaRPr b="0" lang="en-US" sz="1200" spc="-1" strike="noStrike">
+                        <a:latin typeface="Arial"/>
+                      </a:endParaRPr>
+                    </a:p>
+                  </a:txBody>
+                  <a:tcPr anchor="t" marL="90000" marR="90000">
+                    <a:lnL w="720">
+                      <a:solidFill>
+                        <a:srgbClr val="ffffff"/>
+                      </a:solidFill>
+                    </a:lnL>
+                    <a:lnR w="720">
+                      <a:solidFill>
+                        <a:srgbClr val="ffffff"/>
+                      </a:solidFill>
+                    </a:lnR>
+                    <a:lnT w="720">
+                      <a:solidFill>
+                        <a:srgbClr val="ffffff"/>
+                      </a:solidFill>
+                    </a:lnT>
+                    <a:lnB w="720">
+                      <a:solidFill>
+                        <a:srgbClr val="ffffff"/>
+                      </a:solidFill>
+                    </a:lnB>
+                    <a:solidFill>
+                      <a:srgbClr val="e6e6e6"/>
+                    </a:solidFill>
+                  </a:tcPr>
+                </a:tc>
+                <a:tc>
+                  <a:txBody>
+                    <a:bodyPr lIns="90000" rIns="90000" tIns="46800" bIns="46800" anchor="t">
+                      <a:noAutofit/>
+                    </a:bodyPr>
+                    <a:p>
+                      <a:r>
+                        <a:rPr b="0" lang="en-US" sz="1200" spc="-1" strike="noStrike">
+                          <a:latin typeface="Arial"/>
+                        </a:rPr>
+                        <a:t>3.1 M</a:t>
+                      </a:r>
+                      <a:endParaRPr b="0" lang="en-US" sz="1200" spc="-1" strike="noStrike">
+                        <a:latin typeface="Arial"/>
+                      </a:endParaRPr>
+                    </a:p>
+                  </a:txBody>
+                  <a:tcPr anchor="t" marL="90000" marR="90000">
+                    <a:lnL w="720">
+                      <a:solidFill>
+                        <a:srgbClr val="ffffff"/>
+                      </a:solidFill>
+                    </a:lnL>
+                    <a:lnR w="720">
+                      <a:solidFill>
+                        <a:srgbClr val="ffffff"/>
+                      </a:solidFill>
+                    </a:lnR>
+                    <a:lnT w="720">
+                      <a:solidFill>
+                        <a:srgbClr val="ffffff"/>
+                      </a:solidFill>
+                    </a:lnT>
+                    <a:lnB w="720">
+                      <a:solidFill>
+                        <a:srgbClr val="ffffff"/>
+                      </a:solidFill>
+                    </a:lnB>
+                    <a:solidFill>
+                      <a:srgbClr val="e6e6e6"/>
+                    </a:solidFill>
+                  </a:tcPr>
+                </a:tc>
+                <a:tc>
+                  <a:txBody>
+                    <a:bodyPr lIns="90000" rIns="90000" tIns="46800" bIns="46800" anchor="t">
+                      <a:noAutofit/>
+                    </a:bodyPr>
+                    <a:p>
+                      <a:r>
+                        <a:rPr b="0" lang="en-US" sz="1200" spc="-1" strike="noStrike">
+                          <a:latin typeface="Arial"/>
+                        </a:rPr>
+                        <a:t>3.3 M</a:t>
+                      </a:r>
+                      <a:endParaRPr b="0" lang="en-US" sz="1200" spc="-1" strike="noStrike">
+                        <a:latin typeface="Arial"/>
+                      </a:endParaRPr>
+                    </a:p>
+                  </a:txBody>
+                  <a:tcPr anchor="t" marL="90000" marR="90000">
+                    <a:lnL w="720">
+                      <a:solidFill>
+                        <a:srgbClr val="ffffff"/>
+                      </a:solidFill>
+                    </a:lnL>
+                    <a:lnR w="720">
+                      <a:solidFill>
+                        <a:srgbClr val="ffffff"/>
+                      </a:solidFill>
+                    </a:lnR>
+                    <a:lnT w="720">
+                      <a:solidFill>
+                        <a:srgbClr val="ffffff"/>
+                      </a:solidFill>
+                    </a:lnT>
+                    <a:lnB w="720">
+                      <a:solidFill>
+                        <a:srgbClr val="ffffff"/>
+                      </a:solidFill>
+                    </a:lnB>
+                    <a:solidFill>
+                      <a:srgbClr val="e6e6e6"/>
+                    </a:solidFill>
+                  </a:tcPr>
+                </a:tc>
+                <a:tc>
+                  <a:txBody>
+                    <a:bodyPr lIns="90000" rIns="90000" tIns="46800" bIns="46800" anchor="t">
+                      <a:noAutofit/>
+                    </a:bodyPr>
+                    <a:p>
+                      <a:r>
+                        <a:rPr b="0" lang="en-US" sz="1200" spc="-1" strike="noStrike">
+                          <a:latin typeface="Arial"/>
+                        </a:rPr>
+                        <a:t>+7%</a:t>
+                      </a:r>
+                      <a:endParaRPr b="0" lang="en-US" sz="1200" spc="-1" strike="noStrike">
+                        <a:latin typeface="Arial"/>
+                      </a:endParaRPr>
+                    </a:p>
+                  </a:txBody>
+                  <a:tcPr anchor="t" marL="90000" marR="90000">
+                    <a:lnL w="720">
+                      <a:solidFill>
+                        <a:srgbClr val="ffffff"/>
+                      </a:solidFill>
+                    </a:lnL>
+                    <a:lnR w="720">
+                      <a:solidFill>
+                        <a:srgbClr val="ffffff"/>
+                      </a:solidFill>
+                    </a:lnR>
+                    <a:lnT w="720">
+                      <a:solidFill>
+                        <a:srgbClr val="ffffff"/>
+                      </a:solidFill>
+                    </a:lnT>
+                    <a:lnB w="720">
+                      <a:solidFill>
+                        <a:srgbClr val="ffffff"/>
+                      </a:solidFill>
+                    </a:lnB>
+                    <a:solidFill>
+                      <a:srgbClr val="e6e6e6"/>
+                    </a:solidFill>
+                  </a:tcPr>
+                </a:tc>
+                <a:tc>
+                  <a:tcPr anchor="t" marL="90000" marR="90000">
+                    <a:lnL w="720">
+                      <a:solidFill>
+                        <a:srgbClr val="ffffff"/>
+                      </a:solidFill>
+                    </a:lnL>
+                    <a:lnR w="720">
+                      <a:solidFill>
+                        <a:srgbClr val="ffffff"/>
+                      </a:solidFill>
+                    </a:lnR>
+                    <a:lnT w="720">
+                      <a:solidFill>
+                        <a:srgbClr val="ffffff"/>
+                      </a:solidFill>
+                    </a:lnT>
+                    <a:lnB w="720">
+                      <a:solidFill>
+                        <a:srgbClr val="ffffff"/>
+                      </a:solidFill>
+                    </a:lnB>
+                    <a:solidFill>
+                      <a:srgbClr val="e6e6e6"/>
+                    </a:solidFill>
+                  </a:tcPr>
+                </a:tc>
+                <a:tc>
+                  <a:tcPr anchor="t" marL="90000" marR="90000">
+                    <a:lnL w="720">
+                      <a:solidFill>
+                        <a:srgbClr val="ffffff"/>
+                      </a:solidFill>
+                    </a:lnL>
+                    <a:lnR w="720">
+                      <a:solidFill>
+                        <a:srgbClr val="ffffff"/>
+                      </a:solidFill>
+                    </a:lnR>
+                    <a:lnT w="720">
+                      <a:solidFill>
+                        <a:srgbClr val="ffffff"/>
+                      </a:solidFill>
+                    </a:lnT>
+                    <a:lnB w="720">
+                      <a:solidFill>
+                        <a:srgbClr val="ffffff"/>
+                      </a:solidFill>
+                    </a:lnB>
+                    <a:solidFill>
+                      <a:srgbClr val="e6e6e6"/>
+                    </a:solidFill>
+                  </a:tcPr>
+                </a:tc>
+              </a:tr>
+              <a:tr h="264600">
+                <a:tc>
+                  <a:txBody>
+                    <a:bodyPr lIns="90000" rIns="90000" tIns="46800" bIns="46800" anchor="t">
+                      <a:noAutofit/>
+                    </a:bodyPr>
+                    <a:p>
+                      <a:r>
+                        <a:rPr b="0" lang="en-US" sz="1200" spc="-1" strike="noStrike">
+                          <a:latin typeface="Arial"/>
+                        </a:rPr>
+                        <a:t>Svalutazioni</a:t>
+                      </a:r>
+                      <a:endParaRPr b="0" lang="en-US" sz="1200" spc="-1" strike="noStrike">
+                        <a:latin typeface="Arial"/>
+                      </a:endParaRPr>
+                    </a:p>
+                  </a:txBody>
+                  <a:tcPr anchor="t" marL="90000" marR="90000">
+                    <a:lnL w="720">
+                      <a:solidFill>
+                        <a:srgbClr val="ffffff"/>
+                      </a:solidFill>
+                    </a:lnL>
+                    <a:lnR w="720">
+                      <a:solidFill>
+                        <a:srgbClr val="ffffff"/>
+                      </a:solidFill>
+                    </a:lnR>
+                    <a:lnT w="720">
+                      <a:solidFill>
+                        <a:srgbClr val="ffffff"/>
+                      </a:solidFill>
+                    </a:lnT>
+                    <a:lnB w="720">
+                      <a:solidFill>
+                        <a:srgbClr val="ffffff"/>
+                      </a:solidFill>
+                    </a:lnB>
+                    <a:solidFill>
+                      <a:srgbClr val="cccccc"/>
+                    </a:solidFill>
+                  </a:tcPr>
+                </a:tc>
+                <a:tc>
+                  <a:txBody>
+                    <a:bodyPr lIns="90000" rIns="90000" tIns="46800" bIns="46800" anchor="t">
+                      <a:noAutofit/>
+                    </a:bodyPr>
+                    <a:p>
+                      <a:r>
+                        <a:rPr b="0" lang="en-US" sz="1200" spc="-1" strike="noStrike">
+                          <a:latin typeface="Arial"/>
+                        </a:rPr>
+                        <a:t>Partecipazione in societa’ collegate</a:t>
+                      </a:r>
+                      <a:endParaRPr b="0" lang="en-US" sz="1200" spc="-1" strike="noStrike">
+                        <a:latin typeface="Arial"/>
+                      </a:endParaRPr>
+                    </a:p>
+                  </a:txBody>
+                  <a:tcPr anchor="t" marL="90000" marR="90000">
+                    <a:lnL w="720">
+                      <a:solidFill>
+                        <a:srgbClr val="ffffff"/>
+                      </a:solidFill>
+                    </a:lnL>
+                    <a:lnR w="720">
+                      <a:solidFill>
+                        <a:srgbClr val="ffffff"/>
+                      </a:solidFill>
+                    </a:lnR>
+                    <a:lnT w="720">
+                      <a:solidFill>
+                        <a:srgbClr val="ffffff"/>
+                      </a:solidFill>
+                    </a:lnT>
+                    <a:lnB w="720">
+                      <a:solidFill>
+                        <a:srgbClr val="ffffff"/>
+                      </a:solidFill>
+                    </a:lnB>
+                    <a:solidFill>
+                      <a:srgbClr val="cccccc"/>
+                    </a:solidFill>
+                  </a:tcPr>
+                </a:tc>
+                <a:tc>
+                  <a:txBody>
+                    <a:bodyPr lIns="90000" rIns="90000" tIns="46800" bIns="46800" anchor="t">
+                      <a:noAutofit/>
+                    </a:bodyPr>
+                    <a:p>
+                      <a:r>
+                        <a:rPr b="0" lang="en-US" sz="1200" spc="-1" strike="noStrike">
+                          <a:latin typeface="Arial"/>
+                        </a:rPr>
+                        <a:t>16 M</a:t>
+                      </a:r>
+                      <a:endParaRPr b="0" lang="en-US" sz="1200" spc="-1" strike="noStrike">
+                        <a:latin typeface="Arial"/>
+                      </a:endParaRPr>
+                    </a:p>
+                  </a:txBody>
+                  <a:tcPr anchor="t" marL="90000" marR="90000">
+                    <a:lnL w="720">
+                      <a:solidFill>
+                        <a:srgbClr val="ffffff"/>
+                      </a:solidFill>
+                    </a:lnL>
+                    <a:lnR w="720">
+                      <a:solidFill>
+                        <a:srgbClr val="ffffff"/>
+                      </a:solidFill>
+                    </a:lnR>
+                    <a:lnT w="720">
+                      <a:solidFill>
+                        <a:srgbClr val="ffffff"/>
+                      </a:solidFill>
+                    </a:lnT>
+                    <a:lnB w="720">
+                      <a:solidFill>
+                        <a:srgbClr val="ffffff"/>
+                      </a:solidFill>
+                    </a:lnB>
+                    <a:solidFill>
+                      <a:srgbClr val="cccccc"/>
+                    </a:solidFill>
+                  </a:tcPr>
+                </a:tc>
+                <a:tc>
+                  <a:txBody>
+                    <a:bodyPr lIns="90000" rIns="90000" tIns="46800" bIns="46800" anchor="t">
+                      <a:noAutofit/>
+                    </a:bodyPr>
+                    <a:p>
+                      <a:r>
+                        <a:rPr b="0" lang="en-US" sz="1200" spc="-1" strike="noStrike">
+                          <a:latin typeface="Arial"/>
+                        </a:rPr>
+                        <a:t>10 M</a:t>
+                      </a:r>
+                      <a:endParaRPr b="0" lang="en-US" sz="1200" spc="-1" strike="noStrike">
+                        <a:latin typeface="Arial"/>
+                      </a:endParaRPr>
+                    </a:p>
+                  </a:txBody>
+                  <a:tcPr anchor="t" marL="90000" marR="90000">
+                    <a:lnL w="720">
+                      <a:solidFill>
+                        <a:srgbClr val="ffffff"/>
+                      </a:solidFill>
+                    </a:lnL>
+                    <a:lnR w="720">
+                      <a:solidFill>
+                        <a:srgbClr val="ffffff"/>
+                      </a:solidFill>
+                    </a:lnR>
+                    <a:lnT w="720">
+                      <a:solidFill>
+                        <a:srgbClr val="ffffff"/>
+                      </a:solidFill>
+                    </a:lnT>
+                    <a:lnB w="720">
+                      <a:solidFill>
+                        <a:srgbClr val="ffffff"/>
+                      </a:solidFill>
+                    </a:lnB>
+                    <a:solidFill>
+                      <a:srgbClr val="cccccc"/>
+                    </a:solidFill>
+                  </a:tcPr>
+                </a:tc>
+                <a:tc>
+                  <a:txBody>
+                    <a:bodyPr lIns="90000" rIns="90000" tIns="46800" bIns="46800" anchor="t">
+                      <a:noAutofit/>
+                    </a:bodyPr>
+                    <a:p>
+                      <a:r>
+                        <a:rPr b="0" lang="en-US" sz="1200" spc="-1" strike="noStrike">
+                          <a:latin typeface="Arial"/>
+                        </a:rPr>
+                        <a:t>-38%</a:t>
+                      </a:r>
+                      <a:endParaRPr b="0" lang="en-US" sz="1200" spc="-1" strike="noStrike">
+                        <a:latin typeface="Arial"/>
+                      </a:endParaRPr>
+                    </a:p>
+                  </a:txBody>
+                  <a:tcPr anchor="t" marL="90000" marR="90000">
+                    <a:lnL w="720">
+                      <a:solidFill>
+                        <a:srgbClr val="ffffff"/>
+                      </a:solidFill>
+                    </a:lnL>
+                    <a:lnR w="720">
+                      <a:solidFill>
+                        <a:srgbClr val="ffffff"/>
+                      </a:solidFill>
+                    </a:lnR>
+                    <a:lnT w="720">
+                      <a:solidFill>
+                        <a:srgbClr val="ffffff"/>
+                      </a:solidFill>
+                    </a:lnT>
+                    <a:lnB w="720">
+                      <a:solidFill>
+                        <a:srgbClr val="ffffff"/>
+                      </a:solidFill>
+                    </a:lnB>
+                    <a:solidFill>
+                      <a:srgbClr val="cccccc"/>
+                    </a:solidFill>
+                  </a:tcPr>
+                </a:tc>
+                <a:tc>
+                  <a:tcPr anchor="t" marL="90000" marR="90000">
+                    <a:lnL w="720">
+                      <a:solidFill>
+                        <a:srgbClr val="ffffff"/>
+                      </a:solidFill>
+                    </a:lnL>
+                    <a:lnR w="720">
+                      <a:solidFill>
+                        <a:srgbClr val="ffffff"/>
+                      </a:solidFill>
+                    </a:lnR>
+                    <a:lnT w="720">
+                      <a:solidFill>
+                        <a:srgbClr val="ffffff"/>
+                      </a:solidFill>
+                    </a:lnT>
+                    <a:lnB w="720">
+                      <a:solidFill>
+                        <a:srgbClr val="ffffff"/>
+                      </a:solidFill>
+                    </a:lnB>
+                    <a:solidFill>
+                      <a:srgbClr val="cccccc"/>
+                    </a:solidFill>
+                  </a:tcPr>
+                </a:tc>
+                <a:tc>
                   <a:tcPr anchor="t" marL="90000" marR="90000">
                     <a:lnL w="720">
                       <a:solidFill>
